--- a/CAN.pptx
+++ b/CAN.pptx
@@ -18,10 +18,12 @@
     <p:sldId id="263" r:id="rId12"/>
     <p:sldId id="266" r:id="rId13"/>
     <p:sldId id="264" r:id="rId14"/>
-    <p:sldId id="265" r:id="rId15"/>
-    <p:sldId id="270" r:id="rId16"/>
-    <p:sldId id="267" r:id="rId17"/>
-    <p:sldId id="269" r:id="rId18"/>
+    <p:sldId id="278" r:id="rId15"/>
+    <p:sldId id="265" r:id="rId16"/>
+    <p:sldId id="270" r:id="rId17"/>
+    <p:sldId id="280" r:id="rId18"/>
+    <p:sldId id="267" r:id="rId19"/>
+    <p:sldId id="269" r:id="rId20"/>
   </p:sldIdLst>
   <p:sldSz cx="12192000" cy="6858000"/>
   <p:notesSz cx="6858000" cy="9144000"/>
@@ -3750,32 +3752,66 @@
         </p:spPr>
         <p:txBody>
           <a:bodyPr>
-            <a:normAutofit fontScale="90%"/>
+            <a:normAutofit/>
           </a:bodyPr>
           <a:lstStyle/>
           <a:p>
             <a:pPr lvl="0"/>
+            <a:r>
+              <a:rPr lang="en-US" sz="4400" b="1" dirty="0"/>
+              <a:t>CAN </a:t>
+            </a:r>
             <a:br>
-              <a:rPr lang="en-US" sz="3400" b="1"/>
+              <a:rPr lang="en-US" sz="4400" b="1" dirty="0"/>
             </a:br>
+            <a:r>
+              <a:rPr kumimoji="0" lang="en-US" sz="1000" b="1" i="0" u="none" strike="noStrike" kern="1200" cap="all" spc="200" normalizeH="0" baseline="0%" noProof="0" dirty="0">
+                <a:ln>
+                  <a:noFill/>
+                </a:ln>
+                <a:solidFill>
+                  <a:schemeClr val="tx1">
+                    <a:lumMod val="65%"/>
+                    <a:lumOff val="35%"/>
+                  </a:schemeClr>
+                </a:solidFill>
+                <a:effectLst/>
+                <a:uLnTx/>
+                <a:uFillTx/>
+                <a:latin typeface="Gill Sans MT"/>
+              </a:rPr>
+              <a:t>IN THE TM4C123GH6PM microcontroller</a:t>
+            </a:r>
             <a:br>
-              <a:rPr lang="en-US" sz="3400" b="1"/>
+              <a:rPr kumimoji="0" lang="en-US" sz="500" b="1" i="0" u="none" strike="noStrike" kern="1200" cap="all" spc="200" normalizeH="0" baseline="0%" noProof="0" dirty="0">
+                <a:ln>
+                  <a:noFill/>
+                </a:ln>
+                <a:solidFill>
+                  <a:srgbClr val="262626"/>
+                </a:solidFill>
+                <a:effectLst/>
+                <a:uLnTx/>
+                <a:uFillTx/>
+                <a:latin typeface="Gill Sans MT"/>
+              </a:rPr>
             </a:br>
             <a:r>
-              <a:rPr lang="en-US" sz="4400" b="1"/>
-              <a:t>CAN Driver</a:t>
-            </a:r>
-            <a:br>
-              <a:rPr lang="en-US" sz="3400" b="1"/>
-            </a:br>
-            <a:r>
-              <a:rPr lang="en-US" sz="3400"/>
+              <a:rPr kumimoji="0" lang="en-US" sz="500" b="0" i="0" u="none" strike="noStrike" kern="1200" cap="all" spc="200" normalizeH="0" baseline="0%" noProof="0" dirty="0">
+                <a:ln>
+                  <a:noFill/>
+                </a:ln>
+                <a:solidFill>
+                  <a:srgbClr val="262626"/>
+                </a:solidFill>
+                <a:effectLst/>
+                <a:uLnTx/>
+                <a:uFillTx/>
+                <a:latin typeface="Gill Sans MT"/>
+              </a:rPr>
               <a:t> </a:t>
             </a:r>
-          </a:p>
-          <a:p>
-            <a:pPr lvl="0"/>
-            <a:endParaRPr lang="en-US" sz="3400"/>
+            <a:endParaRPr lang="en-US" sz="3400" dirty="0"/>
           </a:p>
         </p:txBody>
       </p:sp>
@@ -3811,10 +3847,10 @@
               </a:lnSpc>
             </a:pPr>
             <a:r>
-              <a:rPr lang="en-US" b="1"/>
+              <a:rPr lang="en-US" b="1" dirty="0"/>
               <a:t>A Standard Serial Communication Protocol</a:t>
             </a:r>
-            <a:endParaRPr lang="en-US"/>
+            <a:endParaRPr lang="en-US" dirty="0"/>
           </a:p>
           <a:p>
             <a:pPr lvl="0">
@@ -3822,7 +3858,7 @@
                 <a:spcPct val="90%"/>
               </a:lnSpc>
             </a:pPr>
-            <a:endParaRPr lang="en-US" b="1"/>
+            <a:endParaRPr lang="en-US" b="1" dirty="0"/>
           </a:p>
           <a:p>
             <a:pPr lvl="0">
@@ -3831,8 +3867,16 @@
               </a:lnSpc>
             </a:pPr>
             <a:r>
-              <a:rPr lang="en-US" b="1"/>
-              <a:t>Author: Shams Eldin Elgohary</a:t>
+              <a:rPr lang="en-US" b="1" dirty="0"/>
+              <a:t>Author: Shams </a:t>
+            </a:r>
+            <a:r>
+              <a:rPr lang="en-US" b="1" dirty="0" err="1"/>
+              <a:t>Eldin</a:t>
+            </a:r>
+            <a:r>
+              <a:rPr lang="en-US" b="1" dirty="0"/>
+              <a:t> Elgohary</a:t>
             </a:r>
           </a:p>
         </p:txBody>
@@ -4972,12 +5016,13 @@
         </p:nvSpPr>
         <p:spPr>
           <a:xfrm>
-            <a:off x="742968" y="944026"/>
-            <a:ext cx="10691467" cy="5913973"/>
-          </a:xfrm>
-          <a:solidFill>
-            <a:srgbClr val="FFFFFF"/>
-          </a:solidFill>
+            <a:off x="1285058" y="1407693"/>
+            <a:ext cx="9621880" cy="4483329"/>
+          </a:xfrm>
+          <a:noFill/>
+          <a:ln>
+            <a:noFill/>
+          </a:ln>
           <a:effectLst>
             <a:softEdge rad="31750"/>
           </a:effectLst>
@@ -4992,24 +5037,56 @@
               <a:buNone/>
             </a:pPr>
             <a:r>
-              <a:rPr lang="en-US" sz="1100" dirty="0"/>
-              <a:t>1- Set the WRNRD (Write Not Read) bit to specify a write to the </a:t>
-            </a:r>
-            <a:r>
-              <a:rPr lang="en-US" sz="1100" dirty="0" err="1"/>
+              <a:rPr lang="en-US" sz="1450" dirty="0"/>
+              <a:t>1-- In the CAN </a:t>
+            </a:r>
+            <a:r>
+              <a:rPr lang="en-US" sz="1450" dirty="0" err="1"/>
+              <a:t>IFn</a:t>
+            </a:r>
+            <a:r>
+              <a:rPr lang="en-US" sz="1450" dirty="0"/>
+              <a:t> Command Mask (</a:t>
+            </a:r>
+            <a:r>
+              <a:rPr lang="en-US" sz="1450" dirty="0" err="1"/>
               <a:t>CANIFnCMASK</a:t>
             </a:r>
             <a:r>
-              <a:rPr lang="en-US" sz="1100" dirty="0"/>
-              <a:t> register, specify whether to transfer the IDMASK, DIR, and MXTD of the message object into the CAN </a:t>
-            </a:r>
-            <a:r>
-              <a:rPr lang="en-US" sz="1100" dirty="0" err="1"/>
+              <a:rPr lang="en-US" sz="1450" dirty="0"/>
+              <a:t>) register</a:t>
+            </a:r>
+          </a:p>
+          <a:p>
+            <a:r>
+              <a:rPr lang="en-US" sz="1450" dirty="0"/>
+              <a:t>Set the WRNRD (Write Not Read) bit to specify a write , specify whether to transfer the IDMASK, DIR, and MXTD of the message object into the CAN </a:t>
+            </a:r>
+            <a:r>
+              <a:rPr lang="en-US" sz="1450" dirty="0" err="1"/>
               <a:t>IFn</a:t>
             </a:r>
             <a:r>
-              <a:rPr lang="en-US" sz="1100" dirty="0"/>
+              <a:rPr lang="en-US" sz="1450" dirty="0"/>
               <a:t> registers using the MASK bit.</a:t>
+            </a:r>
+          </a:p>
+          <a:p>
+            <a:r>
+              <a:rPr lang="en-US" sz="1450" dirty="0"/>
+              <a:t>Specify which bits to transfer using the DATAA and DATAB bits.</a:t>
+            </a:r>
+          </a:p>
+          <a:p>
+            <a:r>
+              <a:rPr lang="en-US" sz="1450" dirty="0"/>
+              <a:t>Specify whether to transfer the ID, DIR, XTD, and MSGVAL of the message object into the interface registers using the ARB bit.</a:t>
+            </a:r>
+          </a:p>
+          <a:p>
+            <a:r>
+              <a:rPr lang="en-US" sz="1450" dirty="0"/>
+              <a:t>Specify whether to transfer the control bits into the interface registers using the CONTROL bit.</a:t>
             </a:r>
           </a:p>
           <a:p>
@@ -5017,8 +5094,19 @@
               <a:buNone/>
             </a:pPr>
             <a:r>
-              <a:rPr lang="en-US" sz="1100" dirty="0"/>
-              <a:t>2- Specify which bits to transfer using the DATAA and DATAB bits</a:t>
+              <a:rPr lang="en-US" sz="1450" dirty="0"/>
+              <a:t>3- We have 2 types of formatting for the message ID: </a:t>
+            </a:r>
+          </a:p>
+          <a:p>
+            <a:pPr lvl="0"/>
+            <a:r>
+              <a:rPr lang="en-US" sz="1450" dirty="0"/>
+              <a:t> </a:t>
+            </a:r>
+            <a:r>
+              <a:rPr lang="en-US" sz="1450" b="1" dirty="0"/>
+              <a:t>For the 11 Bit Standard Format :</a:t>
             </a:r>
           </a:p>
           <a:p>
@@ -5026,348 +5114,71 @@
               <a:buNone/>
             </a:pPr>
             <a:r>
-              <a:rPr lang="en-US" sz="1100" dirty="0"/>
-              <a:t>3- We have 2 types of formatting for the message ID: </a:t>
-            </a:r>
-          </a:p>
-          <a:p>
-            <a:pPr lvl="0"/>
-            <a:r>
-              <a:rPr lang="en-US" sz="1100" dirty="0"/>
+              <a:rPr lang="en-US" sz="1450" dirty="0"/>
+              <a:t>In the CANIFnMSK2 register the MSK[12:2] are used for bits [10:0] of the 11-bit message identifier for </a:t>
+            </a:r>
+            <a:r>
+              <a:rPr lang="en-US" sz="1450" dirty="0">
+                <a:solidFill>
+                  <a:srgbClr val="FFD966"/>
+                </a:solidFill>
+              </a:rPr>
+              <a:t>acceptance filtering</a:t>
+            </a:r>
+            <a:r>
+              <a:rPr lang="en-US" sz="1450" dirty="0">
+                <a:solidFill>
+                  <a:srgbClr val="000000"/>
+                </a:solidFill>
+              </a:rPr>
+              <a:t>.</a:t>
+            </a:r>
+            <a:r>
+              <a:rPr lang="en-US" sz="1450" dirty="0">
+                <a:solidFill>
+                  <a:srgbClr val="FFD966"/>
+                </a:solidFill>
+              </a:rPr>
               <a:t> </a:t>
             </a:r>
-            <a:r>
-              <a:rPr lang="en-US" sz="1100" b="1" dirty="0"/>
-              <a:t>For the 11 Bit Standard Format :</a:t>
-            </a:r>
+            <a:endParaRPr lang="en-US" sz="1450" dirty="0"/>
           </a:p>
           <a:p>
             <a:pPr marL="0" lvl="0" indent="0">
               <a:buNone/>
             </a:pPr>
             <a:r>
-              <a:rPr lang="en-US" sz="1100" dirty="0"/>
-              <a:t>In the CANIFnMSK2 register the MSK[12:2] are used for bits [10:0] of the 11-bit message identifier for </a:t>
-            </a:r>
-            <a:r>
-              <a:rPr lang="en-US" sz="1100" dirty="0">
+              <a:rPr lang="en-US" sz="1450" dirty="0"/>
+              <a:t>Then Configure ID[12:2] in the CANIFnARB2 register for bits [10:0] of the 11-bit </a:t>
+            </a:r>
+            <a:r>
+              <a:rPr lang="en-US" sz="1450" dirty="0">
                 <a:solidFill>
                   <a:srgbClr val="FFD966"/>
                 </a:solidFill>
               </a:rPr>
-              <a:t>acceptance filtering</a:t>
-            </a:r>
-            <a:r>
-              <a:rPr lang="en-US" sz="1100" dirty="0">
+              <a:t>message identifier</a:t>
+            </a:r>
+            <a:r>
+              <a:rPr lang="en-US" sz="1450" dirty="0">
                 <a:solidFill>
                   <a:srgbClr val="000000"/>
                 </a:solidFill>
               </a:rPr>
               <a:t>.</a:t>
             </a:r>
-            <a:r>
-              <a:rPr lang="en-US" sz="1100" dirty="0">
-                <a:solidFill>
-                  <a:srgbClr val="FFD966"/>
-                </a:solidFill>
-              </a:rPr>
-              <a:t> </a:t>
-            </a:r>
-            <a:endParaRPr lang="en-US" sz="1100" dirty="0"/>
           </a:p>
           <a:p>
             <a:pPr marL="0" lvl="0" indent="0">
               <a:buNone/>
             </a:pPr>
             <a:r>
-              <a:rPr lang="en-US" sz="1100" dirty="0"/>
-              <a:t>Then Configure ID[12:2] in the CANIFnARB2 register for bits [10:0] of the 11-bit </a:t>
-            </a:r>
-            <a:r>
-              <a:rPr lang="en-US" sz="1100" dirty="0">
-                <a:solidFill>
-                  <a:srgbClr val="FFD966"/>
-                </a:solidFill>
-              </a:rPr>
-              <a:t>message identifier</a:t>
-            </a:r>
-            <a:r>
-              <a:rPr lang="en-US" sz="1100" dirty="0">
-                <a:solidFill>
-                  <a:srgbClr val="000000"/>
-                </a:solidFill>
-              </a:rPr>
-              <a:t>.</a:t>
-            </a:r>
-          </a:p>
-          <a:p>
-            <a:pPr marL="0" lvl="0" indent="0">
-              <a:buNone/>
-            </a:pPr>
-            <a:r>
-              <a:rPr lang="en-US" sz="1100" dirty="0"/>
-              <a:t>Clear the XTD bit to indicate standard identifier, and set the DIR bit to indicate transmit, and the MSGVAL bit to indicate that the message object is valid</a:t>
-            </a:r>
-            <a:endParaRPr lang="en-US" sz="1100" dirty="0">
-              <a:solidFill>
-                <a:srgbClr val="FFD966"/>
-              </a:solidFill>
-            </a:endParaRPr>
-          </a:p>
-          <a:p>
-            <a:pPr lvl="0"/>
-            <a:r>
-              <a:rPr lang="en-US" sz="1100" b="1" dirty="0"/>
-              <a:t>For the 29 Bit Extended Format :</a:t>
-            </a:r>
-          </a:p>
-          <a:p>
-            <a:pPr marL="0" lvl="0" indent="0">
-              <a:buNone/>
-            </a:pPr>
-            <a:r>
-              <a:rPr lang="en-US" sz="1100" dirty="0"/>
-              <a:t>In the CANIFnMSK1 register the MSK[15:0] are used for bits [15:0] of the for acceptance filtering and in the CANIFnMSK2 register the MSK[12:0] are used for bits [28:16] of the 29-bit message identifier </a:t>
-            </a:r>
-            <a:r>
-              <a:rPr lang="en-US" sz="1100" dirty="0">
-                <a:solidFill>
-                  <a:srgbClr val="FFD966"/>
-                </a:solidFill>
-              </a:rPr>
-              <a:t>for acceptance filtering </a:t>
-            </a:r>
-            <a:r>
-              <a:rPr lang="en-US" sz="1100" dirty="0"/>
-              <a:t>. </a:t>
-            </a:r>
-          </a:p>
-          <a:p>
-            <a:pPr marL="0" lvl="0" indent="0">
-              <a:buNone/>
-            </a:pPr>
-            <a:r>
-              <a:rPr lang="en-US" sz="1100" dirty="0"/>
-              <a:t>The same process is repeated for registers CANIFnARB1and CANIFnARB2 for the 29-bit </a:t>
-            </a:r>
-            <a:r>
-              <a:rPr lang="en-US" sz="1100" dirty="0">
-                <a:solidFill>
-                  <a:srgbClr val="FFD966"/>
-                </a:solidFill>
-              </a:rPr>
-              <a:t>message identifier</a:t>
-            </a:r>
-            <a:r>
-              <a:rPr lang="en-US" sz="1100" dirty="0"/>
-              <a:t> . </a:t>
-            </a:r>
-          </a:p>
-          <a:p>
-            <a:pPr marL="0" lvl="0" indent="0">
-              <a:buNone/>
-            </a:pPr>
-            <a:r>
-              <a:rPr lang="en-US" sz="1100" dirty="0"/>
-              <a:t>Set the XTD bit to indicate an extended identifier, the DIR bit to indicate transmit, and the MSGVAL bit to indicate that the message object is valid</a:t>
-            </a:r>
-          </a:p>
-          <a:p>
-            <a:pPr marL="0" lvl="0" indent="0">
-              <a:buNone/>
-            </a:pPr>
-            <a:r>
-              <a:rPr lang="en-US" sz="1100" dirty="0"/>
-              <a:t>4- In the </a:t>
-            </a:r>
-            <a:r>
-              <a:rPr lang="en-US" sz="1100" dirty="0" err="1"/>
-              <a:t>CANIFnMCTL</a:t>
-            </a:r>
-            <a:r>
-              <a:rPr lang="en-US" sz="1100" dirty="0"/>
-              <a:t> register:</a:t>
-            </a:r>
-          </a:p>
-          <a:p>
-            <a:pPr lvl="0"/>
-            <a:r>
-              <a:rPr lang="en-US" sz="1100" dirty="0"/>
-              <a:t>Optionally set the UMASK bit to enable the mask (MSK, MXTD, and MDIR specified in the CANIFnMSK1 and CANIFnMSK2 registers) for acceptance filtering.</a:t>
-            </a:r>
-          </a:p>
-          <a:p>
-            <a:pPr lvl="0"/>
-            <a:r>
-              <a:rPr lang="en-US" sz="1100" dirty="0"/>
-              <a:t>Optionally set the TXIE bit to enable the INTPND bit to be set after a successful transmission, or the RMTEN bit to enable the reception of a matching remote frame.</a:t>
-            </a:r>
-          </a:p>
-          <a:p>
-            <a:pPr lvl="0"/>
-            <a:r>
-              <a:rPr lang="en-US" sz="1100" dirty="0"/>
-              <a:t>Set the EOB bit for a single message object.</a:t>
-            </a:r>
-          </a:p>
-          <a:p>
-            <a:pPr lvl="0"/>
-            <a:r>
-              <a:rPr lang="en-US" sz="1100" dirty="0"/>
-              <a:t>Configure the DLC[3:0] field to specify the size of the data frame.</a:t>
-            </a:r>
-          </a:p>
-          <a:p>
-            <a:pPr marL="0" lvl="0" indent="0">
-              <a:buNone/>
-            </a:pPr>
-            <a:r>
-              <a:rPr lang="en-US" sz="1100" dirty="0"/>
-              <a:t>5- Load the data to be transmitted into the Data (</a:t>
-            </a:r>
-            <a:r>
-              <a:rPr lang="en-US" sz="1100" dirty="0" err="1"/>
-              <a:t>CANIFnDAn</a:t>
-            </a:r>
-            <a:r>
-              <a:rPr lang="en-US" sz="1100" dirty="0"/>
-              <a:t>, </a:t>
-            </a:r>
-            <a:r>
-              <a:rPr lang="en-US" sz="1100" dirty="0" err="1"/>
-              <a:t>CANIFnDBn</a:t>
-            </a:r>
-            <a:r>
-              <a:rPr lang="en-US" sz="1100" dirty="0"/>
-              <a:t>) registers.</a:t>
-            </a:r>
-          </a:p>
-          <a:p>
-            <a:pPr marL="0" lvl="0" indent="0">
-              <a:buNone/>
-            </a:pPr>
-            <a:r>
-              <a:rPr lang="en-US" sz="1100" dirty="0"/>
-              <a:t>6- Program the number of the message object to be transmitted in the MNUM field in </a:t>
-            </a:r>
-            <a:r>
-              <a:rPr lang="en-US" sz="1100" dirty="0" err="1"/>
-              <a:t>CANIFnCRQ</a:t>
-            </a:r>
-            <a:r>
-              <a:rPr lang="en-US" sz="1100" dirty="0"/>
-              <a:t>.</a:t>
-            </a:r>
-          </a:p>
-          <a:p>
-            <a:pPr marL="0" lvl="0" indent="0">
-              <a:buNone/>
-            </a:pPr>
-            <a:r>
-              <a:rPr lang="en-US" sz="1100" dirty="0"/>
-              <a:t>7- When everything is properly configured, set the TXRQST bit in the </a:t>
-            </a:r>
-            <a:r>
-              <a:rPr lang="en-US" sz="1100" dirty="0" err="1"/>
-              <a:t>CANIFnMCTL</a:t>
-            </a:r>
-            <a:r>
-              <a:rPr lang="en-US" sz="1100" dirty="0"/>
-              <a:t> register, Once this bit is set, the message object is available to be transmitted.</a:t>
-            </a:r>
-          </a:p>
-        </p:txBody>
-      </p:sp>
-      <p:cxnSp>
-        <p:nvCxnSpPr>
-          <p:cNvPr id="6" name="Straight Connector 12">
-            <a:extLst>
-              <a:ext uri="{FF2B5EF4-FFF2-40B4-BE49-F238E27FC236}">
-                <a16:creationId xmlns:a16="http://schemas.microsoft.com/office/drawing/2014/main" id="{D483AC1A-8D5C-461E-997D-545FB78E04EB}"/>
-              </a:ext>
-            </a:extLst>
-          </p:cNvPr>
-          <p:cNvCxnSpPr/>
-          <p:nvPr/>
-        </p:nvCxnSpPr>
-        <p:spPr>
-          <a:xfrm flipV="1">
-            <a:off x="390521" y="657225"/>
-            <a:ext cx="0" cy="6200775"/>
-          </a:xfrm>
-          <a:prstGeom prst="straightConnector1">
-            <a:avLst/>
-          </a:prstGeom>
-          <a:noFill/>
-          <a:ln w="19046" cap="flat">
-            <a:solidFill>
-              <a:srgbClr val="FFFFFF"/>
-            </a:solidFill>
-            <a:prstDash val="solid"/>
-            <a:miter/>
-          </a:ln>
-        </p:spPr>
-      </p:cxnSp>
-      <p:cxnSp>
-        <p:nvCxnSpPr>
-          <p:cNvPr id="7" name="Straight Connector 13">
-            <a:extLst>
-              <a:ext uri="{FF2B5EF4-FFF2-40B4-BE49-F238E27FC236}">
-                <a16:creationId xmlns:a16="http://schemas.microsoft.com/office/drawing/2014/main" id="{CF1C3D7C-1BA1-4D87-AC07-BF10AD59419B}"/>
-              </a:ext>
-            </a:extLst>
-          </p:cNvPr>
-          <p:cNvCxnSpPr/>
-          <p:nvPr/>
-        </p:nvCxnSpPr>
-        <p:spPr>
-          <a:xfrm flipV="1">
-            <a:off x="11858625" y="712765"/>
-            <a:ext cx="0" cy="6155137"/>
-          </a:xfrm>
-          <a:prstGeom prst="straightConnector1">
-            <a:avLst/>
-          </a:prstGeom>
-          <a:noFill/>
-          <a:ln w="19046" cap="flat">
-            <a:solidFill>
-              <a:srgbClr val="FFFFFF"/>
-            </a:solidFill>
-            <a:prstDash val="solid"/>
-            <a:miter/>
-          </a:ln>
-        </p:spPr>
-      </p:cxnSp>
-      <p:cxnSp>
-        <p:nvCxnSpPr>
-          <p:cNvPr id="8" name="Straight Connector 18">
-            <a:extLst>
-              <a:ext uri="{FF2B5EF4-FFF2-40B4-BE49-F238E27FC236}">
-                <a16:creationId xmlns:a16="http://schemas.microsoft.com/office/drawing/2014/main" id="{16778C6F-D299-4E5D-BAC8-75BE452F9BA9}"/>
-              </a:ext>
-            </a:extLst>
-          </p:cNvPr>
-          <p:cNvCxnSpPr/>
-          <p:nvPr/>
-        </p:nvCxnSpPr>
-        <p:spPr>
-          <a:xfrm>
-            <a:off x="390521" y="657225"/>
-            <a:ext cx="11468104" cy="55540"/>
-          </a:xfrm>
-          <a:prstGeom prst="straightConnector1">
-            <a:avLst/>
-          </a:prstGeom>
-          <a:noFill/>
-          <a:ln w="19046" cap="flat">
-            <a:solidFill>
-              <a:srgbClr val="FFFFFF"/>
-            </a:solidFill>
-            <a:prstDash val="solid"/>
-            <a:miter/>
-          </a:ln>
-        </p:spPr>
-      </p:cxnSp>
+              <a:rPr lang="en-US" sz="1450" dirty="0"/>
+              <a:t>Clear the XTD bit to indicate standard identifier, and set the DIR bit to indicate transmit, and the MSGVAL bit to indicate that the message object is valid.</a:t>
+            </a:r>
+          </a:p>
+        </p:txBody>
+      </p:sp>
       <p:sp>
         <p:nvSpPr>
           <p:cNvPr id="9" name="Title 1">
@@ -5386,7 +5197,7 @@
         </p:nvSpPr>
         <p:spPr>
           <a:xfrm>
-            <a:off x="1768028" y="80677"/>
+            <a:off x="1934719" y="545253"/>
             <a:ext cx="8322557" cy="782671"/>
           </a:xfrm>
         </p:spPr>
@@ -5396,7 +5207,7 @@
           <a:p>
             <a:pPr lvl="0"/>
             <a:r>
-              <a:rPr lang="en-US"/>
+              <a:rPr lang="en-US" dirty="0"/>
               <a:t>Configure a Transmit Message Object</a:t>
             </a:r>
           </a:p>
@@ -5411,6 +5222,422 @@
 </file>
 
 <file path=ppt/slides/slide14.xml><?xml version="1.0" encoding="utf-8"?>
+<p:sld xmlns:a="http://purl.oclc.org/ooxml/drawingml/main" xmlns:r="http://purl.oclc.org/ooxml/officeDocument/relationships" xmlns:p="http://purl.oclc.org/ooxml/presentationml/main">
+  <p:cSld>
+    <p:spTree>
+      <p:nvGrpSpPr>
+        <p:cNvPr id="1" name=""/>
+        <p:cNvGrpSpPr/>
+        <p:nvPr/>
+      </p:nvGrpSpPr>
+      <p:grpSpPr>
+        <a:xfrm>
+          <a:off x="0" y="0"/>
+          <a:ext cx="0" cy="0"/>
+          <a:chOff x="0" y="0"/>
+          <a:chExt cx="0" cy="0"/>
+        </a:xfrm>
+      </p:grpSpPr>
+      <p:sp>
+        <p:nvSpPr>
+          <p:cNvPr id="2" name="Rectangle 7">
+            <a:extLst>
+              <a:ext uri="{FF2B5EF4-FFF2-40B4-BE49-F238E27FC236}">
+                <a16:creationId xmlns:a16="http://schemas.microsoft.com/office/drawing/2014/main" id="{4CF3A89E-9D20-46CC-BA9B-51766B1FB1DF}"/>
+              </a:ext>
+            </a:extLst>
+          </p:cNvPr>
+          <p:cNvSpPr>
+            <a:spLocks noMove="1" noResize="1"/>
+          </p:cNvSpPr>
+          <p:nvPr/>
+        </p:nvSpPr>
+        <p:spPr>
+          <a:xfrm>
+            <a:off x="0" y="0"/>
+            <a:ext cx="12191996" cy="6858000"/>
+          </a:xfrm>
+          <a:prstGeom prst="rect">
+            <a:avLst/>
+          </a:prstGeom>
+          <a:solidFill>
+            <a:srgbClr val="9BAFB5"/>
+          </a:solidFill>
+          <a:ln cap="flat">
+            <a:noFill/>
+            <a:prstDash val="solid"/>
+          </a:ln>
+        </p:spPr>
+        <p:txBody>
+          <a:bodyPr vert="horz" wrap="square" lIns="91440" tIns="45720" rIns="91440" bIns="45720" anchor="ctr" anchorCtr="1" compatLnSpc="1">
+            <a:noAutofit/>
+          </a:bodyPr>
+          <a:lstStyle/>
+          <a:p>
+            <a:pPr marL="0" marR="0" lvl="0" indent="0" algn="ctr" defTabSz="457200" rtl="0" fontAlgn="auto" hangingPunct="1">
+              <a:lnSpc>
+                <a:spcPct val="100%"/>
+              </a:lnSpc>
+              <a:spcBef>
+                <a:spcPts val="0"/>
+              </a:spcBef>
+              <a:spcAft>
+                <a:spcPts val="0"/>
+              </a:spcAft>
+              <a:buNone/>
+              <a:tabLst/>
+              <a:defRPr sz="1800" b="0" i="0" u="none" strike="noStrike" kern="0" cap="none" spc="0" baseline="0%">
+                <a:solidFill>
+                  <a:srgbClr val="000000"/>
+                </a:solidFill>
+                <a:uFillTx/>
+              </a:defRPr>
+            </a:pPr>
+            <a:endParaRPr lang="en-US" sz="1800" b="0" i="0" u="none" strike="noStrike" kern="1200" cap="none" spc="0" baseline="0%">
+              <a:solidFill>
+                <a:srgbClr val="FFFFFF"/>
+              </a:solidFill>
+              <a:uFillTx/>
+              <a:latin typeface="Gill Sans MT"/>
+            </a:endParaRPr>
+          </a:p>
+        </p:txBody>
+      </p:sp>
+      <p:sp>
+        <p:nvSpPr>
+          <p:cNvPr id="3" name="Rectangle 9">
+            <a:extLst>
+              <a:ext uri="{FF2B5EF4-FFF2-40B4-BE49-F238E27FC236}">
+                <a16:creationId xmlns:a16="http://schemas.microsoft.com/office/drawing/2014/main" id="{8A7CF62C-55D5-487D-A2D8-4F3E985618AE}"/>
+              </a:ext>
+            </a:extLst>
+          </p:cNvPr>
+          <p:cNvSpPr>
+            <a:spLocks noMove="1" noResize="1"/>
+          </p:cNvSpPr>
+          <p:nvPr/>
+        </p:nvSpPr>
+        <p:spPr>
+          <a:xfrm>
+            <a:off x="1249683" y="1248156"/>
+            <a:ext cx="9692640" cy="4361688"/>
+          </a:xfrm>
+          <a:prstGeom prst="rect">
+            <a:avLst/>
+          </a:prstGeom>
+          <a:solidFill>
+            <a:srgbClr val="FFFFFF"/>
+          </a:solidFill>
+          <a:ln cap="flat">
+            <a:noFill/>
+            <a:prstDash val="solid"/>
+          </a:ln>
+        </p:spPr>
+        <p:txBody>
+          <a:bodyPr vert="horz" wrap="square" lIns="91440" tIns="45720" rIns="91440" bIns="45720" anchor="ctr" anchorCtr="1" compatLnSpc="1">
+            <a:noAutofit/>
+          </a:bodyPr>
+          <a:lstStyle/>
+          <a:p>
+            <a:pPr marL="0" marR="0" lvl="0" indent="0" algn="ctr" defTabSz="457200" rtl="0" fontAlgn="auto" hangingPunct="1">
+              <a:lnSpc>
+                <a:spcPct val="100%"/>
+              </a:lnSpc>
+              <a:spcBef>
+                <a:spcPts val="0"/>
+              </a:spcBef>
+              <a:spcAft>
+                <a:spcPts val="0"/>
+              </a:spcAft>
+              <a:buNone/>
+              <a:tabLst/>
+              <a:defRPr sz="1800" b="0" i="0" u="none" strike="noStrike" kern="0" cap="none" spc="0" baseline="0%">
+                <a:solidFill>
+                  <a:srgbClr val="000000"/>
+                </a:solidFill>
+                <a:uFillTx/>
+              </a:defRPr>
+            </a:pPr>
+            <a:endParaRPr lang="en-US" sz="1800" b="0" i="0" u="none" strike="noStrike" kern="1200" cap="none" spc="0" baseline="0%">
+              <a:solidFill>
+                <a:srgbClr val="FFFFFF"/>
+              </a:solidFill>
+              <a:uFillTx/>
+              <a:latin typeface="Gill Sans MT"/>
+            </a:endParaRPr>
+          </a:p>
+        </p:txBody>
+      </p:sp>
+      <p:sp>
+        <p:nvSpPr>
+          <p:cNvPr id="4" name="Rectangle 11">
+            <a:extLst>
+              <a:ext uri="{FF2B5EF4-FFF2-40B4-BE49-F238E27FC236}">
+                <a16:creationId xmlns:a16="http://schemas.microsoft.com/office/drawing/2014/main" id="{BD922638-08FF-4073-8860-A65084CDB9AF}"/>
+              </a:ext>
+            </a:extLst>
+          </p:cNvPr>
+          <p:cNvSpPr>
+            <a:spLocks noMove="1" noResize="1"/>
+          </p:cNvSpPr>
+          <p:nvPr/>
+        </p:nvSpPr>
+        <p:spPr>
+          <a:xfrm>
+            <a:off x="1062231" y="1060704"/>
+            <a:ext cx="10067544" cy="4736592"/>
+          </a:xfrm>
+          <a:prstGeom prst="rect">
+            <a:avLst/>
+          </a:prstGeom>
+          <a:noFill/>
+          <a:ln w="31747" cap="sq">
+            <a:solidFill>
+              <a:srgbClr val="FFFFFF"/>
+            </a:solidFill>
+            <a:prstDash val="solid"/>
+            <a:miter/>
+          </a:ln>
+        </p:spPr>
+        <p:txBody>
+          <a:bodyPr vert="horz" wrap="square" lIns="91440" tIns="45720" rIns="91440" bIns="45720" anchor="ctr" anchorCtr="1" compatLnSpc="1">
+            <a:noAutofit/>
+          </a:bodyPr>
+          <a:lstStyle/>
+          <a:p>
+            <a:pPr marL="0" marR="0" lvl="0" indent="0" algn="ctr" defTabSz="457200" rtl="0" fontAlgn="auto" hangingPunct="1">
+              <a:lnSpc>
+                <a:spcPct val="100%"/>
+              </a:lnSpc>
+              <a:spcBef>
+                <a:spcPts val="0"/>
+              </a:spcBef>
+              <a:spcAft>
+                <a:spcPts val="0"/>
+              </a:spcAft>
+              <a:buNone/>
+              <a:tabLst/>
+              <a:defRPr sz="1800" b="0" i="0" u="none" strike="noStrike" kern="0" cap="none" spc="0" baseline="0%">
+                <a:solidFill>
+                  <a:srgbClr val="000000"/>
+                </a:solidFill>
+                <a:uFillTx/>
+              </a:defRPr>
+            </a:pPr>
+            <a:endParaRPr lang="en-US" sz="1800" b="0" i="0" u="none" strike="noStrike" kern="1200" cap="none" spc="0" baseline="0%">
+              <a:solidFill>
+                <a:srgbClr val="FFFFFF"/>
+              </a:solidFill>
+              <a:uFillTx/>
+              <a:latin typeface="Gill Sans MT"/>
+            </a:endParaRPr>
+          </a:p>
+        </p:txBody>
+      </p:sp>
+      <p:sp>
+        <p:nvSpPr>
+          <p:cNvPr id="5" name="Content Placeholder 2">
+            <a:extLst>
+              <a:ext uri="{FF2B5EF4-FFF2-40B4-BE49-F238E27FC236}">
+                <a16:creationId xmlns:a16="http://schemas.microsoft.com/office/drawing/2014/main" id="{99179E2E-D3B0-47B7-AD61-DEF5B13E8833}"/>
+              </a:ext>
+            </a:extLst>
+          </p:cNvPr>
+          <p:cNvSpPr txBox="1">
+            <a:spLocks noGrp="1"/>
+          </p:cNvSpPr>
+          <p:nvPr>
+            <p:ph idx="1"/>
+          </p:nvPr>
+        </p:nvSpPr>
+        <p:spPr>
+          <a:xfrm>
+            <a:off x="1319238" y="1367808"/>
+            <a:ext cx="9553518" cy="4202151"/>
+          </a:xfrm>
+          <a:noFill/>
+          <a:ln>
+            <a:noFill/>
+          </a:ln>
+          <a:effectLst>
+            <a:softEdge rad="31750"/>
+          </a:effectLst>
+        </p:spPr>
+        <p:txBody>
+          <a:bodyPr>
+            <a:noAutofit/>
+          </a:bodyPr>
+          <a:lstStyle/>
+          <a:p>
+            <a:pPr lvl="0"/>
+            <a:r>
+              <a:rPr lang="en-US" sz="1400" b="1" dirty="0"/>
+              <a:t>For the 29 Bit Extended Format :</a:t>
+            </a:r>
+          </a:p>
+          <a:p>
+            <a:pPr marL="0" lvl="0" indent="0">
+              <a:buNone/>
+            </a:pPr>
+            <a:r>
+              <a:rPr lang="en-US" sz="1400" dirty="0"/>
+              <a:t>In the CANIFnMSK1 register the MSK[15:0] are used for bits [15:0] of the for acceptance filtering and in the CANIFnMSK2 register the MSK[12:0] are used for bits [28:16] of the 29-bit message identifier </a:t>
+            </a:r>
+            <a:r>
+              <a:rPr lang="en-US" sz="1400" dirty="0">
+                <a:solidFill>
+                  <a:srgbClr val="FFD966"/>
+                </a:solidFill>
+              </a:rPr>
+              <a:t>for acceptance filtering </a:t>
+            </a:r>
+            <a:r>
+              <a:rPr lang="en-US" sz="1400" dirty="0"/>
+              <a:t>. </a:t>
+            </a:r>
+          </a:p>
+          <a:p>
+            <a:pPr marL="0" lvl="0" indent="0">
+              <a:buNone/>
+            </a:pPr>
+            <a:r>
+              <a:rPr lang="en-US" sz="1400" dirty="0"/>
+              <a:t>The same process is repeated for registers CANIFnARB1and CANIFnARB2 for the 29-bit </a:t>
+            </a:r>
+            <a:r>
+              <a:rPr lang="en-US" sz="1400" dirty="0">
+                <a:solidFill>
+                  <a:srgbClr val="FFD966"/>
+                </a:solidFill>
+              </a:rPr>
+              <a:t>message identifier</a:t>
+            </a:r>
+            <a:r>
+              <a:rPr lang="en-US" sz="1400" dirty="0"/>
+              <a:t> . </a:t>
+            </a:r>
+          </a:p>
+          <a:p>
+            <a:pPr marL="0" lvl="0" indent="0">
+              <a:buNone/>
+            </a:pPr>
+            <a:r>
+              <a:rPr lang="en-US" sz="1400" dirty="0"/>
+              <a:t>Set the XTD bit to indicate an extended identifier, the DIR bit to indicate transmit; and the MSGVAL bit to indicate that the message object is valid</a:t>
+            </a:r>
+          </a:p>
+          <a:p>
+            <a:pPr marL="0" lvl="0" indent="0">
+              <a:buNone/>
+            </a:pPr>
+            <a:r>
+              <a:rPr lang="en-US" sz="1400" dirty="0"/>
+              <a:t>4- In the </a:t>
+            </a:r>
+            <a:r>
+              <a:rPr lang="en-US" sz="1400" dirty="0" err="1"/>
+              <a:t>CANIFnMCTL</a:t>
+            </a:r>
+            <a:r>
+              <a:rPr lang="en-US" sz="1400" dirty="0"/>
+              <a:t> register:</a:t>
+            </a:r>
+          </a:p>
+          <a:p>
+            <a:pPr lvl="0"/>
+            <a:r>
+              <a:rPr lang="en-US" sz="1400" dirty="0"/>
+              <a:t>Optionally set the UMASK bit to enable the mask (MSK, MXTD, and MDIR specified in the CANIFnMSK1 and CANIFnMSK2 registers) for acceptance filtering.</a:t>
+            </a:r>
+          </a:p>
+          <a:p>
+            <a:pPr lvl="0"/>
+            <a:r>
+              <a:rPr lang="en-US" sz="1400" dirty="0"/>
+              <a:t>Optionally set the TXIE bit to enable the INTPND bit to be set after a successful transmission, or the RMTEN bit to enable the reception of a matching remote frame.</a:t>
+            </a:r>
+          </a:p>
+          <a:p>
+            <a:pPr lvl="0"/>
+            <a:r>
+              <a:rPr lang="en-US" sz="1400" dirty="0"/>
+              <a:t>Set the EOB bit for a single message object.</a:t>
+            </a:r>
+          </a:p>
+          <a:p>
+            <a:pPr lvl="0"/>
+            <a:r>
+              <a:rPr lang="en-US" sz="1400" dirty="0"/>
+              <a:t>Configure the DLC[3:0] field to specify the size of the data frame.</a:t>
+            </a:r>
+          </a:p>
+          <a:p>
+            <a:pPr marL="0" lvl="0" indent="0">
+              <a:buNone/>
+            </a:pPr>
+            <a:r>
+              <a:rPr lang="en-US" sz="1400" dirty="0"/>
+              <a:t>5- Program the number of the message object to be transmitted in the MNUM field in </a:t>
+            </a:r>
+            <a:r>
+              <a:rPr lang="en-US" sz="1400" dirty="0" err="1"/>
+              <a:t>CANIFnCRQ</a:t>
+            </a:r>
+            <a:r>
+              <a:rPr lang="en-US" sz="1400" dirty="0"/>
+              <a:t>.</a:t>
+            </a:r>
+          </a:p>
+        </p:txBody>
+      </p:sp>
+      <p:sp>
+        <p:nvSpPr>
+          <p:cNvPr id="9" name="Title 1">
+            <a:extLst>
+              <a:ext uri="{FF2B5EF4-FFF2-40B4-BE49-F238E27FC236}">
+                <a16:creationId xmlns:a16="http://schemas.microsoft.com/office/drawing/2014/main" id="{74B9ECC0-4783-4A29-96DA-EFF50091D0C3}"/>
+              </a:ext>
+            </a:extLst>
+          </p:cNvPr>
+          <p:cNvSpPr txBox="1">
+            <a:spLocks noGrp="1"/>
+          </p:cNvSpPr>
+          <p:nvPr>
+            <p:ph type="title"/>
+          </p:nvPr>
+        </p:nvSpPr>
+        <p:spPr>
+          <a:xfrm>
+            <a:off x="1934719" y="545253"/>
+            <a:ext cx="8322557" cy="782671"/>
+          </a:xfrm>
+        </p:spPr>
+        <p:txBody>
+          <a:bodyPr/>
+          <a:lstStyle/>
+          <a:p>
+            <a:pPr lvl="0"/>
+            <a:r>
+              <a:rPr lang="en-US" dirty="0"/>
+              <a:t>Configure a Transmit Message Object</a:t>
+            </a:r>
+          </a:p>
+        </p:txBody>
+      </p:sp>
+    </p:spTree>
+    <p:extLst>
+      <p:ext uri="{BB962C8B-B14F-4D97-AF65-F5344CB8AC3E}">
+        <p14:creationId xmlns:p14="http://schemas.microsoft.com/office/powerpoint/2010/main" val="1789095306"/>
+      </p:ext>
+    </p:extLst>
+  </p:cSld>
+  <p:clrMapOvr>
+    <a:masterClrMapping/>
+  </p:clrMapOvr>
+</p:sld>
+</file>
+
+<file path=ppt/slides/slide15.xml><?xml version="1.0" encoding="utf-8"?>
 <p:sld xmlns:a="http://purl.oclc.org/ooxml/drawingml/main" xmlns:r="http://purl.oclc.org/ooxml/officeDocument/relationships" xmlns:p="http://purl.oclc.org/ooxml/presentationml/main">
   <p:cSld name="Slide10">
     <p:spTree>
@@ -5641,7 +5868,7 @@
         </p:nvSpPr>
         <p:spPr>
           <a:xfrm>
-            <a:off x="1829942" y="268129"/>
+            <a:off x="1846720" y="590641"/>
             <a:ext cx="8322557" cy="899348"/>
           </a:xfrm>
         </p:spPr>
@@ -5675,7 +5902,7 @@
         </p:nvSpPr>
         <p:spPr>
           <a:xfrm>
-            <a:off x="1249673" y="1248156"/>
+            <a:off x="1249678" y="1583715"/>
             <a:ext cx="9692640" cy="5190747"/>
           </a:xfrm>
         </p:spPr>
@@ -5760,511 +5987,9 @@
               <a:t> register. </a:t>
             </a:r>
           </a:p>
-          <a:p>
-            <a:pPr lvl="0"/>
-            <a:r>
-              <a:rPr lang="en-US" dirty="0"/>
-              <a:t>To prevent the clearing of the TXRQST bit in the </a:t>
-            </a:r>
-            <a:r>
-              <a:rPr lang="en-US" dirty="0" err="1"/>
-              <a:t>CANIFnMCTL</a:t>
-            </a:r>
-            <a:r>
-              <a:rPr lang="en-US" dirty="0"/>
-              <a:t> register at the end of a transmission that may already be in progress while the data is updated, the NEWDAT and TXRQST bits have to be set at the same time in the </a:t>
-            </a:r>
-            <a:r>
-              <a:rPr lang="en-US" dirty="0" err="1"/>
-              <a:t>CANIFnMCTL</a:t>
-            </a:r>
-            <a:r>
-              <a:rPr lang="en-US" dirty="0"/>
-              <a:t> register</a:t>
-            </a:r>
-          </a:p>
         </p:txBody>
       </p:sp>
     </p:spTree>
-  </p:cSld>
-  <p:clrMapOvr>
-    <a:masterClrMapping/>
-  </p:clrMapOvr>
-</p:sld>
-</file>
-
-<file path=ppt/slides/slide15.xml><?xml version="1.0" encoding="utf-8"?>
-<p:sld xmlns:a="http://purl.oclc.org/ooxml/drawingml/main" xmlns:r="http://purl.oclc.org/ooxml/officeDocument/relationships" xmlns:p="http://purl.oclc.org/ooxml/presentationml/main">
-  <p:cSld>
-    <p:spTree>
-      <p:nvGrpSpPr>
-        <p:cNvPr id="1" name=""/>
-        <p:cNvGrpSpPr/>
-        <p:nvPr/>
-      </p:nvGrpSpPr>
-      <p:grpSpPr>
-        <a:xfrm>
-          <a:off x="0" y="0"/>
-          <a:ext cx="0" cy="0"/>
-          <a:chOff x="0" y="0"/>
-          <a:chExt cx="0" cy="0"/>
-        </a:xfrm>
-      </p:grpSpPr>
-      <p:sp>
-        <p:nvSpPr>
-          <p:cNvPr id="2" name="Rectangle 7">
-            <a:extLst>
-              <a:ext uri="{FF2B5EF4-FFF2-40B4-BE49-F238E27FC236}">
-                <a16:creationId xmlns:a16="http://schemas.microsoft.com/office/drawing/2014/main" id="{4CF3A89E-9D20-46CC-BA9B-51766B1FB1DF}"/>
-              </a:ext>
-            </a:extLst>
-          </p:cNvPr>
-          <p:cNvSpPr>
-            <a:spLocks noMove="1" noResize="1"/>
-          </p:cNvSpPr>
-          <p:nvPr/>
-        </p:nvSpPr>
-        <p:spPr>
-          <a:xfrm>
-            <a:off x="0" y="0"/>
-            <a:ext cx="12191996" cy="6858000"/>
-          </a:xfrm>
-          <a:prstGeom prst="rect">
-            <a:avLst/>
-          </a:prstGeom>
-          <a:solidFill>
-            <a:srgbClr val="9BAFB5"/>
-          </a:solidFill>
-          <a:ln cap="flat">
-            <a:noFill/>
-            <a:prstDash val="solid"/>
-          </a:ln>
-        </p:spPr>
-        <p:txBody>
-          <a:bodyPr vert="horz" wrap="square" lIns="91440" tIns="45720" rIns="91440" bIns="45720" anchor="ctr" anchorCtr="1" compatLnSpc="1">
-            <a:noAutofit/>
-          </a:bodyPr>
-          <a:lstStyle/>
-          <a:p>
-            <a:pPr marL="0" marR="0" lvl="0" indent="0" algn="ctr" defTabSz="457200" rtl="0" fontAlgn="auto" hangingPunct="1">
-              <a:lnSpc>
-                <a:spcPct val="100%"/>
-              </a:lnSpc>
-              <a:spcBef>
-                <a:spcPts val="0"/>
-              </a:spcBef>
-              <a:spcAft>
-                <a:spcPts val="0"/>
-              </a:spcAft>
-              <a:buNone/>
-              <a:tabLst/>
-              <a:defRPr sz="1800" b="0" i="0" u="none" strike="noStrike" kern="0" cap="none" spc="0" baseline="0%">
-                <a:solidFill>
-                  <a:srgbClr val="000000"/>
-                </a:solidFill>
-                <a:uFillTx/>
-              </a:defRPr>
-            </a:pPr>
-            <a:endParaRPr lang="en-US" sz="1800" b="0" i="0" u="none" strike="noStrike" kern="1200" cap="none" spc="0" baseline="0%">
-              <a:solidFill>
-                <a:srgbClr val="FFFFFF"/>
-              </a:solidFill>
-              <a:uFillTx/>
-              <a:latin typeface="Gill Sans MT"/>
-            </a:endParaRPr>
-          </a:p>
-        </p:txBody>
-      </p:sp>
-      <p:sp>
-        <p:nvSpPr>
-          <p:cNvPr id="3" name="Rectangle 9">
-            <a:extLst>
-              <a:ext uri="{FF2B5EF4-FFF2-40B4-BE49-F238E27FC236}">
-                <a16:creationId xmlns:a16="http://schemas.microsoft.com/office/drawing/2014/main" id="{8A7CF62C-55D5-487D-A2D8-4F3E985618AE}"/>
-              </a:ext>
-            </a:extLst>
-          </p:cNvPr>
-          <p:cNvSpPr>
-            <a:spLocks noMove="1" noResize="1"/>
-          </p:cNvSpPr>
-          <p:nvPr/>
-        </p:nvSpPr>
-        <p:spPr>
-          <a:xfrm>
-            <a:off x="1249683" y="1248156"/>
-            <a:ext cx="9692640" cy="4361688"/>
-          </a:xfrm>
-          <a:prstGeom prst="rect">
-            <a:avLst/>
-          </a:prstGeom>
-          <a:solidFill>
-            <a:srgbClr val="FFFFFF"/>
-          </a:solidFill>
-          <a:ln cap="flat">
-            <a:noFill/>
-            <a:prstDash val="solid"/>
-          </a:ln>
-        </p:spPr>
-        <p:txBody>
-          <a:bodyPr vert="horz" wrap="square" lIns="91440" tIns="45720" rIns="91440" bIns="45720" anchor="ctr" anchorCtr="1" compatLnSpc="1">
-            <a:noAutofit/>
-          </a:bodyPr>
-          <a:lstStyle/>
-          <a:p>
-            <a:pPr marL="0" lvl="0" indent="0">
-              <a:buNone/>
-            </a:pPr>
-            <a:r>
-              <a:rPr lang="en-US" sz="1250" dirty="0"/>
-              <a:t>1- Clear the WRNRD (Write Not Read) bit to specify a read to the </a:t>
-            </a:r>
-            <a:r>
-              <a:rPr lang="en-US" sz="1250" dirty="0" err="1"/>
-              <a:t>CANIFnCMASK</a:t>
-            </a:r>
-            <a:r>
-              <a:rPr lang="en-US" sz="1250" dirty="0"/>
-              <a:t> register, specify whether to transfer the IDMASK, DIR, and MXTD of the message object into the CAN </a:t>
-            </a:r>
-            <a:r>
-              <a:rPr lang="en-US" sz="1250" dirty="0" err="1"/>
-              <a:t>IFn</a:t>
-            </a:r>
-            <a:r>
-              <a:rPr lang="en-US" sz="1250" dirty="0"/>
-              <a:t> registers using the MASK bit.</a:t>
-            </a:r>
-          </a:p>
-          <a:p>
-            <a:pPr marL="0" lvl="0" indent="0">
-              <a:buNone/>
-            </a:pPr>
-            <a:r>
-              <a:rPr lang="en-US" sz="1250" dirty="0"/>
-              <a:t>2- Specify which bits to transfer using the DATAA and DATAB bits</a:t>
-            </a:r>
-          </a:p>
-          <a:p>
-            <a:pPr marL="0" lvl="0" indent="0">
-              <a:buNone/>
-            </a:pPr>
-            <a:r>
-              <a:rPr lang="en-US" sz="1250" dirty="0"/>
-              <a:t>3- We have 2 types of formatting for the message ID: </a:t>
-            </a:r>
-          </a:p>
-          <a:p>
-            <a:pPr lvl="0"/>
-            <a:r>
-              <a:rPr lang="en-US" sz="1250" dirty="0"/>
-              <a:t> </a:t>
-            </a:r>
-            <a:r>
-              <a:rPr lang="en-US" sz="1250" b="1" dirty="0"/>
-              <a:t>For the 11 Bit Standard Format :</a:t>
-            </a:r>
-          </a:p>
-          <a:p>
-            <a:pPr marL="0" lvl="0" indent="0">
-              <a:buNone/>
-            </a:pPr>
-            <a:r>
-              <a:rPr lang="en-US" sz="1250" dirty="0"/>
-              <a:t>- In the CANIFnMSK2 register the MSK[12:2] are used for bits [10:0] of the 11-bit message identifier for </a:t>
-            </a:r>
-            <a:r>
-              <a:rPr lang="en-US" sz="1250" dirty="0">
-                <a:solidFill>
-                  <a:srgbClr val="FFD966"/>
-                </a:solidFill>
-              </a:rPr>
-              <a:t>acceptance filtering</a:t>
-            </a:r>
-            <a:r>
-              <a:rPr lang="en-US" sz="1250" dirty="0">
-                <a:solidFill>
-                  <a:srgbClr val="000000"/>
-                </a:solidFill>
-              </a:rPr>
-              <a:t>.</a:t>
-            </a:r>
-            <a:r>
-              <a:rPr lang="en-US" sz="1250" dirty="0">
-                <a:solidFill>
-                  <a:srgbClr val="FFD966"/>
-                </a:solidFill>
-              </a:rPr>
-              <a:t> </a:t>
-            </a:r>
-            <a:endParaRPr lang="en-US" sz="1250" dirty="0"/>
-          </a:p>
-          <a:p>
-            <a:pPr marL="0" lvl="0" indent="0">
-              <a:buNone/>
-            </a:pPr>
-            <a:r>
-              <a:rPr lang="en-US" sz="1250" dirty="0"/>
-              <a:t>- Then Configure ID[12:2] in the CANIFnARB2 register for bits [10:0] of the 11-bit </a:t>
-            </a:r>
-            <a:r>
-              <a:rPr lang="en-US" sz="1250" dirty="0">
-                <a:solidFill>
-                  <a:srgbClr val="FFD966"/>
-                </a:solidFill>
-              </a:rPr>
-              <a:t>message identifier</a:t>
-            </a:r>
-            <a:r>
-              <a:rPr lang="en-US" sz="1250" dirty="0">
-                <a:solidFill>
-                  <a:srgbClr val="000000"/>
-                </a:solidFill>
-              </a:rPr>
-              <a:t>.</a:t>
-            </a:r>
-          </a:p>
-          <a:p>
-            <a:pPr marL="0" lvl="0" indent="0">
-              <a:buNone/>
-            </a:pPr>
-            <a:r>
-              <a:rPr lang="en-US" sz="1250" dirty="0"/>
-              <a:t>- Clear the XTD bit to indicate standard identifier, and clear the DIR bit to indicate receive, and the MSGVAL bit to indicate that the message object is valid</a:t>
-            </a:r>
-            <a:endParaRPr lang="en-US" sz="1250" dirty="0">
-              <a:solidFill>
-                <a:srgbClr val="FFD966"/>
-              </a:solidFill>
-            </a:endParaRPr>
-          </a:p>
-          <a:p>
-            <a:pPr lvl="0"/>
-            <a:r>
-              <a:rPr lang="en-US" sz="1250" b="1" dirty="0"/>
-              <a:t>For the 29 Bit Extended Format :</a:t>
-            </a:r>
-          </a:p>
-          <a:p>
-            <a:pPr marL="0" lvl="0" indent="0">
-              <a:buNone/>
-            </a:pPr>
-            <a:r>
-              <a:rPr lang="en-US" sz="1250" dirty="0"/>
-              <a:t>- In the CANIFnMSK1 register the MSK[15:0] are used for bits [15:0] of the for acceptance filtering and in the CANIFnMSK2 register the MSK[12:0]        are used for bits [28:16] of the 29-bit message identifier </a:t>
-            </a:r>
-            <a:r>
-              <a:rPr lang="en-US" sz="1250" dirty="0">
-                <a:solidFill>
-                  <a:srgbClr val="FFD966"/>
-                </a:solidFill>
-              </a:rPr>
-              <a:t>for acceptance filtering </a:t>
-            </a:r>
-            <a:r>
-              <a:rPr lang="en-US" sz="1250" dirty="0"/>
-              <a:t>. </a:t>
-            </a:r>
-          </a:p>
-          <a:p>
-            <a:pPr marL="0" lvl="0" indent="0">
-              <a:buNone/>
-            </a:pPr>
-            <a:r>
-              <a:rPr lang="en-US" sz="1250" dirty="0"/>
-              <a:t>- The same process is repeated for registers CANIFnARB1and CANIFnARB2 for the 29-bit </a:t>
-            </a:r>
-            <a:r>
-              <a:rPr lang="en-US" sz="1250" dirty="0">
-                <a:solidFill>
-                  <a:srgbClr val="FFD966"/>
-                </a:solidFill>
-              </a:rPr>
-              <a:t>message identifier</a:t>
-            </a:r>
-            <a:r>
-              <a:rPr lang="en-US" sz="1250" dirty="0"/>
-              <a:t> . </a:t>
-            </a:r>
-          </a:p>
-          <a:p>
-            <a:pPr marL="0" lvl="0" indent="0">
-              <a:buNone/>
-            </a:pPr>
-            <a:r>
-              <a:rPr lang="en-US" sz="1250" dirty="0"/>
-              <a:t>- Set the XTD bit to indicate an extended identifier, clear the DIR bit to indicate receive, and the MSGVAL bit to indicate that the message object is valid</a:t>
-            </a:r>
-          </a:p>
-          <a:p>
-            <a:pPr marL="0" lvl="0" indent="0">
-              <a:buNone/>
-            </a:pPr>
-            <a:r>
-              <a:rPr lang="en-US" sz="1250" dirty="0"/>
-              <a:t>4- In the </a:t>
-            </a:r>
-            <a:r>
-              <a:rPr lang="en-US" sz="1250" dirty="0" err="1"/>
-              <a:t>CANIFnMCTL</a:t>
-            </a:r>
-            <a:r>
-              <a:rPr lang="en-US" sz="1250" dirty="0"/>
-              <a:t> register:</a:t>
-            </a:r>
-          </a:p>
-          <a:p>
-            <a:pPr lvl="0"/>
-            <a:r>
-              <a:rPr lang="en-US" sz="1250" dirty="0"/>
-              <a:t>- Optionally set the UMASK bit to enable the mask (MSK, MXTD, and MDIR specified in the CANIFnMSK1 and CANIFnMSK2 registers) for acceptance filtering.</a:t>
-            </a:r>
-          </a:p>
-          <a:p>
-            <a:pPr lvl="0"/>
-            <a:r>
-              <a:rPr lang="en-US" sz="1250" dirty="0"/>
-              <a:t>- Optionally set the RXIE bit to enable the INTPND bit to be set after a successful transmission, and clear RMTEN bit to leave the TXRQST bit unchanged.</a:t>
-            </a:r>
-          </a:p>
-          <a:p>
-            <a:pPr lvl="0"/>
-            <a:r>
-              <a:rPr lang="en-US" sz="1250" dirty="0"/>
-              <a:t>- Set the EOB bit for a single message object.</a:t>
-            </a:r>
-          </a:p>
-          <a:p>
-            <a:pPr lvl="0"/>
-            <a:r>
-              <a:rPr lang="en-US" sz="1250" dirty="0"/>
-              <a:t>- Configure the DLC[3:0] field to specify the size of the data frame.</a:t>
-            </a:r>
-          </a:p>
-          <a:p>
-            <a:pPr marL="0" lvl="0" indent="0">
-              <a:buNone/>
-            </a:pPr>
-            <a:r>
-              <a:rPr lang="en-US" sz="1250" dirty="0"/>
-              <a:t>5- Program the number of the message object that will receive in the MNUM field in </a:t>
-            </a:r>
-            <a:r>
-              <a:rPr lang="en-US" sz="1250" dirty="0" err="1"/>
-              <a:t>CANIFnCRQ</a:t>
-            </a:r>
-            <a:r>
-              <a:rPr lang="en-US" sz="1250" dirty="0"/>
-              <a:t>.</a:t>
-            </a:r>
-          </a:p>
-        </p:txBody>
-      </p:sp>
-      <p:sp>
-        <p:nvSpPr>
-          <p:cNvPr id="4" name="Rectangle 11">
-            <a:extLst>
-              <a:ext uri="{FF2B5EF4-FFF2-40B4-BE49-F238E27FC236}">
-                <a16:creationId xmlns:a16="http://schemas.microsoft.com/office/drawing/2014/main" id="{BD922638-08FF-4073-8860-A65084CDB9AF}"/>
-              </a:ext>
-            </a:extLst>
-          </p:cNvPr>
-          <p:cNvSpPr>
-            <a:spLocks noMove="1" noResize="1"/>
-          </p:cNvSpPr>
-          <p:nvPr/>
-        </p:nvSpPr>
-        <p:spPr>
-          <a:xfrm>
-            <a:off x="1062231" y="1060704"/>
-            <a:ext cx="10067544" cy="4736592"/>
-          </a:xfrm>
-          <a:prstGeom prst="rect">
-            <a:avLst/>
-          </a:prstGeom>
-          <a:noFill/>
-          <a:ln w="31747" cap="sq">
-            <a:solidFill>
-              <a:srgbClr val="FFFFFF"/>
-            </a:solidFill>
-            <a:prstDash val="solid"/>
-            <a:miter/>
-          </a:ln>
-        </p:spPr>
-        <p:txBody>
-          <a:bodyPr vert="horz" wrap="square" lIns="91440" tIns="45720" rIns="91440" bIns="45720" anchor="ctr" anchorCtr="1" compatLnSpc="1">
-            <a:noAutofit/>
-          </a:bodyPr>
-          <a:lstStyle/>
-          <a:p>
-            <a:pPr marL="0" marR="0" lvl="0" indent="0" algn="ctr" defTabSz="457200" rtl="0" fontAlgn="auto" hangingPunct="1">
-              <a:lnSpc>
-                <a:spcPct val="100%"/>
-              </a:lnSpc>
-              <a:spcBef>
-                <a:spcPts val="0"/>
-              </a:spcBef>
-              <a:spcAft>
-                <a:spcPts val="0"/>
-              </a:spcAft>
-              <a:buNone/>
-              <a:tabLst/>
-              <a:defRPr sz="1800" b="0" i="0" u="none" strike="noStrike" kern="0" cap="none" spc="0" baseline="0%">
-                <a:solidFill>
-                  <a:srgbClr val="000000"/>
-                </a:solidFill>
-                <a:uFillTx/>
-              </a:defRPr>
-            </a:pPr>
-            <a:endParaRPr lang="en-US" sz="1800" b="0" i="0" u="none" strike="noStrike" kern="1200" cap="none" spc="0" baseline="0%">
-              <a:solidFill>
-                <a:srgbClr val="FFFFFF"/>
-              </a:solidFill>
-              <a:uFillTx/>
-              <a:latin typeface="Gill Sans MT"/>
-            </a:endParaRPr>
-          </a:p>
-        </p:txBody>
-      </p:sp>
-      <p:sp>
-        <p:nvSpPr>
-          <p:cNvPr id="9" name="Title 1">
-            <a:extLst>
-              <a:ext uri="{FF2B5EF4-FFF2-40B4-BE49-F238E27FC236}">
-                <a16:creationId xmlns:a16="http://schemas.microsoft.com/office/drawing/2014/main" id="{74B9ECC0-4783-4A29-96DA-EFF50091D0C3}"/>
-              </a:ext>
-            </a:extLst>
-          </p:cNvPr>
-          <p:cNvSpPr txBox="1">
-            <a:spLocks noGrp="1"/>
-          </p:cNvSpPr>
-          <p:nvPr>
-            <p:ph type="title"/>
-          </p:nvPr>
-        </p:nvSpPr>
-        <p:spPr>
-          <a:xfrm>
-            <a:off x="1768028" y="80677"/>
-            <a:ext cx="8322557" cy="782671"/>
-          </a:xfrm>
-        </p:spPr>
-        <p:txBody>
-          <a:bodyPr/>
-          <a:lstStyle/>
-          <a:p>
-            <a:pPr lvl="0"/>
-            <a:r>
-              <a:rPr lang="en-US" dirty="0"/>
-              <a:t>Configure a Receive Message Object</a:t>
-            </a:r>
-          </a:p>
-        </p:txBody>
-      </p:sp>
-    </p:spTree>
-    <p:extLst>
-      <p:ext uri="{BB962C8B-B14F-4D97-AF65-F5344CB8AC3E}">
-        <p14:creationId xmlns:p14="http://schemas.microsoft.com/office/powerpoint/2010/main" val="4239568296"/>
-      </p:ext>
-    </p:extLst>
   </p:cSld>
   <p:clrMapOvr>
     <a:masterClrMapping/>
@@ -6294,7 +6019,7 @@
           <p:cNvPr id="2" name="Rectangle 7">
             <a:extLst>
               <a:ext uri="{FF2B5EF4-FFF2-40B4-BE49-F238E27FC236}">
-                <a16:creationId xmlns:a16="http://schemas.microsoft.com/office/drawing/2014/main" id="{F3177CAB-F849-44BD-8BE4-A8D94F7C7CA4}"/>
+                <a16:creationId xmlns:a16="http://schemas.microsoft.com/office/drawing/2014/main" id="{4CF3A89E-9D20-46CC-BA9B-51766B1FB1DF}"/>
               </a:ext>
             </a:extLst>
           </p:cNvPr>
@@ -6344,13 +6069,16 @@
                 <a:uFillTx/>
               </a:defRPr>
             </a:pPr>
-            <a:endParaRPr lang="en-US" sz="1800" b="0" i="0" u="none" strike="noStrike" kern="1200" cap="none" spc="0" baseline="0%">
-              <a:solidFill>
-                <a:srgbClr val="FFFFFF"/>
-              </a:solidFill>
-              <a:uFillTx/>
-              <a:latin typeface="Gill Sans MT"/>
-            </a:endParaRPr>
+            <a:r>
+              <a:rPr lang="en-US" sz="1800" b="0" i="0" u="none" strike="noStrike" kern="1200" cap="none" spc="0" baseline="0%" dirty="0">
+                <a:solidFill>
+                  <a:srgbClr val="FFFFFF"/>
+                </a:solidFill>
+                <a:uFillTx/>
+                <a:latin typeface="Gill Sans MT"/>
+              </a:rPr>
+              <a:t> </a:t>
+            </a:r>
           </a:p>
         </p:txBody>
       </p:sp>
@@ -6359,7 +6087,7 @@
           <p:cNvPr id="3" name="Rectangle 9">
             <a:extLst>
               <a:ext uri="{FF2B5EF4-FFF2-40B4-BE49-F238E27FC236}">
-                <a16:creationId xmlns:a16="http://schemas.microsoft.com/office/drawing/2014/main" id="{DD630317-0FA2-4B8D-8EFE-37AD98E28449}"/>
+                <a16:creationId xmlns:a16="http://schemas.microsoft.com/office/drawing/2014/main" id="{8A7CF62C-55D5-487D-A2D8-4F3E985618AE}"/>
               </a:ext>
             </a:extLst>
           </p:cNvPr>
@@ -6390,32 +6118,8 @@
           </a:bodyPr>
           <a:lstStyle/>
           <a:p>
-            <a:pPr marL="0" marR="0" lvl="0" indent="0" algn="ctr" defTabSz="457200" rtl="0" fontAlgn="auto" hangingPunct="1">
-              <a:lnSpc>
-                <a:spcPct val="100%"/>
-              </a:lnSpc>
-              <a:spcBef>
-                <a:spcPts val="0"/>
-              </a:spcBef>
-              <a:spcAft>
-                <a:spcPts val="0"/>
-              </a:spcAft>
-              <a:buNone/>
-              <a:tabLst/>
-              <a:defRPr sz="1800" b="0" i="0" u="none" strike="noStrike" kern="0" cap="none" spc="0" baseline="0%">
-                <a:solidFill>
-                  <a:srgbClr val="000000"/>
-                </a:solidFill>
-                <a:uFillTx/>
-              </a:defRPr>
-            </a:pPr>
-            <a:endParaRPr lang="en-US" sz="1800" b="0" i="0" u="none" strike="noStrike" kern="1200" cap="none" spc="0" baseline="0%">
-              <a:solidFill>
-                <a:srgbClr val="FFFFFF"/>
-              </a:solidFill>
-              <a:uFillTx/>
-              <a:latin typeface="Gill Sans MT"/>
-            </a:endParaRPr>
+            <a:pPr lvl="0"/>
+            <a:endParaRPr lang="en-US" sz="1250" dirty="0"/>
           </a:p>
         </p:txBody>
       </p:sp>
@@ -6424,7 +6128,7 @@
           <p:cNvPr id="4" name="Rectangle 11">
             <a:extLst>
               <a:ext uri="{FF2B5EF4-FFF2-40B4-BE49-F238E27FC236}">
-                <a16:creationId xmlns:a16="http://schemas.microsoft.com/office/drawing/2014/main" id="{457C7507-9919-4E81-868F-A130F0BB46B2}"/>
+                <a16:creationId xmlns:a16="http://schemas.microsoft.com/office/drawing/2014/main" id="{BD922638-08FF-4073-8860-A65084CDB9AF}"/>
               </a:ext>
             </a:extLst>
           </p:cNvPr>
@@ -6487,10 +6191,10 @@
       </p:sp>
       <p:sp>
         <p:nvSpPr>
-          <p:cNvPr id="5" name="Title 1">
-            <a:extLst>
-              <a:ext uri="{FF2B5EF4-FFF2-40B4-BE49-F238E27FC236}">
-                <a16:creationId xmlns:a16="http://schemas.microsoft.com/office/drawing/2014/main" id="{5EEC968B-C9F7-49D9-A614-0300A054108E}"/>
+          <p:cNvPr id="9" name="Title 1">
+            <a:extLst>
+              <a:ext uri="{FF2B5EF4-FFF2-40B4-BE49-F238E27FC236}">
+                <a16:creationId xmlns:a16="http://schemas.microsoft.com/office/drawing/2014/main" id="{74B9ECC0-4783-4A29-96DA-EFF50091D0C3}"/>
               </a:ext>
             </a:extLst>
           </p:cNvPr>
@@ -6503,6 +6207,968 @@
         </p:nvSpPr>
         <p:spPr>
           <a:xfrm>
+            <a:off x="1776417" y="661170"/>
+            <a:ext cx="8322557" cy="782671"/>
+          </a:xfrm>
+        </p:spPr>
+        <p:txBody>
+          <a:bodyPr/>
+          <a:lstStyle/>
+          <a:p>
+            <a:pPr lvl="0"/>
+            <a:r>
+              <a:rPr lang="en-US" dirty="0"/>
+              <a:t>Configure a Receive Message Object</a:t>
+            </a:r>
+          </a:p>
+        </p:txBody>
+      </p:sp>
+      <p:sp>
+        <p:nvSpPr>
+          <p:cNvPr id="6" name="TextBox 5">
+            <a:extLst>
+              <a:ext uri="{FF2B5EF4-FFF2-40B4-BE49-F238E27FC236}">
+                <a16:creationId xmlns:a16="http://schemas.microsoft.com/office/drawing/2014/main" id="{DF27249F-F612-4F2C-8612-6C459483DD90}"/>
+              </a:ext>
+            </a:extLst>
+          </p:cNvPr>
+          <p:cNvSpPr txBox="1"/>
+          <p:nvPr/>
+        </p:nvSpPr>
+        <p:spPr>
+          <a:xfrm>
+            <a:off x="1249678" y="1581894"/>
+            <a:ext cx="9692639" cy="4478149"/>
+          </a:xfrm>
+          <a:prstGeom prst="rect">
+            <a:avLst/>
+          </a:prstGeom>
+          <a:noFill/>
+        </p:spPr>
+        <p:txBody>
+          <a:bodyPr wrap="square" rtlCol="0">
+            <a:spAutoFit/>
+          </a:bodyPr>
+          <a:lstStyle/>
+          <a:p>
+            <a:pPr marL="0" lvl="0" indent="0">
+              <a:buNone/>
+            </a:pPr>
+            <a:r>
+              <a:rPr lang="en-US" sz="1500" dirty="0">
+                <a:latin typeface="Gill Sans MT" panose="020B0502020104020203" pitchFamily="34" charset="0"/>
+              </a:rPr>
+              <a:t>1- In the CAN </a:t>
+            </a:r>
+            <a:r>
+              <a:rPr lang="en-US" sz="1500" dirty="0" err="1">
+                <a:latin typeface="Gill Sans MT" panose="020B0502020104020203" pitchFamily="34" charset="0"/>
+              </a:rPr>
+              <a:t>IFn</a:t>
+            </a:r>
+            <a:r>
+              <a:rPr lang="en-US" sz="1500" dirty="0">
+                <a:latin typeface="Gill Sans MT" panose="020B0502020104020203" pitchFamily="34" charset="0"/>
+              </a:rPr>
+              <a:t> Command Mask (</a:t>
+            </a:r>
+            <a:r>
+              <a:rPr lang="en-US" sz="1500" dirty="0" err="1">
+                <a:latin typeface="Gill Sans MT" panose="020B0502020104020203" pitchFamily="34" charset="0"/>
+              </a:rPr>
+              <a:t>CANIFnCMASK</a:t>
+            </a:r>
+            <a:r>
+              <a:rPr lang="en-US" sz="1500" dirty="0">
+                <a:latin typeface="Gill Sans MT" panose="020B0502020104020203" pitchFamily="34" charset="0"/>
+              </a:rPr>
+              <a:t>) register</a:t>
+            </a:r>
+          </a:p>
+          <a:p>
+            <a:pPr marL="285750" indent="-285750">
+              <a:buFont typeface="Arial" panose="020B0604020202020204" pitchFamily="34" charset="0"/>
+              <a:buChar char="•"/>
+            </a:pPr>
+            <a:r>
+              <a:rPr lang="en-US" sz="1500" dirty="0">
+                <a:latin typeface="Gill Sans MT" panose="020B0502020104020203" pitchFamily="34" charset="0"/>
+              </a:rPr>
+              <a:t>Set the WRNRD (Write Not Read) bit to specify a write , specify whether to transfer the IDMASK, DIR, and MXTD of the message object into the CAN </a:t>
+            </a:r>
+            <a:r>
+              <a:rPr lang="en-US" sz="1500" dirty="0" err="1">
+                <a:latin typeface="Gill Sans MT" panose="020B0502020104020203" pitchFamily="34" charset="0"/>
+              </a:rPr>
+              <a:t>IFn</a:t>
+            </a:r>
+            <a:r>
+              <a:rPr lang="en-US" sz="1500" dirty="0">
+                <a:latin typeface="Gill Sans MT" panose="020B0502020104020203" pitchFamily="34" charset="0"/>
+              </a:rPr>
+              <a:t> registers using the MASK bit.</a:t>
+            </a:r>
+          </a:p>
+          <a:p>
+            <a:pPr marL="285750" indent="-285750">
+              <a:buFont typeface="Arial" panose="020B0604020202020204" pitchFamily="34" charset="0"/>
+              <a:buChar char="•"/>
+            </a:pPr>
+            <a:r>
+              <a:rPr lang="en-US" sz="1500" dirty="0">
+                <a:latin typeface="Gill Sans MT" panose="020B0502020104020203" pitchFamily="34" charset="0"/>
+              </a:rPr>
+              <a:t>Specify which bits to transfer using the DATAA and DATAB bits.</a:t>
+            </a:r>
+          </a:p>
+          <a:p>
+            <a:pPr marL="285750" indent="-285750">
+              <a:buFont typeface="Arial" panose="020B0604020202020204" pitchFamily="34" charset="0"/>
+              <a:buChar char="•"/>
+            </a:pPr>
+            <a:r>
+              <a:rPr lang="en-US" sz="1500" dirty="0">
+                <a:latin typeface="Gill Sans MT" panose="020B0502020104020203" pitchFamily="34" charset="0"/>
+              </a:rPr>
+              <a:t>Specify whether to transfer the ID, DIR, XTD, and MSGVAL of the message object into the interface registers using the ARB bit.</a:t>
+            </a:r>
+          </a:p>
+          <a:p>
+            <a:pPr marL="285750" indent="-285750">
+              <a:buFont typeface="Arial" panose="020B0604020202020204" pitchFamily="34" charset="0"/>
+              <a:buChar char="•"/>
+            </a:pPr>
+            <a:r>
+              <a:rPr lang="en-US" sz="1500" dirty="0">
+                <a:latin typeface="Gill Sans MT" panose="020B0502020104020203" pitchFamily="34" charset="0"/>
+              </a:rPr>
+              <a:t>Specify whether to transfer the control bits into the interface registers using the CONTROL bit.</a:t>
+            </a:r>
+          </a:p>
+          <a:p>
+            <a:pPr lvl="0"/>
+            <a:r>
+              <a:rPr lang="en-US" sz="1500" dirty="0">
+                <a:latin typeface="Gill Sans MT" panose="020B0502020104020203" pitchFamily="34" charset="0"/>
+              </a:rPr>
+              <a:t>2- Specify which bits to transfer using the DATAA and DATAB bits</a:t>
+            </a:r>
+          </a:p>
+          <a:p>
+            <a:r>
+              <a:rPr lang="en-US" sz="1500" dirty="0">
+                <a:latin typeface="Gill Sans MT" panose="020B0502020104020203" pitchFamily="34" charset="0"/>
+              </a:rPr>
+              <a:t>3- We have 2 types of formatting for the message ID:</a:t>
+            </a:r>
+          </a:p>
+          <a:p>
+            <a:r>
+              <a:rPr lang="en-US" sz="1500" dirty="0">
+                <a:latin typeface="Gill Sans MT" panose="020B0502020104020203" pitchFamily="34" charset="0"/>
+              </a:rPr>
+              <a:t> </a:t>
+            </a:r>
+          </a:p>
+          <a:p>
+            <a:pPr marL="285750" lvl="0" indent="-285750">
+              <a:buFont typeface="Wingdings" panose="05000000000000000000" pitchFamily="2" charset="2"/>
+              <a:buChar char="Ø"/>
+            </a:pPr>
+            <a:r>
+              <a:rPr lang="en-US" sz="1500" b="1" dirty="0">
+                <a:latin typeface="Gill Sans MT" panose="020B0502020104020203" pitchFamily="34" charset="0"/>
+              </a:rPr>
+              <a:t>For the 11 Bit Standard Format :</a:t>
+            </a:r>
+          </a:p>
+          <a:p>
+            <a:pPr marL="0" lvl="0" indent="0">
+              <a:buNone/>
+            </a:pPr>
+            <a:r>
+              <a:rPr lang="en-US" sz="1500" dirty="0">
+                <a:latin typeface="Gill Sans MT" panose="020B0502020104020203" pitchFamily="34" charset="0"/>
+              </a:rPr>
+              <a:t>- In the CANIFnMSK2 register the MSK[12:2] are used for bits [10:0] of the 11-bit message identifier for </a:t>
+            </a:r>
+            <a:r>
+              <a:rPr lang="en-US" sz="1500" dirty="0">
+                <a:solidFill>
+                  <a:srgbClr val="FFD966"/>
+                </a:solidFill>
+                <a:latin typeface="Gill Sans MT" panose="020B0502020104020203" pitchFamily="34" charset="0"/>
+              </a:rPr>
+              <a:t>acceptance filtering</a:t>
+            </a:r>
+            <a:r>
+              <a:rPr lang="en-US" sz="1500" dirty="0">
+                <a:solidFill>
+                  <a:srgbClr val="000000"/>
+                </a:solidFill>
+                <a:latin typeface="Gill Sans MT" panose="020B0502020104020203" pitchFamily="34" charset="0"/>
+              </a:rPr>
+              <a:t>.</a:t>
+            </a:r>
+            <a:r>
+              <a:rPr lang="en-US" sz="1500" dirty="0">
+                <a:solidFill>
+                  <a:srgbClr val="FFD966"/>
+                </a:solidFill>
+                <a:latin typeface="Gill Sans MT" panose="020B0502020104020203" pitchFamily="34" charset="0"/>
+              </a:rPr>
+              <a:t> </a:t>
+            </a:r>
+            <a:endParaRPr lang="en-US" sz="1500" dirty="0">
+              <a:latin typeface="Gill Sans MT" panose="020B0502020104020203" pitchFamily="34" charset="0"/>
+            </a:endParaRPr>
+          </a:p>
+          <a:p>
+            <a:pPr marL="0" lvl="0" indent="0">
+              <a:buNone/>
+            </a:pPr>
+            <a:r>
+              <a:rPr lang="en-US" sz="1500" dirty="0">
+                <a:latin typeface="Gill Sans MT" panose="020B0502020104020203" pitchFamily="34" charset="0"/>
+              </a:rPr>
+              <a:t>- Then Configure ID[12:2] in the CANIFnARB2 register for bits [10:0] of the 11-bit </a:t>
+            </a:r>
+            <a:r>
+              <a:rPr lang="en-US" sz="1500" dirty="0">
+                <a:solidFill>
+                  <a:srgbClr val="FFD966"/>
+                </a:solidFill>
+                <a:latin typeface="Gill Sans MT" panose="020B0502020104020203" pitchFamily="34" charset="0"/>
+              </a:rPr>
+              <a:t>message identifier</a:t>
+            </a:r>
+            <a:r>
+              <a:rPr lang="en-US" sz="1500" dirty="0">
+                <a:solidFill>
+                  <a:srgbClr val="000000"/>
+                </a:solidFill>
+                <a:latin typeface="Gill Sans MT" panose="020B0502020104020203" pitchFamily="34" charset="0"/>
+              </a:rPr>
+              <a:t>.</a:t>
+            </a:r>
+          </a:p>
+          <a:p>
+            <a:pPr marL="0" lvl="0" indent="0">
+              <a:buNone/>
+            </a:pPr>
+            <a:r>
+              <a:rPr lang="en-US" sz="1500" dirty="0">
+                <a:latin typeface="Gill Sans MT" panose="020B0502020104020203" pitchFamily="34" charset="0"/>
+              </a:rPr>
+              <a:t>- Clear the XTD bit to indicate standard identifier, and clear the DIR bit to indicate receive, and the MSGVAL bit to  indicate that the message object is valid</a:t>
+            </a:r>
+            <a:r>
+              <a:rPr lang="en-US" sz="1500" dirty="0">
+                <a:solidFill>
+                  <a:srgbClr val="FFD966"/>
+                </a:solidFill>
+                <a:latin typeface="Gill Sans MT" panose="020B0502020104020203" pitchFamily="34" charset="0"/>
+              </a:rPr>
+              <a:t>.</a:t>
+            </a:r>
+            <a:endParaRPr lang="en-US" sz="1500" b="1" dirty="0">
+              <a:latin typeface="Gill Sans MT" panose="020B0502020104020203" pitchFamily="34" charset="0"/>
+            </a:endParaRPr>
+          </a:p>
+          <a:p>
+            <a:pPr lvl="0"/>
+            <a:endParaRPr lang="en-US" sz="1500" dirty="0">
+              <a:latin typeface="Gill Sans MT" panose="020B0502020104020203" pitchFamily="34" charset="0"/>
+            </a:endParaRPr>
+          </a:p>
+          <a:p>
+            <a:pPr lvl="0"/>
+            <a:endParaRPr lang="en-US" sz="1500" dirty="0">
+              <a:latin typeface="Gill Sans MT" panose="020B0502020104020203" pitchFamily="34" charset="0"/>
+            </a:endParaRPr>
+          </a:p>
+          <a:p>
+            <a:endParaRPr lang="en-US" sz="1500" dirty="0">
+              <a:latin typeface="Gill Sans MT" panose="020B0502020104020203" pitchFamily="34" charset="0"/>
+            </a:endParaRPr>
+          </a:p>
+        </p:txBody>
+      </p:sp>
+    </p:spTree>
+    <p:extLst>
+      <p:ext uri="{BB962C8B-B14F-4D97-AF65-F5344CB8AC3E}">
+        <p14:creationId xmlns:p14="http://schemas.microsoft.com/office/powerpoint/2010/main" val="4239568296"/>
+      </p:ext>
+    </p:extLst>
+  </p:cSld>
+  <p:clrMapOvr>
+    <a:masterClrMapping/>
+  </p:clrMapOvr>
+</p:sld>
+</file>
+
+<file path=ppt/slides/slide17.xml><?xml version="1.0" encoding="utf-8"?>
+<p:sld xmlns:a="http://purl.oclc.org/ooxml/drawingml/main" xmlns:r="http://purl.oclc.org/ooxml/officeDocument/relationships" xmlns:p="http://purl.oclc.org/ooxml/presentationml/main">
+  <p:cSld>
+    <p:spTree>
+      <p:nvGrpSpPr>
+        <p:cNvPr id="1" name=""/>
+        <p:cNvGrpSpPr/>
+        <p:nvPr/>
+      </p:nvGrpSpPr>
+      <p:grpSpPr>
+        <a:xfrm>
+          <a:off x="0" y="0"/>
+          <a:ext cx="0" cy="0"/>
+          <a:chOff x="0" y="0"/>
+          <a:chExt cx="0" cy="0"/>
+        </a:xfrm>
+      </p:grpSpPr>
+      <p:sp>
+        <p:nvSpPr>
+          <p:cNvPr id="2" name="Rectangle 7">
+            <a:extLst>
+              <a:ext uri="{FF2B5EF4-FFF2-40B4-BE49-F238E27FC236}">
+                <a16:creationId xmlns:a16="http://schemas.microsoft.com/office/drawing/2014/main" id="{4CF3A89E-9D20-46CC-BA9B-51766B1FB1DF}"/>
+              </a:ext>
+            </a:extLst>
+          </p:cNvPr>
+          <p:cNvSpPr>
+            <a:spLocks noMove="1" noResize="1"/>
+          </p:cNvSpPr>
+          <p:nvPr/>
+        </p:nvSpPr>
+        <p:spPr>
+          <a:xfrm>
+            <a:off x="0" y="0"/>
+            <a:ext cx="12191996" cy="6858000"/>
+          </a:xfrm>
+          <a:prstGeom prst="rect">
+            <a:avLst/>
+          </a:prstGeom>
+          <a:solidFill>
+            <a:srgbClr val="9BAFB5"/>
+          </a:solidFill>
+          <a:ln cap="flat">
+            <a:noFill/>
+            <a:prstDash val="solid"/>
+          </a:ln>
+        </p:spPr>
+        <p:txBody>
+          <a:bodyPr vert="horz" wrap="square" lIns="91440" tIns="45720" rIns="91440" bIns="45720" anchor="ctr" anchorCtr="1" compatLnSpc="1">
+            <a:noAutofit/>
+          </a:bodyPr>
+          <a:lstStyle/>
+          <a:p>
+            <a:pPr marL="0" marR="0" lvl="0" indent="0" algn="ctr" defTabSz="457200" rtl="0" fontAlgn="auto" hangingPunct="1">
+              <a:lnSpc>
+                <a:spcPct val="100%"/>
+              </a:lnSpc>
+              <a:spcBef>
+                <a:spcPts val="0"/>
+              </a:spcBef>
+              <a:spcAft>
+                <a:spcPts val="0"/>
+              </a:spcAft>
+              <a:buNone/>
+              <a:tabLst/>
+              <a:defRPr sz="1800" b="0" i="0" u="none" strike="noStrike" kern="0" cap="none" spc="0" baseline="0%">
+                <a:solidFill>
+                  <a:srgbClr val="000000"/>
+                </a:solidFill>
+                <a:uFillTx/>
+              </a:defRPr>
+            </a:pPr>
+            <a:r>
+              <a:rPr lang="en-US" sz="1800" b="0" i="0" u="none" strike="noStrike" kern="1200" cap="none" spc="0" baseline="0%" dirty="0">
+                <a:solidFill>
+                  <a:srgbClr val="FFFFFF"/>
+                </a:solidFill>
+                <a:uFillTx/>
+                <a:latin typeface="Gill Sans MT"/>
+              </a:rPr>
+              <a:t> </a:t>
+            </a:r>
+          </a:p>
+        </p:txBody>
+      </p:sp>
+      <p:sp>
+        <p:nvSpPr>
+          <p:cNvPr id="3" name="Rectangle 9">
+            <a:extLst>
+              <a:ext uri="{FF2B5EF4-FFF2-40B4-BE49-F238E27FC236}">
+                <a16:creationId xmlns:a16="http://schemas.microsoft.com/office/drawing/2014/main" id="{8A7CF62C-55D5-487D-A2D8-4F3E985618AE}"/>
+              </a:ext>
+            </a:extLst>
+          </p:cNvPr>
+          <p:cNvSpPr>
+            <a:spLocks noMove="1" noResize="1"/>
+          </p:cNvSpPr>
+          <p:nvPr/>
+        </p:nvSpPr>
+        <p:spPr>
+          <a:xfrm>
+            <a:off x="1249683" y="1248156"/>
+            <a:ext cx="9692640" cy="4361688"/>
+          </a:xfrm>
+          <a:prstGeom prst="rect">
+            <a:avLst/>
+          </a:prstGeom>
+          <a:solidFill>
+            <a:srgbClr val="FFFFFF"/>
+          </a:solidFill>
+          <a:ln cap="flat">
+            <a:noFill/>
+            <a:prstDash val="solid"/>
+          </a:ln>
+        </p:spPr>
+        <p:txBody>
+          <a:bodyPr vert="horz" wrap="square" lIns="91440" tIns="45720" rIns="91440" bIns="45720" anchor="ctr" anchorCtr="1" compatLnSpc="1">
+            <a:noAutofit/>
+          </a:bodyPr>
+          <a:lstStyle/>
+          <a:p>
+            <a:pPr lvl="0"/>
+            <a:endParaRPr lang="en-US" sz="1250" dirty="0"/>
+          </a:p>
+        </p:txBody>
+      </p:sp>
+      <p:sp>
+        <p:nvSpPr>
+          <p:cNvPr id="4" name="Rectangle 11">
+            <a:extLst>
+              <a:ext uri="{FF2B5EF4-FFF2-40B4-BE49-F238E27FC236}">
+                <a16:creationId xmlns:a16="http://schemas.microsoft.com/office/drawing/2014/main" id="{BD922638-08FF-4073-8860-A65084CDB9AF}"/>
+              </a:ext>
+            </a:extLst>
+          </p:cNvPr>
+          <p:cNvSpPr>
+            <a:spLocks noMove="1" noResize="1"/>
+          </p:cNvSpPr>
+          <p:nvPr/>
+        </p:nvSpPr>
+        <p:spPr>
+          <a:xfrm>
+            <a:off x="1062231" y="1060704"/>
+            <a:ext cx="10067544" cy="4736592"/>
+          </a:xfrm>
+          <a:prstGeom prst="rect">
+            <a:avLst/>
+          </a:prstGeom>
+          <a:noFill/>
+          <a:ln w="31747" cap="sq">
+            <a:solidFill>
+              <a:srgbClr val="FFFFFF"/>
+            </a:solidFill>
+            <a:prstDash val="solid"/>
+            <a:miter/>
+          </a:ln>
+        </p:spPr>
+        <p:txBody>
+          <a:bodyPr vert="horz" wrap="square" lIns="91440" tIns="45720" rIns="91440" bIns="45720" anchor="ctr" anchorCtr="1" compatLnSpc="1">
+            <a:noAutofit/>
+          </a:bodyPr>
+          <a:lstStyle/>
+          <a:p>
+            <a:pPr marL="0" marR="0" lvl="0" indent="0" algn="ctr" defTabSz="457200" rtl="0" fontAlgn="auto" hangingPunct="1">
+              <a:lnSpc>
+                <a:spcPct val="100%"/>
+              </a:lnSpc>
+              <a:spcBef>
+                <a:spcPts val="0"/>
+              </a:spcBef>
+              <a:spcAft>
+                <a:spcPts val="0"/>
+              </a:spcAft>
+              <a:buNone/>
+              <a:tabLst/>
+              <a:defRPr sz="1800" b="0" i="0" u="none" strike="noStrike" kern="0" cap="none" spc="0" baseline="0%">
+                <a:solidFill>
+                  <a:srgbClr val="000000"/>
+                </a:solidFill>
+                <a:uFillTx/>
+              </a:defRPr>
+            </a:pPr>
+            <a:endParaRPr lang="en-US" sz="1800" b="0" i="0" u="none" strike="noStrike" kern="1200" cap="none" spc="0" baseline="0%">
+              <a:solidFill>
+                <a:srgbClr val="FFFFFF"/>
+              </a:solidFill>
+              <a:uFillTx/>
+              <a:latin typeface="Gill Sans MT"/>
+            </a:endParaRPr>
+          </a:p>
+        </p:txBody>
+      </p:sp>
+      <p:sp>
+        <p:nvSpPr>
+          <p:cNvPr id="9" name="Title 1">
+            <a:extLst>
+              <a:ext uri="{FF2B5EF4-FFF2-40B4-BE49-F238E27FC236}">
+                <a16:creationId xmlns:a16="http://schemas.microsoft.com/office/drawing/2014/main" id="{74B9ECC0-4783-4A29-96DA-EFF50091D0C3}"/>
+              </a:ext>
+            </a:extLst>
+          </p:cNvPr>
+          <p:cNvSpPr txBox="1">
+            <a:spLocks noGrp="1"/>
+          </p:cNvSpPr>
+          <p:nvPr>
+            <p:ph type="title"/>
+          </p:nvPr>
+        </p:nvSpPr>
+        <p:spPr>
+          <a:xfrm>
+            <a:off x="1776417" y="661170"/>
+            <a:ext cx="8322557" cy="782671"/>
+          </a:xfrm>
+        </p:spPr>
+        <p:txBody>
+          <a:bodyPr/>
+          <a:lstStyle/>
+          <a:p>
+            <a:pPr lvl="0"/>
+            <a:r>
+              <a:rPr lang="en-US" dirty="0"/>
+              <a:t>Configure a Receive Message Object</a:t>
+            </a:r>
+          </a:p>
+        </p:txBody>
+      </p:sp>
+      <p:sp>
+        <p:nvSpPr>
+          <p:cNvPr id="6" name="TextBox 5">
+            <a:extLst>
+              <a:ext uri="{FF2B5EF4-FFF2-40B4-BE49-F238E27FC236}">
+                <a16:creationId xmlns:a16="http://schemas.microsoft.com/office/drawing/2014/main" id="{DF27249F-F612-4F2C-8612-6C459483DD90}"/>
+              </a:ext>
+            </a:extLst>
+          </p:cNvPr>
+          <p:cNvSpPr txBox="1"/>
+          <p:nvPr/>
+        </p:nvSpPr>
+        <p:spPr>
+          <a:xfrm>
+            <a:off x="1249678" y="1443841"/>
+            <a:ext cx="9692640" cy="3785652"/>
+          </a:xfrm>
+          <a:prstGeom prst="rect">
+            <a:avLst/>
+          </a:prstGeom>
+          <a:noFill/>
+        </p:spPr>
+        <p:txBody>
+          <a:bodyPr wrap="square" rtlCol="0">
+            <a:spAutoFit/>
+          </a:bodyPr>
+          <a:lstStyle/>
+          <a:p>
+            <a:pPr lvl="0"/>
+            <a:endParaRPr lang="en-US" sz="1500" b="1" dirty="0">
+              <a:latin typeface="Gill Sans MT" panose="020B0502020104020203" pitchFamily="34" charset="0"/>
+            </a:endParaRPr>
+          </a:p>
+          <a:p>
+            <a:pPr marL="285750" lvl="0" indent="-285750">
+              <a:buFont typeface="Wingdings" panose="05000000000000000000" pitchFamily="2" charset="2"/>
+              <a:buChar char="Ø"/>
+            </a:pPr>
+            <a:r>
+              <a:rPr lang="en-US" sz="1500" b="1" dirty="0">
+                <a:latin typeface="Gill Sans MT" panose="020B0502020104020203" pitchFamily="34" charset="0"/>
+              </a:rPr>
+              <a:t>For the 29 Bit Extended Format :</a:t>
+            </a:r>
+          </a:p>
+          <a:p>
+            <a:pPr marL="0" lvl="0" indent="0">
+              <a:buNone/>
+            </a:pPr>
+            <a:r>
+              <a:rPr lang="en-US" sz="1500" dirty="0">
+                <a:latin typeface="Gill Sans MT" panose="020B0502020104020203" pitchFamily="34" charset="0"/>
+              </a:rPr>
+              <a:t>- In the CANIFnMSK1 register the MSK[15:0] are used for bits [15:0] of the for acceptance filtering and in the CANIFnMSK2 register the MSK[12:0]        are used for bits [28:16] of the 29-bit message identifier </a:t>
+            </a:r>
+            <a:r>
+              <a:rPr lang="en-US" sz="1500" dirty="0">
+                <a:solidFill>
+                  <a:srgbClr val="FFD966"/>
+                </a:solidFill>
+                <a:latin typeface="Gill Sans MT" panose="020B0502020104020203" pitchFamily="34" charset="0"/>
+              </a:rPr>
+              <a:t>for acceptance filtering </a:t>
+            </a:r>
+            <a:r>
+              <a:rPr lang="en-US" sz="1500" dirty="0">
+                <a:latin typeface="Gill Sans MT" panose="020B0502020104020203" pitchFamily="34" charset="0"/>
+              </a:rPr>
+              <a:t>. </a:t>
+            </a:r>
+          </a:p>
+          <a:p>
+            <a:pPr marL="0" lvl="0" indent="0">
+              <a:buNone/>
+            </a:pPr>
+            <a:r>
+              <a:rPr lang="en-US" sz="1500" dirty="0">
+                <a:latin typeface="Gill Sans MT" panose="020B0502020104020203" pitchFamily="34" charset="0"/>
+              </a:rPr>
+              <a:t>- The same process is repeated for registers CANIFnARB1and CANIFnARB2 for the 29-bit </a:t>
+            </a:r>
+            <a:r>
+              <a:rPr lang="en-US" sz="1500" dirty="0">
+                <a:solidFill>
+                  <a:srgbClr val="FFD966"/>
+                </a:solidFill>
+                <a:latin typeface="Gill Sans MT" panose="020B0502020104020203" pitchFamily="34" charset="0"/>
+              </a:rPr>
+              <a:t>message identifier</a:t>
+            </a:r>
+            <a:r>
+              <a:rPr lang="en-US" sz="1500" dirty="0">
+                <a:latin typeface="Gill Sans MT" panose="020B0502020104020203" pitchFamily="34" charset="0"/>
+              </a:rPr>
+              <a:t> . </a:t>
+            </a:r>
+          </a:p>
+          <a:p>
+            <a:pPr marL="0" lvl="0" indent="0">
+              <a:buNone/>
+            </a:pPr>
+            <a:r>
+              <a:rPr lang="en-US" sz="1500" dirty="0">
+                <a:latin typeface="Gill Sans MT" panose="020B0502020104020203" pitchFamily="34" charset="0"/>
+              </a:rPr>
+              <a:t>- Set the XTD bit to indicate an extended identifier, clear the DIR bit to indicate receive, and the MSGVAL bit to indicate that the message object is valid</a:t>
+            </a:r>
+          </a:p>
+          <a:p>
+            <a:pPr marL="0" lvl="0" indent="0">
+              <a:buNone/>
+            </a:pPr>
+            <a:r>
+              <a:rPr lang="en-US" sz="1500" dirty="0">
+                <a:latin typeface="Gill Sans MT" panose="020B0502020104020203" pitchFamily="34" charset="0"/>
+              </a:rPr>
+              <a:t>4- In the </a:t>
+            </a:r>
+            <a:r>
+              <a:rPr lang="en-US" sz="1500" dirty="0" err="1">
+                <a:latin typeface="Gill Sans MT" panose="020B0502020104020203" pitchFamily="34" charset="0"/>
+              </a:rPr>
+              <a:t>CANIFnMCTL</a:t>
+            </a:r>
+            <a:r>
+              <a:rPr lang="en-US" sz="1500" dirty="0">
+                <a:latin typeface="Gill Sans MT" panose="020B0502020104020203" pitchFamily="34" charset="0"/>
+              </a:rPr>
+              <a:t> register:</a:t>
+            </a:r>
+          </a:p>
+          <a:p>
+            <a:pPr lvl="0"/>
+            <a:r>
+              <a:rPr lang="en-US" sz="1500" dirty="0">
+                <a:latin typeface="Gill Sans MT" panose="020B0502020104020203" pitchFamily="34" charset="0"/>
+              </a:rPr>
+              <a:t>- Optionally set the UMASK bit to enable the mask (MSK, MXTD, and MDIR specified in the CANIFnMSK1 and CANIFnMSK2 registers) for acceptance filtering.</a:t>
+            </a:r>
+          </a:p>
+          <a:p>
+            <a:pPr lvl="0"/>
+            <a:r>
+              <a:rPr lang="en-US" sz="1500" dirty="0">
+                <a:latin typeface="Gill Sans MT" panose="020B0502020104020203" pitchFamily="34" charset="0"/>
+              </a:rPr>
+              <a:t>- Optionally set the RXIE bit to enable the INTPND bit to be set after a successful transmission, and clear RMTEN bit to leave the TXRQST bit unchanged.</a:t>
+            </a:r>
+          </a:p>
+          <a:p>
+            <a:pPr lvl="0"/>
+            <a:r>
+              <a:rPr lang="en-US" sz="1500" dirty="0">
+                <a:latin typeface="Gill Sans MT" panose="020B0502020104020203" pitchFamily="34" charset="0"/>
+              </a:rPr>
+              <a:t>- Set the EOB bit for a single message object.</a:t>
+            </a:r>
+          </a:p>
+          <a:p>
+            <a:pPr lvl="0"/>
+            <a:r>
+              <a:rPr lang="en-US" sz="1500" dirty="0">
+                <a:latin typeface="Gill Sans MT" panose="020B0502020104020203" pitchFamily="34" charset="0"/>
+              </a:rPr>
+              <a:t>- Configure the DLC[3:0] field to specify the size of the data frame.</a:t>
+            </a:r>
+          </a:p>
+          <a:p>
+            <a:pPr marL="0" lvl="0" indent="0">
+              <a:buNone/>
+            </a:pPr>
+            <a:r>
+              <a:rPr lang="en-US" sz="1500" dirty="0">
+                <a:latin typeface="Gill Sans MT" panose="020B0502020104020203" pitchFamily="34" charset="0"/>
+              </a:rPr>
+              <a:t>5- Program the number of the message object that will receive in the MNUM field in </a:t>
+            </a:r>
+            <a:r>
+              <a:rPr lang="en-US" sz="1500" dirty="0" err="1">
+                <a:latin typeface="Gill Sans MT" panose="020B0502020104020203" pitchFamily="34" charset="0"/>
+              </a:rPr>
+              <a:t>CANIFnCRQ</a:t>
+            </a:r>
+            <a:r>
+              <a:rPr lang="en-US" sz="1500" dirty="0">
+                <a:latin typeface="Gill Sans MT" panose="020B0502020104020203" pitchFamily="34" charset="0"/>
+              </a:rPr>
+              <a:t>.</a:t>
+            </a:r>
+          </a:p>
+        </p:txBody>
+      </p:sp>
+    </p:spTree>
+    <p:extLst>
+      <p:ext uri="{BB962C8B-B14F-4D97-AF65-F5344CB8AC3E}">
+        <p14:creationId xmlns:p14="http://schemas.microsoft.com/office/powerpoint/2010/main" val="2801609728"/>
+      </p:ext>
+    </p:extLst>
+  </p:cSld>
+  <p:clrMapOvr>
+    <a:masterClrMapping/>
+  </p:clrMapOvr>
+</p:sld>
+</file>
+
+<file path=ppt/slides/slide18.xml><?xml version="1.0" encoding="utf-8"?>
+<p:sld xmlns:a="http://purl.oclc.org/ooxml/drawingml/main" xmlns:r="http://purl.oclc.org/ooxml/officeDocument/relationships" xmlns:p="http://purl.oclc.org/ooxml/presentationml/main">
+  <p:cSld>
+    <p:spTree>
+      <p:nvGrpSpPr>
+        <p:cNvPr id="1" name=""/>
+        <p:cNvGrpSpPr/>
+        <p:nvPr/>
+      </p:nvGrpSpPr>
+      <p:grpSpPr>
+        <a:xfrm>
+          <a:off x="0" y="0"/>
+          <a:ext cx="0" cy="0"/>
+          <a:chOff x="0" y="0"/>
+          <a:chExt cx="0" cy="0"/>
+        </a:xfrm>
+      </p:grpSpPr>
+      <p:sp>
+        <p:nvSpPr>
+          <p:cNvPr id="2" name="Rectangle 7">
+            <a:extLst>
+              <a:ext uri="{FF2B5EF4-FFF2-40B4-BE49-F238E27FC236}">
+                <a16:creationId xmlns:a16="http://schemas.microsoft.com/office/drawing/2014/main" id="{F3177CAB-F849-44BD-8BE4-A8D94F7C7CA4}"/>
+              </a:ext>
+            </a:extLst>
+          </p:cNvPr>
+          <p:cNvSpPr>
+            <a:spLocks noMove="1" noResize="1"/>
+          </p:cNvSpPr>
+          <p:nvPr/>
+        </p:nvSpPr>
+        <p:spPr>
+          <a:xfrm>
+            <a:off x="0" y="0"/>
+            <a:ext cx="12191996" cy="6858000"/>
+          </a:xfrm>
+          <a:prstGeom prst="rect">
+            <a:avLst/>
+          </a:prstGeom>
+          <a:solidFill>
+            <a:srgbClr val="9BAFB5"/>
+          </a:solidFill>
+          <a:ln cap="flat">
+            <a:noFill/>
+            <a:prstDash val="solid"/>
+          </a:ln>
+        </p:spPr>
+        <p:txBody>
+          <a:bodyPr vert="horz" wrap="square" lIns="91440" tIns="45720" rIns="91440" bIns="45720" anchor="ctr" anchorCtr="1" compatLnSpc="1">
+            <a:noAutofit/>
+          </a:bodyPr>
+          <a:lstStyle/>
+          <a:p>
+            <a:pPr marL="0" marR="0" lvl="0" indent="0" algn="ctr" defTabSz="457200" rtl="0" fontAlgn="auto" hangingPunct="1">
+              <a:lnSpc>
+                <a:spcPct val="100%"/>
+              </a:lnSpc>
+              <a:spcBef>
+                <a:spcPts val="0"/>
+              </a:spcBef>
+              <a:spcAft>
+                <a:spcPts val="0"/>
+              </a:spcAft>
+              <a:buNone/>
+              <a:tabLst/>
+              <a:defRPr sz="1800" b="0" i="0" u="none" strike="noStrike" kern="0" cap="none" spc="0" baseline="0%">
+                <a:solidFill>
+                  <a:srgbClr val="000000"/>
+                </a:solidFill>
+                <a:uFillTx/>
+              </a:defRPr>
+            </a:pPr>
+            <a:endParaRPr lang="en-US" sz="1800" b="0" i="0" u="none" strike="noStrike" kern="1200" cap="none" spc="0" baseline="0%">
+              <a:solidFill>
+                <a:srgbClr val="FFFFFF"/>
+              </a:solidFill>
+              <a:uFillTx/>
+              <a:latin typeface="Gill Sans MT"/>
+            </a:endParaRPr>
+          </a:p>
+        </p:txBody>
+      </p:sp>
+      <p:sp>
+        <p:nvSpPr>
+          <p:cNvPr id="3" name="Rectangle 9">
+            <a:extLst>
+              <a:ext uri="{FF2B5EF4-FFF2-40B4-BE49-F238E27FC236}">
+                <a16:creationId xmlns:a16="http://schemas.microsoft.com/office/drawing/2014/main" id="{DD630317-0FA2-4B8D-8EFE-37AD98E28449}"/>
+              </a:ext>
+            </a:extLst>
+          </p:cNvPr>
+          <p:cNvSpPr>
+            <a:spLocks noMove="1" noResize="1"/>
+          </p:cNvSpPr>
+          <p:nvPr/>
+        </p:nvSpPr>
+        <p:spPr>
+          <a:xfrm>
+            <a:off x="1249683" y="1248156"/>
+            <a:ext cx="9692640" cy="4361688"/>
+          </a:xfrm>
+          <a:prstGeom prst="rect">
+            <a:avLst/>
+          </a:prstGeom>
+          <a:solidFill>
+            <a:srgbClr val="FFFFFF"/>
+          </a:solidFill>
+          <a:ln cap="flat">
+            <a:noFill/>
+            <a:prstDash val="solid"/>
+          </a:ln>
+        </p:spPr>
+        <p:txBody>
+          <a:bodyPr vert="horz" wrap="square" lIns="91440" tIns="45720" rIns="91440" bIns="45720" anchor="ctr" anchorCtr="1" compatLnSpc="1">
+            <a:noAutofit/>
+          </a:bodyPr>
+          <a:lstStyle/>
+          <a:p>
+            <a:pPr marL="0" marR="0" lvl="0" indent="0" algn="ctr" defTabSz="457200" rtl="0" fontAlgn="auto" hangingPunct="1">
+              <a:lnSpc>
+                <a:spcPct val="100%"/>
+              </a:lnSpc>
+              <a:spcBef>
+                <a:spcPts val="0"/>
+              </a:spcBef>
+              <a:spcAft>
+                <a:spcPts val="0"/>
+              </a:spcAft>
+              <a:buNone/>
+              <a:tabLst/>
+              <a:defRPr sz="1800" b="0" i="0" u="none" strike="noStrike" kern="0" cap="none" spc="0" baseline="0%">
+                <a:solidFill>
+                  <a:srgbClr val="000000"/>
+                </a:solidFill>
+                <a:uFillTx/>
+              </a:defRPr>
+            </a:pPr>
+            <a:endParaRPr lang="en-US" sz="1800" b="0" i="0" u="none" strike="noStrike" kern="1200" cap="none" spc="0" baseline="0%">
+              <a:solidFill>
+                <a:srgbClr val="FFFFFF"/>
+              </a:solidFill>
+              <a:uFillTx/>
+              <a:latin typeface="Gill Sans MT"/>
+            </a:endParaRPr>
+          </a:p>
+        </p:txBody>
+      </p:sp>
+      <p:sp>
+        <p:nvSpPr>
+          <p:cNvPr id="4" name="Rectangle 11">
+            <a:extLst>
+              <a:ext uri="{FF2B5EF4-FFF2-40B4-BE49-F238E27FC236}">
+                <a16:creationId xmlns:a16="http://schemas.microsoft.com/office/drawing/2014/main" id="{457C7507-9919-4E81-868F-A130F0BB46B2}"/>
+              </a:ext>
+            </a:extLst>
+          </p:cNvPr>
+          <p:cNvSpPr>
+            <a:spLocks noMove="1" noResize="1"/>
+          </p:cNvSpPr>
+          <p:nvPr/>
+        </p:nvSpPr>
+        <p:spPr>
+          <a:xfrm>
+            <a:off x="1062231" y="1060704"/>
+            <a:ext cx="10067544" cy="4736592"/>
+          </a:xfrm>
+          <a:prstGeom prst="rect">
+            <a:avLst/>
+          </a:prstGeom>
+          <a:noFill/>
+          <a:ln w="31747" cap="sq">
+            <a:solidFill>
+              <a:srgbClr val="FFFFFF"/>
+            </a:solidFill>
+            <a:prstDash val="solid"/>
+            <a:miter/>
+          </a:ln>
+        </p:spPr>
+        <p:txBody>
+          <a:bodyPr vert="horz" wrap="square" lIns="91440" tIns="45720" rIns="91440" bIns="45720" anchor="ctr" anchorCtr="1" compatLnSpc="1">
+            <a:noAutofit/>
+          </a:bodyPr>
+          <a:lstStyle/>
+          <a:p>
+            <a:pPr marL="0" marR="0" lvl="0" indent="0" algn="ctr" defTabSz="457200" rtl="0" fontAlgn="auto" hangingPunct="1">
+              <a:lnSpc>
+                <a:spcPct val="100%"/>
+              </a:lnSpc>
+              <a:spcBef>
+                <a:spcPts val="0"/>
+              </a:spcBef>
+              <a:spcAft>
+                <a:spcPts val="0"/>
+              </a:spcAft>
+              <a:buNone/>
+              <a:tabLst/>
+              <a:defRPr sz="1800" b="0" i="0" u="none" strike="noStrike" kern="0" cap="none" spc="0" baseline="0%">
+                <a:solidFill>
+                  <a:srgbClr val="000000"/>
+                </a:solidFill>
+                <a:uFillTx/>
+              </a:defRPr>
+            </a:pPr>
+            <a:endParaRPr lang="en-US" sz="1800" b="0" i="0" u="none" strike="noStrike" kern="1200" cap="none" spc="0" baseline="0%">
+              <a:solidFill>
+                <a:srgbClr val="FFFFFF"/>
+              </a:solidFill>
+              <a:uFillTx/>
+              <a:latin typeface="Gill Sans MT"/>
+            </a:endParaRPr>
+          </a:p>
+        </p:txBody>
+      </p:sp>
+      <p:sp>
+        <p:nvSpPr>
+          <p:cNvPr id="5" name="Title 1">
+            <a:extLst>
+              <a:ext uri="{FF2B5EF4-FFF2-40B4-BE49-F238E27FC236}">
+                <a16:creationId xmlns:a16="http://schemas.microsoft.com/office/drawing/2014/main" id="{5EEC968B-C9F7-49D9-A614-0300A054108E}"/>
+              </a:ext>
+            </a:extLst>
+          </p:cNvPr>
+          <p:cNvSpPr txBox="1">
+            <a:spLocks noGrp="1"/>
+          </p:cNvSpPr>
+          <p:nvPr>
+            <p:ph type="title"/>
+          </p:nvPr>
+        </p:nvSpPr>
+        <p:spPr>
+          <a:xfrm>
             <a:off x="3342527" y="348808"/>
             <a:ext cx="5506931" cy="899348"/>
           </a:xfrm>
@@ -6537,7 +7203,7 @@
         </p:nvSpPr>
         <p:spPr>
           <a:xfrm>
-            <a:off x="1249672" y="1248156"/>
+            <a:off x="1249672" y="1136901"/>
             <a:ext cx="9692640" cy="5190747"/>
           </a:xfrm>
         </p:spPr>
@@ -6546,8 +7212,8 @@
           <a:lstStyle/>
           <a:p>
             <a:r>
-              <a:rPr lang="en-US" sz="2000" b="1" dirty="0"/>
-              <a:t>Silent Mode</a:t>
+              <a:rPr lang="en-US" sz="2400" b="1" dirty="0"/>
+              <a:t>Basic Mode </a:t>
             </a:r>
           </a:p>
           <a:p>
@@ -6555,14 +7221,15 @@
               <a:buNone/>
             </a:pPr>
             <a:r>
-              <a:rPr lang="en-US" dirty="0"/>
-              <a:t> Silent Mode can be used to analyze the traffic on a CAN bus without affecting it by the transmission of dominant bits (Acknowledge Bits, Error Frames). </a:t>
-            </a:r>
+              <a:rPr lang="en-US" sz="2000" dirty="0"/>
+              <a:t>Basic Mode allows the CAN Controller to operate without the need of the message RAM. </a:t>
+            </a:r>
+            <a:endParaRPr lang="en-US" sz="2000" b="1" dirty="0"/>
           </a:p>
           <a:p>
             <a:r>
               <a:rPr lang="en-US" sz="2000" b="1" dirty="0"/>
-              <a:t>Basic Mode </a:t>
+              <a:t>Silent Mode</a:t>
             </a:r>
           </a:p>
           <a:p>
@@ -6571,7 +7238,7 @@
             </a:pPr>
             <a:r>
               <a:rPr lang="en-US" dirty="0"/>
-              <a:t>Basic Mode allows the CAN Controller to be operated without the Message RAM. </a:t>
+              <a:t> Silent Mode can be used to analyze the traffic on a CAN bus without affecting it by the transmission of dominant bits (Acknowledge Bits, Error Frames). </a:t>
             </a:r>
           </a:p>
           <a:p>
@@ -6657,7 +7324,7 @@
 </p:sld>
 </file>
 
-<file path=ppt/slides/slide17.xml><?xml version="1.0" encoding="utf-8"?>
+<file path=ppt/slides/slide19.xml><?xml version="1.0" encoding="utf-8"?>
 <p:sld xmlns:a="http://purl.oclc.org/ooxml/drawingml/main" xmlns:r="http://purl.oclc.org/ooxml/officeDocument/relationships" xmlns:p="http://purl.oclc.org/ooxml/presentationml/main">
   <p:cSld>
     <p:spTree>
@@ -9019,7 +9686,7 @@
           <a:p>
             <a:pPr lvl="0"/>
             <a:r>
-              <a:rPr lang="en-US" sz="2500">
+              <a:rPr lang="en-US" sz="2500" dirty="0">
                 <a:solidFill>
                   <a:srgbClr val="FFFFFF"/>
                 </a:solidFill>
@@ -9027,7 +9694,7 @@
               <a:t>CAN Controller Block Diagram</a:t>
             </a:r>
             <a:r>
-              <a:rPr lang="en-US" sz="1700">
+              <a:rPr lang="en-US" sz="1700" dirty="0">
                 <a:solidFill>
                   <a:srgbClr val="FFFFFF"/>
                 </a:solidFill>
@@ -9035,7 +9702,7 @@
               <a:t> </a:t>
             </a:r>
             <a:r>
-              <a:rPr lang="en-US" sz="1000">
+              <a:rPr lang="en-US" sz="1000" dirty="0">
                 <a:solidFill>
                   <a:srgbClr val="FFFFFF"/>
                 </a:solidFill>
@@ -9474,8 +10141,8 @@
           <a:p>
             <a:pPr lvl="0"/>
             <a:r>
-              <a:rPr lang="en-US"/>
-              <a:t>Initialization</a:t>
+              <a:rPr lang="en-US" dirty="0"/>
+              <a:t>Initialization steps</a:t>
             </a:r>
           </a:p>
         </p:txBody>

--- a/CAN.pptx
+++ b/CAN.pptx
@@ -14,16 +14,17 @@
     <p:sldId id="276" r:id="rId8"/>
     <p:sldId id="258" r:id="rId9"/>
     <p:sldId id="261" r:id="rId10"/>
-    <p:sldId id="262" r:id="rId11"/>
-    <p:sldId id="263" r:id="rId12"/>
-    <p:sldId id="266" r:id="rId13"/>
-    <p:sldId id="264" r:id="rId14"/>
-    <p:sldId id="278" r:id="rId15"/>
-    <p:sldId id="265" r:id="rId16"/>
-    <p:sldId id="270" r:id="rId17"/>
-    <p:sldId id="280" r:id="rId18"/>
-    <p:sldId id="267" r:id="rId19"/>
-    <p:sldId id="269" r:id="rId20"/>
+    <p:sldId id="284" r:id="rId11"/>
+    <p:sldId id="262" r:id="rId12"/>
+    <p:sldId id="263" r:id="rId13"/>
+    <p:sldId id="266" r:id="rId14"/>
+    <p:sldId id="264" r:id="rId15"/>
+    <p:sldId id="278" r:id="rId16"/>
+    <p:sldId id="265" r:id="rId17"/>
+    <p:sldId id="270" r:id="rId18"/>
+    <p:sldId id="280" r:id="rId19"/>
+    <p:sldId id="267" r:id="rId20"/>
+    <p:sldId id="269" r:id="rId21"/>
   </p:sldIdLst>
   <p:sldSz cx="12192000" cy="6858000"/>
   <p:notesSz cx="6858000" cy="9144000"/>
@@ -276,7 +277,7 @@
             <a:fld id="{E1EA3D2F-4BD4-47D9-A4D8-8E5E3328889A}" type="datetime1">
               <a:rPr lang="en-US"/>
               <a:pPr lvl="0"/>
-              <a:t>9/10/2021</a:t>
+              <a:t>9/14/2021</a:t>
             </a:fld>
             <a:endParaRPr lang="en-US"/>
           </a:p>
@@ -515,7 +516,7 @@
             <a:fld id="{ED6B9707-5233-4FA2-A737-180614BC510B}" type="datetime1">
               <a:rPr lang="en-US"/>
               <a:pPr lvl="0"/>
-              <a:t>9/10/2021</a:t>
+              <a:t>9/14/2021</a:t>
             </a:fld>
             <a:endParaRPr lang="en-US"/>
           </a:p>
@@ -759,7 +760,7 @@
             <a:fld id="{D7FB1806-8B20-4E61-919A-3266780FEFD0}" type="datetime1">
               <a:rPr lang="en-US"/>
               <a:pPr lvl="0"/>
-              <a:t>9/10/2021</a:t>
+              <a:t>9/14/2021</a:t>
             </a:fld>
             <a:endParaRPr lang="en-US"/>
           </a:p>
@@ -993,7 +994,7 @@
             <a:fld id="{7FA6C4F7-29A4-4173-8190-0AABCFB718E3}" type="datetime1">
               <a:rPr lang="en-US"/>
               <a:pPr lvl="0"/>
-              <a:t>9/10/2021</a:t>
+              <a:t>9/14/2021</a:t>
             </a:fld>
             <a:endParaRPr lang="en-US"/>
           </a:p>
@@ -1222,7 +1223,7 @@
             <a:fld id="{E23F8E62-CC2D-44DD-B9F4-2BD096562B45}" type="datetime1">
               <a:rPr lang="en-US"/>
               <a:pPr lvl="0"/>
-              <a:t>9/10/2021</a:t>
+              <a:t>9/14/2021</a:t>
             </a:fld>
             <a:endParaRPr lang="en-US"/>
           </a:p>
@@ -1543,7 +1544,7 @@
             <a:fld id="{F1387682-C2D9-490E-8728-BFCA3085C598}" type="datetime1">
               <a:rPr lang="en-US"/>
               <a:pPr lvl="0"/>
-              <a:t>9/10/2021</a:t>
+              <a:t>9/14/2021</a:t>
             </a:fld>
             <a:endParaRPr lang="en-US"/>
           </a:p>
@@ -1913,7 +1914,7 @@
             <a:fld id="{5595B60F-A04F-4E5F-9C19-DD06EB71609F}" type="datetime1">
               <a:rPr lang="en-US"/>
               <a:pPr lvl="0"/>
-              <a:t>9/10/2021</a:t>
+              <a:t>9/14/2021</a:t>
             </a:fld>
             <a:endParaRPr lang="en-US"/>
           </a:p>
@@ -2107,7 +2108,7 @@
             <a:fld id="{A4C310DC-DC13-49B7-82F0-1636885D094C}" type="datetime1">
               <a:rPr lang="en-US"/>
               <a:pPr lvl="0"/>
-              <a:t>9/10/2021</a:t>
+              <a:t>9/14/2021</a:t>
             </a:fld>
             <a:endParaRPr lang="en-US"/>
           </a:p>
@@ -2235,7 +2236,7 @@
             <a:fld id="{24E15A3A-4E48-4CCC-B201-91510531FB3A}" type="datetime1">
               <a:rPr lang="en-US"/>
               <a:pPr lvl="0"/>
-              <a:t>9/10/2021</a:t>
+              <a:t>9/14/2021</a:t>
             </a:fld>
             <a:endParaRPr lang="en-US"/>
           </a:p>
@@ -2605,7 +2606,7 @@
             <a:fld id="{26BC1B9B-AA6B-4749-9B80-F4F13AEBC897}" type="datetime1">
               <a:rPr lang="en-US"/>
               <a:pPr lvl="0"/>
-              <a:t>9/10/2021</a:t>
+              <a:t>9/14/2021</a:t>
             </a:fld>
             <a:endParaRPr lang="en-US"/>
           </a:p>
@@ -2943,7 +2944,7 @@
             <a:fld id="{97171752-CE76-4670-BEC4-5E66CC69FDCE}" type="datetime1">
               <a:rPr lang="en-US"/>
               <a:pPr lvl="0"/>
-              <a:t>9/10/2021</a:t>
+              <a:t>9/14/2021</a:t>
             </a:fld>
             <a:endParaRPr lang="en-US"/>
           </a:p>
@@ -3239,7 +3240,7 @@
             <a:fld id="{094440BE-56AA-422C-B378-86697DB5A539}" type="datetime1">
               <a:rPr lang="en-US"/>
               <a:pPr lvl="0"/>
-              <a:t>9/10/2021</a:t>
+              <a:t>9/14/2021</a:t>
             </a:fld>
             <a:endParaRPr lang="en-US"/>
           </a:p>
@@ -3881,6 +3882,82 @@
           </a:p>
         </p:txBody>
       </p:sp>
+      <p:pic>
+        <p:nvPicPr>
+          <p:cNvPr id="1028" name="Picture 4" descr="Siemens Digital Industries Software | NAG">
+            <a:extLst>
+              <a:ext uri="{FF2B5EF4-FFF2-40B4-BE49-F238E27FC236}">
+                <a16:creationId xmlns:a16="http://schemas.microsoft.com/office/drawing/2014/main" id="{3C8EC330-ACA9-4600-9469-17B4F8ED62B2}"/>
+              </a:ext>
+            </a:extLst>
+          </p:cNvPr>
+          <p:cNvPicPr>
+            <a:picLocks noChangeAspect="1" noChangeArrowheads="1"/>
+          </p:cNvPicPr>
+          <p:nvPr/>
+        </p:nvPicPr>
+        <p:blipFill>
+          <a:blip r:embed="rId2">
+            <a:extLst>
+              <a:ext uri="{28A0092B-C50C-407E-A947-70E740481C1C}">
+                <a14:useLocalDpi xmlns:a14="http://schemas.microsoft.com/office/drawing/2010/main" val="0"/>
+              </a:ext>
+            </a:extLst>
+          </a:blip>
+          <a:srcRect/>
+          <a:stretch>
+            <a:fillRect/>
+          </a:stretch>
+        </p:blipFill>
+        <p:spPr bwMode="auto">
+          <a:xfrm>
+            <a:off x="105162" y="5618110"/>
+            <a:ext cx="1633061" cy="1097417"/>
+          </a:xfrm>
+          <a:prstGeom prst="rect">
+            <a:avLst/>
+          </a:prstGeom>
+          <a:solidFill>
+            <a:srgbClr val="FFFFFF">
+              <a:shade val="85%"/>
+            </a:srgbClr>
+          </a:solidFill>
+          <a:ln w="88900" cap="sq">
+            <a:solidFill>
+              <a:srgbClr val="FFFFFF"/>
+            </a:solidFill>
+            <a:miter lim="800%"/>
+          </a:ln>
+          <a:effectLst>
+            <a:outerShdw blurRad="55000" dist="18000" dir="5400000" algn="tl" rotWithShape="0">
+              <a:srgbClr val="000000">
+                <a:alpha val="40%"/>
+              </a:srgbClr>
+            </a:outerShdw>
+          </a:effectLst>
+          <a:scene3d>
+            <a:camera prst="orthographicFront"/>
+            <a:lightRig rig="twoPt" dir="t">
+              <a:rot lat="0" lon="0" rev="7200000"/>
+            </a:lightRig>
+          </a:scene3d>
+          <a:sp3d>
+            <a:bevelT w="25400" h="19050"/>
+            <a:contourClr>
+              <a:srgbClr val="FFFFFF"/>
+            </a:contourClr>
+          </a:sp3d>
+          <a:extLst>
+            <a:ext uri="{909E8E84-426E-40DD-AFC4-6F175D3DCCD1}">
+              <a14:hiddenFill xmlns:a14="http://schemas.microsoft.com/office/drawing/2010/main">
+                <a:solidFill>
+                  <a:srgbClr val="FFFFFF"/>
+                </a:solidFill>
+              </a14:hiddenFill>
+            </a:ext>
+          </a:extLst>
+        </p:spPr>
+      </p:pic>
     </p:spTree>
   </p:cSld>
   <p:clrMapOvr>
@@ -3890,6 +3967,503 @@
 </file>
 
 <file path=ppt/slides/slide10.xml><?xml version="1.0" encoding="utf-8"?>
+<p:sld xmlns:a="http://purl.oclc.org/ooxml/drawingml/main" xmlns:r="http://purl.oclc.org/ooxml/officeDocument/relationships" xmlns:p="http://purl.oclc.org/ooxml/presentationml/main">
+  <p:cSld>
+    <p:spTree>
+      <p:nvGrpSpPr>
+        <p:cNvPr id="1" name=""/>
+        <p:cNvGrpSpPr/>
+        <p:nvPr/>
+      </p:nvGrpSpPr>
+      <p:grpSpPr>
+        <a:xfrm>
+          <a:off x="0" y="0"/>
+          <a:ext cx="0" cy="0"/>
+          <a:chOff x="0" y="0"/>
+          <a:chExt cx="0" cy="0"/>
+        </a:xfrm>
+      </p:grpSpPr>
+      <p:sp>
+        <p:nvSpPr>
+          <p:cNvPr id="9" name="Title 1">
+            <a:extLst>
+              <a:ext uri="{FF2B5EF4-FFF2-40B4-BE49-F238E27FC236}">
+                <a16:creationId xmlns:a16="http://schemas.microsoft.com/office/drawing/2014/main" id="{3059E807-262F-4BF1-8AAC-06769ADD5CB7}"/>
+              </a:ext>
+            </a:extLst>
+          </p:cNvPr>
+          <p:cNvSpPr txBox="1">
+            <a:spLocks noGrp="1"/>
+          </p:cNvSpPr>
+          <p:nvPr>
+            <p:ph type="ctrTitle"/>
+          </p:nvPr>
+        </p:nvSpPr>
+        <p:spPr>
+          <a:xfrm>
+            <a:off x="2087563" y="162243"/>
+            <a:ext cx="7383462" cy="981075"/>
+          </a:xfrm>
+        </p:spPr>
+        <p:txBody>
+          <a:bodyPr/>
+          <a:lstStyle/>
+          <a:p>
+            <a:pPr lvl="0"/>
+            <a:r>
+              <a:rPr lang="en-US" dirty="0"/>
+              <a:t>CAN BIT TIME</a:t>
+            </a:r>
+          </a:p>
+        </p:txBody>
+      </p:sp>
+      <p:pic>
+        <p:nvPicPr>
+          <p:cNvPr id="11" name="Picture 10">
+            <a:extLst>
+              <a:ext uri="{FF2B5EF4-FFF2-40B4-BE49-F238E27FC236}">
+                <a16:creationId xmlns:a16="http://schemas.microsoft.com/office/drawing/2014/main" id="{4A45AB2D-33FC-4D23-83A6-6327CDF4F85A}"/>
+              </a:ext>
+            </a:extLst>
+          </p:cNvPr>
+          <p:cNvPicPr>
+            <a:picLocks noChangeAspect="1"/>
+          </p:cNvPicPr>
+          <p:nvPr/>
+        </p:nvPicPr>
+        <p:blipFill>
+          <a:blip r:embed="rId2"/>
+          <a:stretch>
+            <a:fillRect/>
+          </a:stretch>
+        </p:blipFill>
+        <p:spPr>
+          <a:xfrm>
+            <a:off x="6547449" y="3023635"/>
+            <a:ext cx="5644551" cy="1681068"/>
+          </a:xfrm>
+          <a:prstGeom prst="rect">
+            <a:avLst/>
+          </a:prstGeom>
+        </p:spPr>
+      </p:pic>
+      <p:pic>
+        <p:nvPicPr>
+          <p:cNvPr id="12" name="Picture 11">
+            <a:extLst>
+              <a:ext uri="{FF2B5EF4-FFF2-40B4-BE49-F238E27FC236}">
+                <a16:creationId xmlns:a16="http://schemas.microsoft.com/office/drawing/2014/main" id="{A605A1E5-36CE-4639-A0F2-A2C8D957E3B8}"/>
+              </a:ext>
+            </a:extLst>
+          </p:cNvPr>
+          <p:cNvPicPr>
+            <a:picLocks noChangeAspect="1"/>
+          </p:cNvPicPr>
+          <p:nvPr/>
+        </p:nvPicPr>
+        <p:blipFill>
+          <a:blip r:embed="rId3"/>
+          <a:stretch>
+            <a:fillRect/>
+          </a:stretch>
+        </p:blipFill>
+        <p:spPr>
+          <a:xfrm>
+            <a:off x="0" y="4809839"/>
+            <a:ext cx="7868748" cy="2048161"/>
+          </a:xfrm>
+          <a:prstGeom prst="rect">
+            <a:avLst/>
+          </a:prstGeom>
+        </p:spPr>
+      </p:pic>
+      <mc:AlternateContent xmlns:mc="http://schemas.openxmlformats.org/markup-compatibility/2006">
+        <mc:Choice xmlns:a14="http://schemas.microsoft.com/office/drawing/2010/main" Requires="a14">
+          <p:sp>
+            <p:nvSpPr>
+              <p:cNvPr id="5" name="TextBox 4">
+                <a:extLst>
+                  <a:ext uri="{FF2B5EF4-FFF2-40B4-BE49-F238E27FC236}">
+                    <a16:creationId xmlns:a16="http://schemas.microsoft.com/office/drawing/2014/main" id="{D9C53705-F464-4287-BFEA-F27F69D751C1}"/>
+                  </a:ext>
+                </a:extLst>
+              </p:cNvPr>
+              <p:cNvSpPr txBox="1"/>
+              <p:nvPr/>
+            </p:nvSpPr>
+            <p:spPr>
+              <a:xfrm>
+                <a:off x="0" y="1248454"/>
+                <a:ext cx="7772400" cy="3883884"/>
+              </a:xfrm>
+              <a:prstGeom prst="rect">
+                <a:avLst/>
+              </a:prstGeom>
+              <a:noFill/>
+            </p:spPr>
+            <p:txBody>
+              <a:bodyPr wrap="square" rtlCol="0">
+                <a:spAutoFit/>
+              </a:bodyPr>
+              <a:lstStyle/>
+              <a:p>
+                <a:r>
+                  <a:rPr lang="en-US" dirty="0">
+                    <a:solidFill>
+                      <a:schemeClr val="bg1"/>
+                    </a:solidFill>
+                  </a:rPr>
+                  <a:t>The CAN system supports bit rates in the range of lower than 1 Kbps up to 1000 Kbps. Each member of the CAN network has its own clock generator. The timing parameter of the bit time can be configured individually for each CAN node</a:t>
+                </a:r>
+              </a:p>
+              <a:p>
+                <a:pPr marL="285750" indent="-285750">
+                  <a:buFont typeface="Arial" panose="020B0604020202020204" pitchFamily="34" charset="0"/>
+                  <a:buChar char="•"/>
+                </a:pPr>
+                <a:endParaRPr lang="en-US" dirty="0">
+                  <a:solidFill>
+                    <a:schemeClr val="bg1"/>
+                  </a:solidFill>
+                </a:endParaRPr>
+              </a:p>
+              <a:p>
+                <a:r>
+                  <a:rPr lang="en-US" dirty="0">
+                    <a:solidFill>
+                      <a:schemeClr val="bg1"/>
+                    </a:solidFill>
+                  </a:rPr>
+                  <a:t>The bit time is divided into four segments. Each segment consists of a specific, programmable number of time quanta ,Where </a:t>
+                </a:r>
+                <a14:m>
+                  <m:oMath xmlns:m="http://purl.oclc.org/ooxml/officeDocument/math">
+                    <m:sSub>
+                      <m:sSubPr>
+                        <m:ctrlPr>
+                          <a:rPr lang="en-US" i="1" smtClean="0">
+                            <a:solidFill>
+                              <a:schemeClr val="bg1"/>
+                            </a:solidFill>
+                            <a:latin typeface="Cambria Math" panose="02040503050406030204" pitchFamily="18" charset="0"/>
+                          </a:rPr>
+                        </m:ctrlPr>
+                      </m:sSubPr>
+                      <m:e>
+                        <m:r>
+                          <a:rPr lang="en-US" b="0" i="1" smtClean="0">
+                            <a:solidFill>
+                              <a:schemeClr val="bg1"/>
+                            </a:solidFill>
+                            <a:latin typeface="Cambria Math" panose="02040503050406030204" pitchFamily="18" charset="0"/>
+                          </a:rPr>
+                          <m:t>  </m:t>
+                        </m:r>
+                        <m:r>
+                          <a:rPr lang="en-US" b="0" i="1" smtClean="0">
+                            <a:solidFill>
+                              <a:schemeClr val="bg1"/>
+                            </a:solidFill>
+                            <a:latin typeface="Cambria Math" panose="02040503050406030204" pitchFamily="18" charset="0"/>
+                          </a:rPr>
+                          <m:t>𝑡</m:t>
+                        </m:r>
+                      </m:e>
+                      <m:sub>
+                        <m:r>
+                          <a:rPr lang="en-US" b="0" i="1" smtClean="0">
+                            <a:solidFill>
+                              <a:schemeClr val="bg1"/>
+                            </a:solidFill>
+                            <a:latin typeface="Cambria Math" panose="02040503050406030204" pitchFamily="18" charset="0"/>
+                          </a:rPr>
+                          <m:t>𝑞</m:t>
+                        </m:r>
+                      </m:sub>
+                    </m:sSub>
+                    <m:r>
+                      <a:rPr lang="en-US" b="0" i="1" smtClean="0">
+                        <a:solidFill>
+                          <a:schemeClr val="bg1"/>
+                        </a:solidFill>
+                        <a:latin typeface="Cambria Math" panose="02040503050406030204" pitchFamily="18" charset="0"/>
+                      </a:rPr>
+                      <m:t>=</m:t>
+                    </m:r>
+                    <m:f>
+                      <m:fPr>
+                        <m:ctrlPr>
+                          <a:rPr lang="en-US" b="0" i="1" smtClean="0">
+                            <a:solidFill>
+                              <a:schemeClr val="bg1"/>
+                            </a:solidFill>
+                            <a:latin typeface="Cambria Math" panose="02040503050406030204" pitchFamily="18" charset="0"/>
+                          </a:rPr>
+                        </m:ctrlPr>
+                      </m:fPr>
+                      <m:num>
+                        <m:r>
+                          <a:rPr lang="en-US" b="0" i="1" smtClean="0">
+                            <a:solidFill>
+                              <a:schemeClr val="bg1"/>
+                            </a:solidFill>
+                            <a:latin typeface="Cambria Math" panose="02040503050406030204" pitchFamily="18" charset="0"/>
+                          </a:rPr>
+                          <m:t>𝐵𝑅𝑃</m:t>
+                        </m:r>
+                        <m:r>
+                          <a:rPr lang="en-US" b="0" i="1" smtClean="0">
+                            <a:solidFill>
+                              <a:schemeClr val="bg1"/>
+                            </a:solidFill>
+                            <a:latin typeface="Cambria Math" panose="02040503050406030204" pitchFamily="18" charset="0"/>
+                          </a:rPr>
+                          <m:t>(</m:t>
+                        </m:r>
+                        <m:r>
+                          <a:rPr lang="en-US" b="0" i="1" smtClean="0">
+                            <a:solidFill>
+                              <a:schemeClr val="bg1"/>
+                            </a:solidFill>
+                            <a:latin typeface="Cambria Math" panose="02040503050406030204" pitchFamily="18" charset="0"/>
+                          </a:rPr>
+                          <m:t>𝐵𝑢𝑎𝑑</m:t>
+                        </m:r>
+                        <m:r>
+                          <a:rPr lang="en-US" b="0" i="1" smtClean="0">
+                            <a:solidFill>
+                              <a:schemeClr val="bg1"/>
+                            </a:solidFill>
+                            <a:latin typeface="Cambria Math" panose="02040503050406030204" pitchFamily="18" charset="0"/>
+                          </a:rPr>
+                          <m:t> </m:t>
+                        </m:r>
+                        <m:r>
+                          <a:rPr lang="en-US" b="0" i="1" smtClean="0">
+                            <a:solidFill>
+                              <a:schemeClr val="bg1"/>
+                            </a:solidFill>
+                            <a:latin typeface="Cambria Math" panose="02040503050406030204" pitchFamily="18" charset="0"/>
+                          </a:rPr>
+                          <m:t>𝑅𝑎𝑡𝑒</m:t>
+                        </m:r>
+                        <m:r>
+                          <a:rPr lang="en-US" b="0" i="1" smtClean="0">
+                            <a:solidFill>
+                              <a:schemeClr val="bg1"/>
+                            </a:solidFill>
+                            <a:latin typeface="Cambria Math" panose="02040503050406030204" pitchFamily="18" charset="0"/>
+                          </a:rPr>
+                          <m:t> </m:t>
+                        </m:r>
+                        <m:r>
+                          <a:rPr lang="en-US" b="0" i="1" smtClean="0">
+                            <a:solidFill>
+                              <a:schemeClr val="bg1"/>
+                            </a:solidFill>
+                            <a:latin typeface="Cambria Math" panose="02040503050406030204" pitchFamily="18" charset="0"/>
+                          </a:rPr>
+                          <m:t>𝑃𝑟𝑒𝑠𝑐𝑎𝑙𝑒𝑟</m:t>
+                        </m:r>
+                        <m:r>
+                          <a:rPr lang="en-US" b="0" i="1" smtClean="0">
+                            <a:solidFill>
+                              <a:schemeClr val="bg1"/>
+                            </a:solidFill>
+                            <a:latin typeface="Cambria Math" panose="02040503050406030204" pitchFamily="18" charset="0"/>
+                          </a:rPr>
+                          <m:t>)</m:t>
+                        </m:r>
+                      </m:num>
+                      <m:den>
+                        <m:sSub>
+                          <m:sSubPr>
+                            <m:ctrlPr>
+                              <a:rPr lang="en-US" b="0" i="1" smtClean="0">
+                                <a:solidFill>
+                                  <a:schemeClr val="bg1"/>
+                                </a:solidFill>
+                                <a:latin typeface="Cambria Math" panose="02040503050406030204" pitchFamily="18" charset="0"/>
+                              </a:rPr>
+                            </m:ctrlPr>
+                          </m:sSubPr>
+                          <m:e>
+                            <m:r>
+                              <a:rPr lang="en-US" b="0" i="1" smtClean="0">
+                                <a:solidFill>
+                                  <a:schemeClr val="bg1"/>
+                                </a:solidFill>
+                                <a:latin typeface="Cambria Math" panose="02040503050406030204" pitchFamily="18" charset="0"/>
+                              </a:rPr>
+                              <m:t>𝑓</m:t>
+                            </m:r>
+                          </m:e>
+                          <m:sub>
+                            <m:r>
+                              <a:rPr lang="en-US" b="0" i="1" smtClean="0">
+                                <a:solidFill>
+                                  <a:schemeClr val="bg1"/>
+                                </a:solidFill>
+                                <a:latin typeface="Cambria Math" panose="02040503050406030204" pitchFamily="18" charset="0"/>
+                              </a:rPr>
+                              <m:t>𝑠𝑦𝑠</m:t>
+                            </m:r>
+                          </m:sub>
+                        </m:sSub>
+                      </m:den>
+                    </m:f>
+                  </m:oMath>
+                </a14:m>
+                <a:endParaRPr lang="en-US" dirty="0"/>
+              </a:p>
+              <a:p>
+                <a:pPr marL="285750" indent="-285750">
+                  <a:buFont typeface="Arial" panose="020B0604020202020204" pitchFamily="34" charset="0"/>
+                  <a:buChar char="•"/>
+                </a:pPr>
+                <a:endParaRPr lang="en-US" dirty="0">
+                  <a:solidFill>
+                    <a:schemeClr val="bg1"/>
+                  </a:solidFill>
+                </a:endParaRPr>
+              </a:p>
+              <a:p>
+                <a:pPr marL="285750" indent="-285750">
+                  <a:buFont typeface="Arial" panose="020B0604020202020204" pitchFamily="34" charset="0"/>
+                  <a:buChar char="•"/>
+                </a:pPr>
+                <a:endParaRPr lang="en-US" dirty="0">
+                  <a:solidFill>
+                    <a:schemeClr val="bg1"/>
+                  </a:solidFill>
+                </a:endParaRPr>
+              </a:p>
+              <a:p>
+                <a:pPr marL="285750" indent="-285750">
+                  <a:buFont typeface="Arial" panose="020B0604020202020204" pitchFamily="34" charset="0"/>
+                  <a:buChar char="•"/>
+                </a:pPr>
+                <a:r>
+                  <a:rPr lang="en-US" dirty="0">
+                    <a:solidFill>
+                      <a:schemeClr val="bg1"/>
+                    </a:solidFill>
+                  </a:rPr>
+                  <a:t>TSEG1 = Prop + Phase1</a:t>
+                </a:r>
+              </a:p>
+              <a:p>
+                <a:pPr marL="285750" indent="-285750">
+                  <a:buFont typeface="Arial" panose="020B0604020202020204" pitchFamily="34" charset="0"/>
+                  <a:buChar char="•"/>
+                </a:pPr>
+                <a:r>
+                  <a:rPr lang="en-US" dirty="0">
+                    <a:solidFill>
+                      <a:schemeClr val="bg1"/>
+                    </a:solidFill>
+                  </a:rPr>
+                  <a:t>TSEG2 = Phase2</a:t>
+                </a:r>
+              </a:p>
+              <a:p>
+                <a:pPr marL="285750" indent="-285750">
+                  <a:buFont typeface="Arial" panose="020B0604020202020204" pitchFamily="34" charset="0"/>
+                  <a:buChar char="•"/>
+                </a:pPr>
+                <a:r>
+                  <a:rPr lang="en-US" dirty="0">
+                    <a:solidFill>
+                      <a:schemeClr val="bg1"/>
+                    </a:solidFill>
+                  </a:rPr>
+                  <a:t>Phase1 = Phase2 or Phase1 + 1 = Phase2</a:t>
+                </a:r>
+              </a:p>
+              <a:p>
+                <a:pPr marL="285750" indent="-285750">
+                  <a:buFont typeface="Arial" panose="020B0604020202020204" pitchFamily="34" charset="0"/>
+                  <a:buChar char="•"/>
+                </a:pPr>
+                <a:endParaRPr lang="en-US" dirty="0">
+                  <a:solidFill>
+                    <a:schemeClr val="bg1"/>
+                  </a:solidFill>
+                </a:endParaRPr>
+              </a:p>
+              <a:p>
+                <a:pPr marL="285750" indent="-285750">
+                  <a:buFont typeface="Arial" panose="020B0604020202020204" pitchFamily="34" charset="0"/>
+                  <a:buChar char="•"/>
+                </a:pPr>
+                <a:endParaRPr lang="en-US" dirty="0">
+                  <a:solidFill>
+                    <a:schemeClr val="bg1"/>
+                  </a:solidFill>
+                </a:endParaRPr>
+              </a:p>
+            </p:txBody>
+          </p:sp>
+        </mc:Choice>
+        <mc:Fallback>
+          <p:sp>
+            <p:nvSpPr>
+              <p:cNvPr id="5" name="TextBox 4">
+                <a:extLst>
+                  <a:ext uri="{FF2B5EF4-FFF2-40B4-BE49-F238E27FC236}">
+                    <a16:creationId xmlns:a16="http://schemas.microsoft.com/office/drawing/2014/main" id="{D9C53705-F464-4287-BFEA-F27F69D751C1}"/>
+                  </a:ext>
+                </a:extLst>
+              </p:cNvPr>
+              <p:cNvSpPr txBox="1">
+                <a:spLocks noRot="1" noChangeAspect="1" noMove="1" noResize="1" noEditPoints="1" noAdjustHandles="1" noChangeArrowheads="1" noChangeShapeType="1" noTextEdit="1"/>
+              </p:cNvSpPr>
+              <p:nvPr/>
+            </p:nvSpPr>
+            <p:spPr>
+              <a:xfrm>
+                <a:off x="0" y="1248454"/>
+                <a:ext cx="7772400" cy="3883884"/>
+              </a:xfrm>
+              <a:prstGeom prst="rect">
+                <a:avLst/>
+              </a:prstGeom>
+              <a:blipFill>
+                <a:blip r:embed="rId4"/>
+                <a:stretch>
+                  <a:fillRect l="-0.627%" t="-0.942%"/>
+                </a:stretch>
+              </a:blipFill>
+            </p:spPr>
+            <p:txBody>
+              <a:bodyPr/>
+              <a:lstStyle/>
+              <a:p>
+                <a:r>
+                  <a:rPr lang="en-US">
+                    <a:noFill/>
+                  </a:rPr>
+                  <a:t> </a:t>
+                </a:r>
+              </a:p>
+            </p:txBody>
+          </p:sp>
+        </mc:Fallback>
+      </mc:AlternateContent>
+    </p:spTree>
+    <p:extLst>
+      <p:ext uri="{BB962C8B-B14F-4D97-AF65-F5344CB8AC3E}">
+        <p14:creationId xmlns:p14="http://schemas.microsoft.com/office/powerpoint/2010/main" val="4280247870"/>
+      </p:ext>
+    </p:extLst>
+  </p:cSld>
+  <p:clrMapOvr>
+    <a:masterClrMapping/>
+  </p:clrMapOvr>
+</p:sld>
+</file>
+
+<file path=ppt/slides/slide11.xml><?xml version="1.0" encoding="utf-8"?>
 <p:sld xmlns:a="http://purl.oclc.org/ooxml/drawingml/main" xmlns:r="http://purl.oclc.org/ooxml/officeDocument/relationships" xmlns:p="http://purl.oclc.org/ooxml/presentationml/main">
   <p:cSld name="Slide7">
     <p:bg>
@@ -4222,7 +4796,7 @@
 </p:sld>
 </file>
 
-<file path=ppt/slides/slide11.xml><?xml version="1.0" encoding="utf-8"?>
+<file path=ppt/slides/slide12.xml><?xml version="1.0" encoding="utf-8"?>
 <p:sld xmlns:a="http://purl.oclc.org/ooxml/drawingml/main" xmlns:r="http://purl.oclc.org/ooxml/officeDocument/relationships" xmlns:p="http://purl.oclc.org/ooxml/presentationml/main">
   <p:cSld name="Slide8">
     <p:spTree>
@@ -4572,7 +5146,7 @@
 </p:sld>
 </file>
 
-<file path=ppt/slides/slide12.xml><?xml version="1.0" encoding="utf-8"?>
+<file path=ppt/slides/slide13.xml><?xml version="1.0" encoding="utf-8"?>
 <p:sld xmlns:a="http://purl.oclc.org/ooxml/drawingml/main" xmlns:r="http://purl.oclc.org/ooxml/officeDocument/relationships" xmlns:p="http://purl.oclc.org/ooxml/presentationml/main">
   <p:cSld>
     <p:spTree>
@@ -4785,7 +5359,7 @@
 </p:sld>
 </file>
 
-<file path=ppt/slides/slide13.xml><?xml version="1.0" encoding="utf-8"?>
+<file path=ppt/slides/slide14.xml><?xml version="1.0" encoding="utf-8"?>
 <p:sld xmlns:a="http://purl.oclc.org/ooxml/drawingml/main" xmlns:r="http://purl.oclc.org/ooxml/officeDocument/relationships" xmlns:p="http://purl.oclc.org/ooxml/presentationml/main">
   <p:cSld name="Slide9">
     <p:spTree>
@@ -5221,7 +5795,7 @@
 </p:sld>
 </file>
 
-<file path=ppt/slides/slide14.xml><?xml version="1.0" encoding="utf-8"?>
+<file path=ppt/slides/slide15.xml><?xml version="1.0" encoding="utf-8"?>
 <p:sld xmlns:a="http://purl.oclc.org/ooxml/drawingml/main" xmlns:r="http://purl.oclc.org/ooxml/officeDocument/relationships" xmlns:p="http://purl.oclc.org/ooxml/presentationml/main">
   <p:cSld>
     <p:spTree>
@@ -5613,7 +6187,9 @@
           </a:xfrm>
         </p:spPr>
         <p:txBody>
-          <a:bodyPr/>
+          <a:bodyPr>
+            <a:normAutofit fontScale="90%"/>
+          </a:bodyPr>
           <a:lstStyle/>
           <a:p>
             <a:pPr lvl="0"/>
@@ -5621,6 +6197,22 @@
               <a:rPr lang="en-US" dirty="0"/>
               <a:t>Configure a Transmit Message Object</a:t>
             </a:r>
+            <a:r>
+              <a:rPr kumimoji="0" lang="en-US" sz="800" b="1" i="0" u="none" strike="noStrike" kern="1200" cap="all" spc="200" normalizeH="0" baseline="0%" noProof="0" dirty="0">
+                <a:ln>
+                  <a:noFill/>
+                </a:ln>
+                <a:solidFill>
+                  <a:srgbClr val="262626"/>
+                </a:solidFill>
+                <a:effectLst/>
+                <a:uLnTx/>
+                <a:uFillTx/>
+                <a:latin typeface="Gill Sans MT"/>
+              </a:rPr>
+              <a:t> Cont.</a:t>
+            </a:r>
+            <a:endParaRPr lang="en-US" dirty="0"/>
           </a:p>
         </p:txBody>
       </p:sp>
@@ -5637,7 +6229,7 @@
 </p:sld>
 </file>
 
-<file path=ppt/slides/slide15.xml><?xml version="1.0" encoding="utf-8"?>
+<file path=ppt/slides/slide16.xml><?xml version="1.0" encoding="utf-8"?>
 <p:sld xmlns:a="http://purl.oclc.org/ooxml/drawingml/main" xmlns:r="http://purl.oclc.org/ooxml/officeDocument/relationships" xmlns:p="http://purl.oclc.org/ooxml/presentationml/main">
   <p:cSld name="Slide10">
     <p:spTree>
@@ -5990,516 +6582,6 @@
         </p:txBody>
       </p:sp>
     </p:spTree>
-  </p:cSld>
-  <p:clrMapOvr>
-    <a:masterClrMapping/>
-  </p:clrMapOvr>
-</p:sld>
-</file>
-
-<file path=ppt/slides/slide16.xml><?xml version="1.0" encoding="utf-8"?>
-<p:sld xmlns:a="http://purl.oclc.org/ooxml/drawingml/main" xmlns:r="http://purl.oclc.org/ooxml/officeDocument/relationships" xmlns:p="http://purl.oclc.org/ooxml/presentationml/main">
-  <p:cSld>
-    <p:spTree>
-      <p:nvGrpSpPr>
-        <p:cNvPr id="1" name=""/>
-        <p:cNvGrpSpPr/>
-        <p:nvPr/>
-      </p:nvGrpSpPr>
-      <p:grpSpPr>
-        <a:xfrm>
-          <a:off x="0" y="0"/>
-          <a:ext cx="0" cy="0"/>
-          <a:chOff x="0" y="0"/>
-          <a:chExt cx="0" cy="0"/>
-        </a:xfrm>
-      </p:grpSpPr>
-      <p:sp>
-        <p:nvSpPr>
-          <p:cNvPr id="2" name="Rectangle 7">
-            <a:extLst>
-              <a:ext uri="{FF2B5EF4-FFF2-40B4-BE49-F238E27FC236}">
-                <a16:creationId xmlns:a16="http://schemas.microsoft.com/office/drawing/2014/main" id="{4CF3A89E-9D20-46CC-BA9B-51766B1FB1DF}"/>
-              </a:ext>
-            </a:extLst>
-          </p:cNvPr>
-          <p:cNvSpPr>
-            <a:spLocks noMove="1" noResize="1"/>
-          </p:cNvSpPr>
-          <p:nvPr/>
-        </p:nvSpPr>
-        <p:spPr>
-          <a:xfrm>
-            <a:off x="0" y="0"/>
-            <a:ext cx="12191996" cy="6858000"/>
-          </a:xfrm>
-          <a:prstGeom prst="rect">
-            <a:avLst/>
-          </a:prstGeom>
-          <a:solidFill>
-            <a:srgbClr val="9BAFB5"/>
-          </a:solidFill>
-          <a:ln cap="flat">
-            <a:noFill/>
-            <a:prstDash val="solid"/>
-          </a:ln>
-        </p:spPr>
-        <p:txBody>
-          <a:bodyPr vert="horz" wrap="square" lIns="91440" tIns="45720" rIns="91440" bIns="45720" anchor="ctr" anchorCtr="1" compatLnSpc="1">
-            <a:noAutofit/>
-          </a:bodyPr>
-          <a:lstStyle/>
-          <a:p>
-            <a:pPr marL="0" marR="0" lvl="0" indent="0" algn="ctr" defTabSz="457200" rtl="0" fontAlgn="auto" hangingPunct="1">
-              <a:lnSpc>
-                <a:spcPct val="100%"/>
-              </a:lnSpc>
-              <a:spcBef>
-                <a:spcPts val="0"/>
-              </a:spcBef>
-              <a:spcAft>
-                <a:spcPts val="0"/>
-              </a:spcAft>
-              <a:buNone/>
-              <a:tabLst/>
-              <a:defRPr sz="1800" b="0" i="0" u="none" strike="noStrike" kern="0" cap="none" spc="0" baseline="0%">
-                <a:solidFill>
-                  <a:srgbClr val="000000"/>
-                </a:solidFill>
-                <a:uFillTx/>
-              </a:defRPr>
-            </a:pPr>
-            <a:r>
-              <a:rPr lang="en-US" sz="1800" b="0" i="0" u="none" strike="noStrike" kern="1200" cap="none" spc="0" baseline="0%" dirty="0">
-                <a:solidFill>
-                  <a:srgbClr val="FFFFFF"/>
-                </a:solidFill>
-                <a:uFillTx/>
-                <a:latin typeface="Gill Sans MT"/>
-              </a:rPr>
-              <a:t> </a:t>
-            </a:r>
-          </a:p>
-        </p:txBody>
-      </p:sp>
-      <p:sp>
-        <p:nvSpPr>
-          <p:cNvPr id="3" name="Rectangle 9">
-            <a:extLst>
-              <a:ext uri="{FF2B5EF4-FFF2-40B4-BE49-F238E27FC236}">
-                <a16:creationId xmlns:a16="http://schemas.microsoft.com/office/drawing/2014/main" id="{8A7CF62C-55D5-487D-A2D8-4F3E985618AE}"/>
-              </a:ext>
-            </a:extLst>
-          </p:cNvPr>
-          <p:cNvSpPr>
-            <a:spLocks noMove="1" noResize="1"/>
-          </p:cNvSpPr>
-          <p:nvPr/>
-        </p:nvSpPr>
-        <p:spPr>
-          <a:xfrm>
-            <a:off x="1249683" y="1248156"/>
-            <a:ext cx="9692640" cy="4361688"/>
-          </a:xfrm>
-          <a:prstGeom prst="rect">
-            <a:avLst/>
-          </a:prstGeom>
-          <a:solidFill>
-            <a:srgbClr val="FFFFFF"/>
-          </a:solidFill>
-          <a:ln cap="flat">
-            <a:noFill/>
-            <a:prstDash val="solid"/>
-          </a:ln>
-        </p:spPr>
-        <p:txBody>
-          <a:bodyPr vert="horz" wrap="square" lIns="91440" tIns="45720" rIns="91440" bIns="45720" anchor="ctr" anchorCtr="1" compatLnSpc="1">
-            <a:noAutofit/>
-          </a:bodyPr>
-          <a:lstStyle/>
-          <a:p>
-            <a:pPr lvl="0"/>
-            <a:endParaRPr lang="en-US" sz="1250" dirty="0"/>
-          </a:p>
-        </p:txBody>
-      </p:sp>
-      <p:sp>
-        <p:nvSpPr>
-          <p:cNvPr id="4" name="Rectangle 11">
-            <a:extLst>
-              <a:ext uri="{FF2B5EF4-FFF2-40B4-BE49-F238E27FC236}">
-                <a16:creationId xmlns:a16="http://schemas.microsoft.com/office/drawing/2014/main" id="{BD922638-08FF-4073-8860-A65084CDB9AF}"/>
-              </a:ext>
-            </a:extLst>
-          </p:cNvPr>
-          <p:cNvSpPr>
-            <a:spLocks noMove="1" noResize="1"/>
-          </p:cNvSpPr>
-          <p:nvPr/>
-        </p:nvSpPr>
-        <p:spPr>
-          <a:xfrm>
-            <a:off x="1062231" y="1060704"/>
-            <a:ext cx="10067544" cy="4736592"/>
-          </a:xfrm>
-          <a:prstGeom prst="rect">
-            <a:avLst/>
-          </a:prstGeom>
-          <a:noFill/>
-          <a:ln w="31747" cap="sq">
-            <a:solidFill>
-              <a:srgbClr val="FFFFFF"/>
-            </a:solidFill>
-            <a:prstDash val="solid"/>
-            <a:miter/>
-          </a:ln>
-        </p:spPr>
-        <p:txBody>
-          <a:bodyPr vert="horz" wrap="square" lIns="91440" tIns="45720" rIns="91440" bIns="45720" anchor="ctr" anchorCtr="1" compatLnSpc="1">
-            <a:noAutofit/>
-          </a:bodyPr>
-          <a:lstStyle/>
-          <a:p>
-            <a:pPr marL="0" marR="0" lvl="0" indent="0" algn="ctr" defTabSz="457200" rtl="0" fontAlgn="auto" hangingPunct="1">
-              <a:lnSpc>
-                <a:spcPct val="100%"/>
-              </a:lnSpc>
-              <a:spcBef>
-                <a:spcPts val="0"/>
-              </a:spcBef>
-              <a:spcAft>
-                <a:spcPts val="0"/>
-              </a:spcAft>
-              <a:buNone/>
-              <a:tabLst/>
-              <a:defRPr sz="1800" b="0" i="0" u="none" strike="noStrike" kern="0" cap="none" spc="0" baseline="0%">
-                <a:solidFill>
-                  <a:srgbClr val="000000"/>
-                </a:solidFill>
-                <a:uFillTx/>
-              </a:defRPr>
-            </a:pPr>
-            <a:endParaRPr lang="en-US" sz="1800" b="0" i="0" u="none" strike="noStrike" kern="1200" cap="none" spc="0" baseline="0%">
-              <a:solidFill>
-                <a:srgbClr val="FFFFFF"/>
-              </a:solidFill>
-              <a:uFillTx/>
-              <a:latin typeface="Gill Sans MT"/>
-            </a:endParaRPr>
-          </a:p>
-        </p:txBody>
-      </p:sp>
-      <p:sp>
-        <p:nvSpPr>
-          <p:cNvPr id="9" name="Title 1">
-            <a:extLst>
-              <a:ext uri="{FF2B5EF4-FFF2-40B4-BE49-F238E27FC236}">
-                <a16:creationId xmlns:a16="http://schemas.microsoft.com/office/drawing/2014/main" id="{74B9ECC0-4783-4A29-96DA-EFF50091D0C3}"/>
-              </a:ext>
-            </a:extLst>
-          </p:cNvPr>
-          <p:cNvSpPr txBox="1">
-            <a:spLocks noGrp="1"/>
-          </p:cNvSpPr>
-          <p:nvPr>
-            <p:ph type="title"/>
-          </p:nvPr>
-        </p:nvSpPr>
-        <p:spPr>
-          <a:xfrm>
-            <a:off x="1776417" y="661170"/>
-            <a:ext cx="8322557" cy="782671"/>
-          </a:xfrm>
-        </p:spPr>
-        <p:txBody>
-          <a:bodyPr/>
-          <a:lstStyle/>
-          <a:p>
-            <a:pPr lvl="0"/>
-            <a:r>
-              <a:rPr lang="en-US" dirty="0"/>
-              <a:t>Configure a Receive Message Object</a:t>
-            </a:r>
-          </a:p>
-        </p:txBody>
-      </p:sp>
-      <p:sp>
-        <p:nvSpPr>
-          <p:cNvPr id="6" name="TextBox 5">
-            <a:extLst>
-              <a:ext uri="{FF2B5EF4-FFF2-40B4-BE49-F238E27FC236}">
-                <a16:creationId xmlns:a16="http://schemas.microsoft.com/office/drawing/2014/main" id="{DF27249F-F612-4F2C-8612-6C459483DD90}"/>
-              </a:ext>
-            </a:extLst>
-          </p:cNvPr>
-          <p:cNvSpPr txBox="1"/>
-          <p:nvPr/>
-        </p:nvSpPr>
-        <p:spPr>
-          <a:xfrm>
-            <a:off x="1249678" y="1581894"/>
-            <a:ext cx="9692639" cy="4478149"/>
-          </a:xfrm>
-          <a:prstGeom prst="rect">
-            <a:avLst/>
-          </a:prstGeom>
-          <a:noFill/>
-        </p:spPr>
-        <p:txBody>
-          <a:bodyPr wrap="square" rtlCol="0">
-            <a:spAutoFit/>
-          </a:bodyPr>
-          <a:lstStyle/>
-          <a:p>
-            <a:pPr marL="0" lvl="0" indent="0">
-              <a:buNone/>
-            </a:pPr>
-            <a:r>
-              <a:rPr lang="en-US" sz="1500" dirty="0">
-                <a:latin typeface="Gill Sans MT" panose="020B0502020104020203" pitchFamily="34" charset="0"/>
-              </a:rPr>
-              <a:t>1- In the CAN </a:t>
-            </a:r>
-            <a:r>
-              <a:rPr lang="en-US" sz="1500" dirty="0" err="1">
-                <a:latin typeface="Gill Sans MT" panose="020B0502020104020203" pitchFamily="34" charset="0"/>
-              </a:rPr>
-              <a:t>IFn</a:t>
-            </a:r>
-            <a:r>
-              <a:rPr lang="en-US" sz="1500" dirty="0">
-                <a:latin typeface="Gill Sans MT" panose="020B0502020104020203" pitchFamily="34" charset="0"/>
-              </a:rPr>
-              <a:t> Command Mask (</a:t>
-            </a:r>
-            <a:r>
-              <a:rPr lang="en-US" sz="1500" dirty="0" err="1">
-                <a:latin typeface="Gill Sans MT" panose="020B0502020104020203" pitchFamily="34" charset="0"/>
-              </a:rPr>
-              <a:t>CANIFnCMASK</a:t>
-            </a:r>
-            <a:r>
-              <a:rPr lang="en-US" sz="1500" dirty="0">
-                <a:latin typeface="Gill Sans MT" panose="020B0502020104020203" pitchFamily="34" charset="0"/>
-              </a:rPr>
-              <a:t>) register</a:t>
-            </a:r>
-          </a:p>
-          <a:p>
-            <a:pPr marL="285750" indent="-285750">
-              <a:buFont typeface="Arial" panose="020B0604020202020204" pitchFamily="34" charset="0"/>
-              <a:buChar char="•"/>
-            </a:pPr>
-            <a:r>
-              <a:rPr lang="en-US" sz="1500" dirty="0">
-                <a:latin typeface="Gill Sans MT" panose="020B0502020104020203" pitchFamily="34" charset="0"/>
-              </a:rPr>
-              <a:t>Set the WRNRD (Write Not Read) bit to specify a write , specify whether to transfer the IDMASK, DIR, and MXTD of the message object into the CAN </a:t>
-            </a:r>
-            <a:r>
-              <a:rPr lang="en-US" sz="1500" dirty="0" err="1">
-                <a:latin typeface="Gill Sans MT" panose="020B0502020104020203" pitchFamily="34" charset="0"/>
-              </a:rPr>
-              <a:t>IFn</a:t>
-            </a:r>
-            <a:r>
-              <a:rPr lang="en-US" sz="1500" dirty="0">
-                <a:latin typeface="Gill Sans MT" panose="020B0502020104020203" pitchFamily="34" charset="0"/>
-              </a:rPr>
-              <a:t> registers using the MASK bit.</a:t>
-            </a:r>
-          </a:p>
-          <a:p>
-            <a:pPr marL="285750" indent="-285750">
-              <a:buFont typeface="Arial" panose="020B0604020202020204" pitchFamily="34" charset="0"/>
-              <a:buChar char="•"/>
-            </a:pPr>
-            <a:r>
-              <a:rPr lang="en-US" sz="1500" dirty="0">
-                <a:latin typeface="Gill Sans MT" panose="020B0502020104020203" pitchFamily="34" charset="0"/>
-              </a:rPr>
-              <a:t>Specify which bits to transfer using the DATAA and DATAB bits.</a:t>
-            </a:r>
-          </a:p>
-          <a:p>
-            <a:pPr marL="285750" indent="-285750">
-              <a:buFont typeface="Arial" panose="020B0604020202020204" pitchFamily="34" charset="0"/>
-              <a:buChar char="•"/>
-            </a:pPr>
-            <a:r>
-              <a:rPr lang="en-US" sz="1500" dirty="0">
-                <a:latin typeface="Gill Sans MT" panose="020B0502020104020203" pitchFamily="34" charset="0"/>
-              </a:rPr>
-              <a:t>Specify whether to transfer the ID, DIR, XTD, and MSGVAL of the message object into the interface registers using the ARB bit.</a:t>
-            </a:r>
-          </a:p>
-          <a:p>
-            <a:pPr marL="285750" indent="-285750">
-              <a:buFont typeface="Arial" panose="020B0604020202020204" pitchFamily="34" charset="0"/>
-              <a:buChar char="•"/>
-            </a:pPr>
-            <a:r>
-              <a:rPr lang="en-US" sz="1500" dirty="0">
-                <a:latin typeface="Gill Sans MT" panose="020B0502020104020203" pitchFamily="34" charset="0"/>
-              </a:rPr>
-              <a:t>Specify whether to transfer the control bits into the interface registers using the CONTROL bit.</a:t>
-            </a:r>
-          </a:p>
-          <a:p>
-            <a:pPr lvl="0"/>
-            <a:r>
-              <a:rPr lang="en-US" sz="1500" dirty="0">
-                <a:latin typeface="Gill Sans MT" panose="020B0502020104020203" pitchFamily="34" charset="0"/>
-              </a:rPr>
-              <a:t>2- Specify which bits to transfer using the DATAA and DATAB bits</a:t>
-            </a:r>
-          </a:p>
-          <a:p>
-            <a:r>
-              <a:rPr lang="en-US" sz="1500" dirty="0">
-                <a:latin typeface="Gill Sans MT" panose="020B0502020104020203" pitchFamily="34" charset="0"/>
-              </a:rPr>
-              <a:t>3- We have 2 types of formatting for the message ID:</a:t>
-            </a:r>
-          </a:p>
-          <a:p>
-            <a:r>
-              <a:rPr lang="en-US" sz="1500" dirty="0">
-                <a:latin typeface="Gill Sans MT" panose="020B0502020104020203" pitchFamily="34" charset="0"/>
-              </a:rPr>
-              <a:t> </a:t>
-            </a:r>
-          </a:p>
-          <a:p>
-            <a:pPr marL="285750" lvl="0" indent="-285750">
-              <a:buFont typeface="Wingdings" panose="05000000000000000000" pitchFamily="2" charset="2"/>
-              <a:buChar char="Ø"/>
-            </a:pPr>
-            <a:r>
-              <a:rPr lang="en-US" sz="1500" b="1" dirty="0">
-                <a:latin typeface="Gill Sans MT" panose="020B0502020104020203" pitchFamily="34" charset="0"/>
-              </a:rPr>
-              <a:t>For the 11 Bit Standard Format :</a:t>
-            </a:r>
-          </a:p>
-          <a:p>
-            <a:pPr marL="0" lvl="0" indent="0">
-              <a:buNone/>
-            </a:pPr>
-            <a:r>
-              <a:rPr lang="en-US" sz="1500" dirty="0">
-                <a:latin typeface="Gill Sans MT" panose="020B0502020104020203" pitchFamily="34" charset="0"/>
-              </a:rPr>
-              <a:t>- In the CANIFnMSK2 register the MSK[12:2] are used for bits [10:0] of the 11-bit message identifier for </a:t>
-            </a:r>
-            <a:r>
-              <a:rPr lang="en-US" sz="1500" dirty="0">
-                <a:solidFill>
-                  <a:srgbClr val="FFD966"/>
-                </a:solidFill>
-                <a:latin typeface="Gill Sans MT" panose="020B0502020104020203" pitchFamily="34" charset="0"/>
-              </a:rPr>
-              <a:t>acceptance filtering</a:t>
-            </a:r>
-            <a:r>
-              <a:rPr lang="en-US" sz="1500" dirty="0">
-                <a:solidFill>
-                  <a:srgbClr val="000000"/>
-                </a:solidFill>
-                <a:latin typeface="Gill Sans MT" panose="020B0502020104020203" pitchFamily="34" charset="0"/>
-              </a:rPr>
-              <a:t>.</a:t>
-            </a:r>
-            <a:r>
-              <a:rPr lang="en-US" sz="1500" dirty="0">
-                <a:solidFill>
-                  <a:srgbClr val="FFD966"/>
-                </a:solidFill>
-                <a:latin typeface="Gill Sans MT" panose="020B0502020104020203" pitchFamily="34" charset="0"/>
-              </a:rPr>
-              <a:t> </a:t>
-            </a:r>
-            <a:endParaRPr lang="en-US" sz="1500" dirty="0">
-              <a:latin typeface="Gill Sans MT" panose="020B0502020104020203" pitchFamily="34" charset="0"/>
-            </a:endParaRPr>
-          </a:p>
-          <a:p>
-            <a:pPr marL="0" lvl="0" indent="0">
-              <a:buNone/>
-            </a:pPr>
-            <a:r>
-              <a:rPr lang="en-US" sz="1500" dirty="0">
-                <a:latin typeface="Gill Sans MT" panose="020B0502020104020203" pitchFamily="34" charset="0"/>
-              </a:rPr>
-              <a:t>- Then Configure ID[12:2] in the CANIFnARB2 register for bits [10:0] of the 11-bit </a:t>
-            </a:r>
-            <a:r>
-              <a:rPr lang="en-US" sz="1500" dirty="0">
-                <a:solidFill>
-                  <a:srgbClr val="FFD966"/>
-                </a:solidFill>
-                <a:latin typeface="Gill Sans MT" panose="020B0502020104020203" pitchFamily="34" charset="0"/>
-              </a:rPr>
-              <a:t>message identifier</a:t>
-            </a:r>
-            <a:r>
-              <a:rPr lang="en-US" sz="1500" dirty="0">
-                <a:solidFill>
-                  <a:srgbClr val="000000"/>
-                </a:solidFill>
-                <a:latin typeface="Gill Sans MT" panose="020B0502020104020203" pitchFamily="34" charset="0"/>
-              </a:rPr>
-              <a:t>.</a:t>
-            </a:r>
-          </a:p>
-          <a:p>
-            <a:pPr marL="0" lvl="0" indent="0">
-              <a:buNone/>
-            </a:pPr>
-            <a:r>
-              <a:rPr lang="en-US" sz="1500" dirty="0">
-                <a:latin typeface="Gill Sans MT" panose="020B0502020104020203" pitchFamily="34" charset="0"/>
-              </a:rPr>
-              <a:t>- Clear the XTD bit to indicate standard identifier, and clear the DIR bit to indicate receive, and the MSGVAL bit to  indicate that the message object is valid</a:t>
-            </a:r>
-            <a:r>
-              <a:rPr lang="en-US" sz="1500" dirty="0">
-                <a:solidFill>
-                  <a:srgbClr val="FFD966"/>
-                </a:solidFill>
-                <a:latin typeface="Gill Sans MT" panose="020B0502020104020203" pitchFamily="34" charset="0"/>
-              </a:rPr>
-              <a:t>.</a:t>
-            </a:r>
-            <a:endParaRPr lang="en-US" sz="1500" b="1" dirty="0">
-              <a:latin typeface="Gill Sans MT" panose="020B0502020104020203" pitchFamily="34" charset="0"/>
-            </a:endParaRPr>
-          </a:p>
-          <a:p>
-            <a:pPr lvl="0"/>
-            <a:endParaRPr lang="en-US" sz="1500" dirty="0">
-              <a:latin typeface="Gill Sans MT" panose="020B0502020104020203" pitchFamily="34" charset="0"/>
-            </a:endParaRPr>
-          </a:p>
-          <a:p>
-            <a:pPr lvl="0"/>
-            <a:endParaRPr lang="en-US" sz="1500" dirty="0">
-              <a:latin typeface="Gill Sans MT" panose="020B0502020104020203" pitchFamily="34" charset="0"/>
-            </a:endParaRPr>
-          </a:p>
-          <a:p>
-            <a:endParaRPr lang="en-US" sz="1500" dirty="0">
-              <a:latin typeface="Gill Sans MT" panose="020B0502020104020203" pitchFamily="34" charset="0"/>
-            </a:endParaRPr>
-          </a:p>
-        </p:txBody>
-      </p:sp>
-    </p:spTree>
-    <p:extLst>
-      <p:ext uri="{BB962C8B-B14F-4D97-AF65-F5344CB8AC3E}">
-        <p14:creationId xmlns:p14="http://schemas.microsoft.com/office/powerpoint/2010/main" val="4239568296"/>
-      </p:ext>
-    </p:extLst>
   </p:cSld>
   <p:clrMapOvr>
     <a:masterClrMapping/>
@@ -6747,8 +6829,8 @@
         </p:nvSpPr>
         <p:spPr>
           <a:xfrm>
-            <a:off x="1249678" y="1443841"/>
-            <a:ext cx="9692640" cy="3785652"/>
+            <a:off x="1249678" y="1581894"/>
+            <a:ext cx="9692639" cy="4478149"/>
           </a:xfrm>
           <a:prstGeom prst="rect">
             <a:avLst/>
@@ -6761,10 +6843,124 @@
           </a:bodyPr>
           <a:lstStyle/>
           <a:p>
-            <a:pPr lvl="0"/>
-            <a:endParaRPr lang="en-US" sz="1500" b="1" dirty="0">
-              <a:latin typeface="Gill Sans MT" panose="020B0502020104020203" pitchFamily="34" charset="0"/>
-            </a:endParaRPr>
+            <a:pPr marL="0" lvl="0" indent="0">
+              <a:buNone/>
+            </a:pPr>
+            <a:r>
+              <a:rPr lang="en-US" sz="1500" dirty="0">
+                <a:latin typeface="Gill Sans MT" panose="020B0502020104020203" pitchFamily="34" charset="0"/>
+              </a:rPr>
+              <a:t>1- In the CAN </a:t>
+            </a:r>
+            <a:r>
+              <a:rPr lang="en-US" sz="1500" dirty="0" err="1">
+                <a:latin typeface="Gill Sans MT" panose="020B0502020104020203" pitchFamily="34" charset="0"/>
+              </a:rPr>
+              <a:t>IFn</a:t>
+            </a:r>
+            <a:r>
+              <a:rPr lang="en-US" sz="1500" dirty="0">
+                <a:latin typeface="Gill Sans MT" panose="020B0502020104020203" pitchFamily="34" charset="0"/>
+              </a:rPr>
+              <a:t> Command Mask (</a:t>
+            </a:r>
+            <a:r>
+              <a:rPr lang="en-US" sz="1500" dirty="0" err="1">
+                <a:latin typeface="Gill Sans MT" panose="020B0502020104020203" pitchFamily="34" charset="0"/>
+              </a:rPr>
+              <a:t>CANIFnCMASK</a:t>
+            </a:r>
+            <a:r>
+              <a:rPr lang="en-US" sz="1500" dirty="0">
+                <a:latin typeface="Gill Sans MT" panose="020B0502020104020203" pitchFamily="34" charset="0"/>
+              </a:rPr>
+              <a:t>) register</a:t>
+            </a:r>
+          </a:p>
+          <a:p>
+            <a:pPr marL="285750" indent="-285750">
+              <a:buFont typeface="Arial" panose="020B0604020202020204" pitchFamily="34" charset="0"/>
+              <a:buChar char="•"/>
+            </a:pPr>
+            <a:r>
+              <a:rPr lang="en-US" sz="1500" dirty="0">
+                <a:latin typeface="Gill Sans MT" panose="020B0502020104020203" pitchFamily="34" charset="0"/>
+              </a:rPr>
+              <a:t>Set the WRNRD (Write Not Read) bit to specify a write , specify whether to transfer the IDMASK, DIR, and MXTD of the message object into the CAN </a:t>
+            </a:r>
+            <a:r>
+              <a:rPr lang="en-US" sz="1500" dirty="0" err="1">
+                <a:latin typeface="Gill Sans MT" panose="020B0502020104020203" pitchFamily="34" charset="0"/>
+              </a:rPr>
+              <a:t>IFn</a:t>
+            </a:r>
+            <a:r>
+              <a:rPr lang="en-US" sz="1500" dirty="0">
+                <a:latin typeface="Gill Sans MT" panose="020B0502020104020203" pitchFamily="34" charset="0"/>
+              </a:rPr>
+              <a:t> registers using the MASK bit.</a:t>
+            </a:r>
+          </a:p>
+          <a:p>
+            <a:pPr marL="285750" indent="-285750">
+              <a:buFont typeface="Arial" panose="020B0604020202020204" pitchFamily="34" charset="0"/>
+              <a:buChar char="•"/>
+            </a:pPr>
+            <a:r>
+              <a:rPr lang="en-US" sz="1500" dirty="0">
+                <a:latin typeface="Gill Sans MT" panose="020B0502020104020203" pitchFamily="34" charset="0"/>
+              </a:rPr>
+              <a:t>Specify which bits to transfer using the DATAA and DATAB bits.</a:t>
+            </a:r>
+          </a:p>
+          <a:p>
+            <a:pPr marL="285750" indent="-285750">
+              <a:buFont typeface="Arial" panose="020B0604020202020204" pitchFamily="34" charset="0"/>
+              <a:buChar char="•"/>
+            </a:pPr>
+            <a:r>
+              <a:rPr lang="en-US" sz="1500" dirty="0">
+                <a:latin typeface="Gill Sans MT" panose="020B0502020104020203" pitchFamily="34" charset="0"/>
+              </a:rPr>
+              <a:t>Specify whether to transfer the ID, DIR, XTD, and MSGVAL of the message object into the interface registers using the ARB bit.</a:t>
+            </a:r>
+          </a:p>
+          <a:p>
+            <a:pPr marL="285750" indent="-285750">
+              <a:buFont typeface="Arial" panose="020B0604020202020204" pitchFamily="34" charset="0"/>
+              <a:buChar char="•"/>
+            </a:pPr>
+            <a:r>
+              <a:rPr lang="en-US" sz="1500" dirty="0">
+                <a:latin typeface="Gill Sans MT" panose="020B0502020104020203" pitchFamily="34" charset="0"/>
+              </a:rPr>
+              <a:t>Specify whether to transfer the control bits into the interface registers using the CONTROL bit.</a:t>
+            </a:r>
+          </a:p>
+          <a:p>
+            <a:pPr lvl="0"/>
+            <a:r>
+              <a:rPr lang="en-US" sz="1500" dirty="0">
+                <a:latin typeface="Gill Sans MT" panose="020B0502020104020203" pitchFamily="34" charset="0"/>
+              </a:rPr>
+              <a:t>2- Specify which bits to transfer using the DATAA and DATAB bits</a:t>
+            </a:r>
+          </a:p>
+          <a:p>
+            <a:r>
+              <a:rPr lang="en-US" sz="1500" dirty="0">
+                <a:latin typeface="Gill Sans MT" panose="020B0502020104020203" pitchFamily="34" charset="0"/>
+              </a:rPr>
+              <a:t>3- We have 2 types of formatting for the message ID:</a:t>
+            </a:r>
+          </a:p>
+          <a:p>
+            <a:r>
+              <a:rPr lang="en-US" sz="1500" dirty="0">
+                <a:latin typeface="Gill Sans MT" panose="020B0502020104020203" pitchFamily="34" charset="0"/>
+              </a:rPr>
+              <a:t> </a:t>
+            </a:r>
           </a:p>
           <a:p>
             <a:pPr marL="285750" lvl="0" indent="-285750">
@@ -6775,7 +6971,7 @@
               <a:rPr lang="en-US" sz="1500" b="1" dirty="0">
                 <a:latin typeface="Gill Sans MT" panose="020B0502020104020203" pitchFamily="34" charset="0"/>
               </a:rPr>
-              <a:t>For the 29 Bit Extended Format :</a:t>
+              <a:t>For the 11 Bit Standard Format :</a:t>
             </a:r>
           </a:p>
           <a:p>
@@ -6786,7 +6982,7 @@
               <a:rPr lang="en-US" sz="1500" dirty="0">
                 <a:latin typeface="Gill Sans MT" panose="020B0502020104020203" pitchFamily="34" charset="0"/>
               </a:rPr>
-              <a:t>- In the CANIFnMSK1 register the MSK[15:0] are used for bits [15:0] of the for acceptance filtering and in the CANIFnMSK2 register the MSK[12:0]        are used for bits [28:16] of the 29-bit message identifier </a:t>
+              <a:t>- In the CANIFnMSK2 register the MSK[12:2] are used for bits [10:0] of the 11-bit message identifier for </a:t>
             </a:r>
             <a:r>
               <a:rPr lang="en-US" sz="1500" dirty="0">
@@ -6795,13 +6991,57 @@
                 </a:solidFill>
                 <a:latin typeface="Gill Sans MT" panose="020B0502020104020203" pitchFamily="34" charset="0"/>
               </a:rPr>
-              <a:t>for acceptance filtering </a:t>
-            </a:r>
+              <a:t>acceptance filtering</a:t>
+            </a:r>
+            <a:r>
+              <a:rPr lang="en-US" sz="1500" dirty="0">
+                <a:solidFill>
+                  <a:srgbClr val="000000"/>
+                </a:solidFill>
+                <a:latin typeface="Gill Sans MT" panose="020B0502020104020203" pitchFamily="34" charset="0"/>
+              </a:rPr>
+              <a:t>.</a:t>
+            </a:r>
+            <a:r>
+              <a:rPr lang="en-US" sz="1500" dirty="0">
+                <a:solidFill>
+                  <a:srgbClr val="FFD966"/>
+                </a:solidFill>
+                <a:latin typeface="Gill Sans MT" panose="020B0502020104020203" pitchFamily="34" charset="0"/>
+              </a:rPr>
+              <a:t> </a:t>
+            </a:r>
+            <a:endParaRPr lang="en-US" sz="1500" dirty="0">
+              <a:latin typeface="Gill Sans MT" panose="020B0502020104020203" pitchFamily="34" charset="0"/>
+            </a:endParaRPr>
+          </a:p>
+          <a:p>
+            <a:pPr marL="0" lvl="0" indent="0">
+              <a:buNone/>
+            </a:pPr>
             <a:r>
               <a:rPr lang="en-US" sz="1500" dirty="0">
                 <a:latin typeface="Gill Sans MT" panose="020B0502020104020203" pitchFamily="34" charset="0"/>
               </a:rPr>
-              <a:t>. </a:t>
+              <a:t>- Then Configure ID[12:2] in the CANIFnARB2 register for bits [10:0] of the 11-bit </a:t>
+            </a:r>
+            <a:r>
+              <a:rPr lang="en-US" sz="1500" dirty="0">
+                <a:solidFill>
+                  <a:srgbClr val="FFD966"/>
+                </a:solidFill>
+                <a:latin typeface="Gill Sans MT" panose="020B0502020104020203" pitchFamily="34" charset="0"/>
+              </a:rPr>
+              <a:t>message identifier</a:t>
+            </a:r>
+            <a:r>
+              <a:rPr lang="en-US" sz="1500" dirty="0">
+                <a:solidFill>
+                  <a:srgbClr val="000000"/>
+                </a:solidFill>
+                <a:latin typeface="Gill Sans MT" panose="020B0502020104020203" pitchFamily="34" charset="0"/>
+              </a:rPr>
+              <a:t>.</a:t>
             </a:r>
           </a:p>
           <a:p>
@@ -6812,123 +7052,44 @@
               <a:rPr lang="en-US" sz="1500" dirty="0">
                 <a:latin typeface="Gill Sans MT" panose="020B0502020104020203" pitchFamily="34" charset="0"/>
               </a:rPr>
-              <a:t>- The same process is repeated for registers CANIFnARB1and CANIFnARB2 for the 29-bit </a:t>
+              <a:t>- Clear the XTD bit to indicate standard identifier, and clear the DIR bit to indicate receive, and the MSGVAL bit to  indicate that the message object is valid</a:t>
             </a:r>
             <a:r>
               <a:rPr lang="en-US" sz="1500" dirty="0">
                 <a:solidFill>
                   <a:srgbClr val="FFD966"/>
                 </a:solidFill>
-                <a:latin typeface="Gill Sans MT" panose="020B0502020104020203" pitchFamily="34" charset="0"/>
-              </a:rPr>
-              <a:t>message identifier</a:t>
-            </a:r>
-            <a:r>
-              <a:rPr lang="en-US" sz="1500" dirty="0">
-                <a:latin typeface="Gill Sans MT" panose="020B0502020104020203" pitchFamily="34" charset="0"/>
-              </a:rPr>
-              <a:t> . </a:t>
-            </a:r>
-          </a:p>
-          <a:p>
-            <a:pPr marL="0" lvl="0" indent="0">
-              <a:buNone/>
-            </a:pPr>
-            <a:r>
-              <a:rPr lang="en-US" sz="1500" dirty="0">
-                <a:latin typeface="Gill Sans MT" panose="020B0502020104020203" pitchFamily="34" charset="0"/>
-              </a:rPr>
-              <a:t>- Set the XTD bit to indicate an extended identifier, clear the DIR bit to indicate receive, and the MSGVAL bit to indicate that the message object is valid</a:t>
-            </a:r>
-          </a:p>
-          <a:p>
-            <a:pPr marL="0" lvl="0" indent="0">
-              <a:buNone/>
-            </a:pPr>
-            <a:r>
-              <a:rPr lang="en-US" sz="1500" dirty="0">
-                <a:latin typeface="Gill Sans MT" panose="020B0502020104020203" pitchFamily="34" charset="0"/>
-              </a:rPr>
-              <a:t>4- In the </a:t>
-            </a:r>
-            <a:r>
-              <a:rPr lang="en-US" sz="1500" dirty="0" err="1">
-                <a:latin typeface="Gill Sans MT" panose="020B0502020104020203" pitchFamily="34" charset="0"/>
-              </a:rPr>
-              <a:t>CANIFnMCTL</a:t>
-            </a:r>
-            <a:r>
-              <a:rPr lang="en-US" sz="1500" dirty="0">
-                <a:latin typeface="Gill Sans MT" panose="020B0502020104020203" pitchFamily="34" charset="0"/>
-              </a:rPr>
-              <a:t> register:</a:t>
-            </a:r>
-          </a:p>
-          <a:p>
-            <a:pPr lvl="0"/>
-            <a:r>
-              <a:rPr lang="en-US" sz="1500" dirty="0">
-                <a:latin typeface="Gill Sans MT" panose="020B0502020104020203" pitchFamily="34" charset="0"/>
-              </a:rPr>
-              <a:t>- Optionally set the UMASK bit to enable the mask (MSK, MXTD, and MDIR specified in the CANIFnMSK1 and CANIFnMSK2 registers) for acceptance filtering.</a:t>
-            </a:r>
-          </a:p>
-          <a:p>
-            <a:pPr lvl="0"/>
-            <a:r>
-              <a:rPr lang="en-US" sz="1500" dirty="0">
-                <a:latin typeface="Gill Sans MT" panose="020B0502020104020203" pitchFamily="34" charset="0"/>
-              </a:rPr>
-              <a:t>- Optionally set the RXIE bit to enable the INTPND bit to be set after a successful transmission, and clear RMTEN bit to leave the TXRQST bit unchanged.</a:t>
-            </a:r>
-          </a:p>
-          <a:p>
-            <a:pPr lvl="0"/>
-            <a:r>
-              <a:rPr lang="en-US" sz="1500" dirty="0">
-                <a:latin typeface="Gill Sans MT" panose="020B0502020104020203" pitchFamily="34" charset="0"/>
-              </a:rPr>
-              <a:t>- Set the EOB bit for a single message object.</a:t>
-            </a:r>
-          </a:p>
-          <a:p>
-            <a:pPr lvl="0"/>
-            <a:r>
-              <a:rPr lang="en-US" sz="1500" dirty="0">
-                <a:latin typeface="Gill Sans MT" panose="020B0502020104020203" pitchFamily="34" charset="0"/>
-              </a:rPr>
-              <a:t>- Configure the DLC[3:0] field to specify the size of the data frame.</a:t>
-            </a:r>
-          </a:p>
-          <a:p>
-            <a:pPr marL="0" lvl="0" indent="0">
-              <a:buNone/>
-            </a:pPr>
-            <a:r>
-              <a:rPr lang="en-US" sz="1500" dirty="0">
-                <a:latin typeface="Gill Sans MT" panose="020B0502020104020203" pitchFamily="34" charset="0"/>
-              </a:rPr>
-              <a:t>5- Program the number of the message object that will receive in the MNUM field in </a:t>
-            </a:r>
-            <a:r>
-              <a:rPr lang="en-US" sz="1500" dirty="0" err="1">
-                <a:latin typeface="Gill Sans MT" panose="020B0502020104020203" pitchFamily="34" charset="0"/>
-              </a:rPr>
-              <a:t>CANIFnCRQ</a:t>
-            </a:r>
-            <a:r>
-              <a:rPr lang="en-US" sz="1500" dirty="0">
                 <a:latin typeface="Gill Sans MT" panose="020B0502020104020203" pitchFamily="34" charset="0"/>
               </a:rPr>
               <a:t>.</a:t>
             </a:r>
+            <a:endParaRPr lang="en-US" sz="1500" b="1" dirty="0">
+              <a:latin typeface="Gill Sans MT" panose="020B0502020104020203" pitchFamily="34" charset="0"/>
+            </a:endParaRPr>
+          </a:p>
+          <a:p>
+            <a:pPr lvl="0"/>
+            <a:endParaRPr lang="en-US" sz="1500" dirty="0">
+              <a:latin typeface="Gill Sans MT" panose="020B0502020104020203" pitchFamily="34" charset="0"/>
+            </a:endParaRPr>
+          </a:p>
+          <a:p>
+            <a:pPr lvl="0"/>
+            <a:endParaRPr lang="en-US" sz="1500" dirty="0">
+              <a:latin typeface="Gill Sans MT" panose="020B0502020104020203" pitchFamily="34" charset="0"/>
+            </a:endParaRPr>
+          </a:p>
+          <a:p>
+            <a:endParaRPr lang="en-US" sz="1500" dirty="0">
+              <a:latin typeface="Gill Sans MT" panose="020B0502020104020203" pitchFamily="34" charset="0"/>
+            </a:endParaRPr>
           </a:p>
         </p:txBody>
       </p:sp>
     </p:spTree>
     <p:extLst>
       <p:ext uri="{BB962C8B-B14F-4D97-AF65-F5344CB8AC3E}">
-        <p14:creationId xmlns:p14="http://schemas.microsoft.com/office/powerpoint/2010/main" val="2801609728"/>
+        <p14:creationId xmlns:p14="http://schemas.microsoft.com/office/powerpoint/2010/main" val="4239568296"/>
       </p:ext>
     </p:extLst>
   </p:cSld>
@@ -6960,7 +7121,7 @@
           <p:cNvPr id="2" name="Rectangle 7">
             <a:extLst>
               <a:ext uri="{FF2B5EF4-FFF2-40B4-BE49-F238E27FC236}">
-                <a16:creationId xmlns:a16="http://schemas.microsoft.com/office/drawing/2014/main" id="{F3177CAB-F849-44BD-8BE4-A8D94F7C7CA4}"/>
+                <a16:creationId xmlns:a16="http://schemas.microsoft.com/office/drawing/2014/main" id="{4CF3A89E-9D20-46CC-BA9B-51766B1FB1DF}"/>
               </a:ext>
             </a:extLst>
           </p:cNvPr>
@@ -7010,13 +7171,16 @@
                 <a:uFillTx/>
               </a:defRPr>
             </a:pPr>
-            <a:endParaRPr lang="en-US" sz="1800" b="0" i="0" u="none" strike="noStrike" kern="1200" cap="none" spc="0" baseline="0%">
-              <a:solidFill>
-                <a:srgbClr val="FFFFFF"/>
-              </a:solidFill>
-              <a:uFillTx/>
-              <a:latin typeface="Gill Sans MT"/>
-            </a:endParaRPr>
+            <a:r>
+              <a:rPr lang="en-US" sz="1800" b="0" i="0" u="none" strike="noStrike" kern="1200" cap="none" spc="0" baseline="0%" dirty="0">
+                <a:solidFill>
+                  <a:srgbClr val="FFFFFF"/>
+                </a:solidFill>
+                <a:uFillTx/>
+                <a:latin typeface="Gill Sans MT"/>
+              </a:rPr>
+              <a:t> </a:t>
+            </a:r>
           </a:p>
         </p:txBody>
       </p:sp>
@@ -7025,7 +7189,7 @@
           <p:cNvPr id="3" name="Rectangle 9">
             <a:extLst>
               <a:ext uri="{FF2B5EF4-FFF2-40B4-BE49-F238E27FC236}">
-                <a16:creationId xmlns:a16="http://schemas.microsoft.com/office/drawing/2014/main" id="{DD630317-0FA2-4B8D-8EFE-37AD98E28449}"/>
+                <a16:creationId xmlns:a16="http://schemas.microsoft.com/office/drawing/2014/main" id="{8A7CF62C-55D5-487D-A2D8-4F3E985618AE}"/>
               </a:ext>
             </a:extLst>
           </p:cNvPr>
@@ -7048,6 +7212,48 @@
           <a:ln cap="flat">
             <a:noFill/>
             <a:prstDash val="solid"/>
+          </a:ln>
+        </p:spPr>
+        <p:txBody>
+          <a:bodyPr vert="horz" wrap="square" lIns="91440" tIns="45720" rIns="91440" bIns="45720" anchor="ctr" anchorCtr="1" compatLnSpc="1">
+            <a:noAutofit/>
+          </a:bodyPr>
+          <a:lstStyle/>
+          <a:p>
+            <a:pPr lvl="0"/>
+            <a:endParaRPr lang="en-US" sz="1250" dirty="0"/>
+          </a:p>
+        </p:txBody>
+      </p:sp>
+      <p:sp>
+        <p:nvSpPr>
+          <p:cNvPr id="4" name="Rectangle 11">
+            <a:extLst>
+              <a:ext uri="{FF2B5EF4-FFF2-40B4-BE49-F238E27FC236}">
+                <a16:creationId xmlns:a16="http://schemas.microsoft.com/office/drawing/2014/main" id="{BD922638-08FF-4073-8860-A65084CDB9AF}"/>
+              </a:ext>
+            </a:extLst>
+          </p:cNvPr>
+          <p:cNvSpPr>
+            <a:spLocks noMove="1" noResize="1"/>
+          </p:cNvSpPr>
+          <p:nvPr/>
+        </p:nvSpPr>
+        <p:spPr>
+          <a:xfrm>
+            <a:off x="1062231" y="1060704"/>
+            <a:ext cx="10067544" cy="4736592"/>
+          </a:xfrm>
+          <a:prstGeom prst="rect">
+            <a:avLst/>
+          </a:prstGeom>
+          <a:noFill/>
+          <a:ln w="31747" cap="sq">
+            <a:solidFill>
+              <a:srgbClr val="FFFFFF"/>
+            </a:solidFill>
+            <a:prstDash val="solid"/>
+            <a:miter/>
           </a:ln>
         </p:spPr>
         <p:txBody>
@@ -7087,133 +7293,97 @@
       </p:sp>
       <p:sp>
         <p:nvSpPr>
-          <p:cNvPr id="4" name="Rectangle 11">
-            <a:extLst>
-              <a:ext uri="{FF2B5EF4-FFF2-40B4-BE49-F238E27FC236}">
-                <a16:creationId xmlns:a16="http://schemas.microsoft.com/office/drawing/2014/main" id="{457C7507-9919-4E81-868F-A130F0BB46B2}"/>
-              </a:ext>
-            </a:extLst>
-          </p:cNvPr>
-          <p:cNvSpPr>
-            <a:spLocks noMove="1" noResize="1"/>
-          </p:cNvSpPr>
+          <p:cNvPr id="9" name="Title 1">
+            <a:extLst>
+              <a:ext uri="{FF2B5EF4-FFF2-40B4-BE49-F238E27FC236}">
+                <a16:creationId xmlns:a16="http://schemas.microsoft.com/office/drawing/2014/main" id="{74B9ECC0-4783-4A29-96DA-EFF50091D0C3}"/>
+              </a:ext>
+            </a:extLst>
+          </p:cNvPr>
+          <p:cNvSpPr txBox="1">
+            <a:spLocks noGrp="1"/>
+          </p:cNvSpPr>
+          <p:nvPr>
+            <p:ph type="title"/>
+          </p:nvPr>
+        </p:nvSpPr>
+        <p:spPr>
+          <a:xfrm>
+            <a:off x="1776417" y="661170"/>
+            <a:ext cx="8322557" cy="782671"/>
+          </a:xfrm>
+        </p:spPr>
+        <p:txBody>
+          <a:bodyPr/>
+          <a:lstStyle/>
+          <a:p>
+            <a:pPr lvl="0"/>
+            <a:r>
+              <a:rPr lang="en-US" dirty="0"/>
+              <a:t>Configure a Receive Message Object</a:t>
+            </a:r>
+            <a:r>
+              <a:rPr kumimoji="0" lang="en-US" sz="800" b="1" i="0" u="none" strike="noStrike" kern="1200" cap="all" spc="200" normalizeH="0" baseline="0%" noProof="0" dirty="0">
+                <a:ln>
+                  <a:noFill/>
+                </a:ln>
+                <a:solidFill>
+                  <a:srgbClr val="262626"/>
+                </a:solidFill>
+                <a:effectLst/>
+                <a:uLnTx/>
+                <a:uFillTx/>
+                <a:latin typeface="Gill Sans MT"/>
+              </a:rPr>
+              <a:t> Cont.</a:t>
+            </a:r>
+            <a:endParaRPr lang="en-US" dirty="0"/>
+          </a:p>
+        </p:txBody>
+      </p:sp>
+      <p:sp>
+        <p:nvSpPr>
+          <p:cNvPr id="6" name="TextBox 5">
+            <a:extLst>
+              <a:ext uri="{FF2B5EF4-FFF2-40B4-BE49-F238E27FC236}">
+                <a16:creationId xmlns:a16="http://schemas.microsoft.com/office/drawing/2014/main" id="{DF27249F-F612-4F2C-8612-6C459483DD90}"/>
+              </a:ext>
+            </a:extLst>
+          </p:cNvPr>
+          <p:cNvSpPr txBox="1"/>
           <p:nvPr/>
         </p:nvSpPr>
         <p:spPr>
           <a:xfrm>
-            <a:off x="1062231" y="1060704"/>
-            <a:ext cx="10067544" cy="4736592"/>
+            <a:off x="1249678" y="1443841"/>
+            <a:ext cx="9692640" cy="3785652"/>
           </a:xfrm>
           <a:prstGeom prst="rect">
             <a:avLst/>
           </a:prstGeom>
           <a:noFill/>
-          <a:ln w="31747" cap="sq">
-            <a:solidFill>
-              <a:srgbClr val="FFFFFF"/>
-            </a:solidFill>
-            <a:prstDash val="solid"/>
-            <a:miter/>
-          </a:ln>
-        </p:spPr>
-        <p:txBody>
-          <a:bodyPr vert="horz" wrap="square" lIns="91440" tIns="45720" rIns="91440" bIns="45720" anchor="ctr" anchorCtr="1" compatLnSpc="1">
-            <a:noAutofit/>
+        </p:spPr>
+        <p:txBody>
+          <a:bodyPr wrap="square" rtlCol="0">
+            <a:spAutoFit/>
           </a:bodyPr>
           <a:lstStyle/>
           <a:p>
-            <a:pPr marL="0" marR="0" lvl="0" indent="0" algn="ctr" defTabSz="457200" rtl="0" fontAlgn="auto" hangingPunct="1">
-              <a:lnSpc>
-                <a:spcPct val="100%"/>
-              </a:lnSpc>
-              <a:spcBef>
-                <a:spcPts val="0"/>
-              </a:spcBef>
-              <a:spcAft>
-                <a:spcPts val="0"/>
-              </a:spcAft>
-              <a:buNone/>
-              <a:tabLst/>
-              <a:defRPr sz="1800" b="0" i="0" u="none" strike="noStrike" kern="0" cap="none" spc="0" baseline="0%">
-                <a:solidFill>
-                  <a:srgbClr val="000000"/>
-                </a:solidFill>
-                <a:uFillTx/>
-              </a:defRPr>
+            <a:pPr lvl="0"/>
+            <a:endParaRPr lang="en-US" sz="1500" b="1" dirty="0">
+              <a:latin typeface="Gill Sans MT" panose="020B0502020104020203" pitchFamily="34" charset="0"/>
+            </a:endParaRPr>
+          </a:p>
+          <a:p>
+            <a:pPr marL="285750" lvl="0" indent="-285750">
+              <a:buFont typeface="Wingdings" panose="05000000000000000000" pitchFamily="2" charset="2"/>
+              <a:buChar char="Ø"/>
             </a:pPr>
-            <a:endParaRPr lang="en-US" sz="1800" b="0" i="0" u="none" strike="noStrike" kern="1200" cap="none" spc="0" baseline="0%">
-              <a:solidFill>
-                <a:srgbClr val="FFFFFF"/>
-              </a:solidFill>
-              <a:uFillTx/>
-              <a:latin typeface="Gill Sans MT"/>
-            </a:endParaRPr>
-          </a:p>
-        </p:txBody>
-      </p:sp>
-      <p:sp>
-        <p:nvSpPr>
-          <p:cNvPr id="5" name="Title 1">
-            <a:extLst>
-              <a:ext uri="{FF2B5EF4-FFF2-40B4-BE49-F238E27FC236}">
-                <a16:creationId xmlns:a16="http://schemas.microsoft.com/office/drawing/2014/main" id="{5EEC968B-C9F7-49D9-A614-0300A054108E}"/>
-              </a:ext>
-            </a:extLst>
-          </p:cNvPr>
-          <p:cNvSpPr txBox="1">
-            <a:spLocks noGrp="1"/>
-          </p:cNvSpPr>
-          <p:nvPr>
-            <p:ph type="title"/>
-          </p:nvPr>
-        </p:nvSpPr>
-        <p:spPr>
-          <a:xfrm>
-            <a:off x="3342527" y="348808"/>
-            <a:ext cx="5506931" cy="899348"/>
-          </a:xfrm>
-        </p:spPr>
-        <p:txBody>
-          <a:bodyPr/>
-          <a:lstStyle/>
-          <a:p>
-            <a:pPr lvl="0"/>
-            <a:r>
-              <a:rPr lang="en-US" dirty="0"/>
-              <a:t>Test Mode Types </a:t>
-            </a:r>
-          </a:p>
-        </p:txBody>
-      </p:sp>
-      <p:sp>
-        <p:nvSpPr>
-          <p:cNvPr id="6" name="Content Placeholder 2">
-            <a:extLst>
-              <a:ext uri="{FF2B5EF4-FFF2-40B4-BE49-F238E27FC236}">
-                <a16:creationId xmlns:a16="http://schemas.microsoft.com/office/drawing/2014/main" id="{90CFE5AB-A1A8-48FB-B786-5CFDCBA464C7}"/>
-              </a:ext>
-            </a:extLst>
-          </p:cNvPr>
-          <p:cNvSpPr txBox="1">
-            <a:spLocks noGrp="1"/>
-          </p:cNvSpPr>
-          <p:nvPr>
-            <p:ph idx="1"/>
-          </p:nvPr>
-        </p:nvSpPr>
-        <p:spPr>
-          <a:xfrm>
-            <a:off x="1249672" y="1136901"/>
-            <a:ext cx="9692640" cy="5190747"/>
-          </a:xfrm>
-        </p:spPr>
-        <p:txBody>
-          <a:bodyPr/>
-          <a:lstStyle/>
-          <a:p>
-            <a:r>
-              <a:rPr lang="en-US" sz="2400" b="1" dirty="0"/>
-              <a:t>Basic Mode </a:t>
+            <a:r>
+              <a:rPr lang="en-US" sz="1500" b="1" dirty="0">
+                <a:latin typeface="Gill Sans MT" panose="020B0502020104020203" pitchFamily="34" charset="0"/>
+              </a:rPr>
+              <a:t>For the 29 Bit Extended Format :</a:t>
             </a:r>
           </a:p>
           <a:p>
@@ -7221,15 +7391,25 @@
               <a:buNone/>
             </a:pPr>
             <a:r>
-              <a:rPr lang="en-US" sz="2000" dirty="0"/>
-              <a:t>Basic Mode allows the CAN Controller to operate without the need of the message RAM. </a:t>
-            </a:r>
-            <a:endParaRPr lang="en-US" sz="2000" b="1" dirty="0"/>
-          </a:p>
-          <a:p>
-            <a:r>
-              <a:rPr lang="en-US" sz="2000" b="1" dirty="0"/>
-              <a:t>Silent Mode</a:t>
+              <a:rPr lang="en-US" sz="1500" dirty="0">
+                <a:latin typeface="Gill Sans MT" panose="020B0502020104020203" pitchFamily="34" charset="0"/>
+              </a:rPr>
+              <a:t>- In the CANIFnMSK1 register the MSK[15:0] are used for bits [15:0] of the for acceptance filtering and in the CANIFnMSK2 register the MSK[12:0]        are used for bits [28:16] of the 29-bit message identifier </a:t>
+            </a:r>
+            <a:r>
+              <a:rPr lang="en-US" sz="1500" dirty="0">
+                <a:solidFill>
+                  <a:srgbClr val="FFD966"/>
+                </a:solidFill>
+                <a:latin typeface="Gill Sans MT" panose="020B0502020104020203" pitchFamily="34" charset="0"/>
+              </a:rPr>
+              <a:t>for acceptance filtering </a:t>
+            </a:r>
+            <a:r>
+              <a:rPr lang="en-US" sz="1500" dirty="0">
+                <a:latin typeface="Gill Sans MT" panose="020B0502020104020203" pitchFamily="34" charset="0"/>
+              </a:rPr>
+              <a:t>. </a:t>
             </a:r>
           </a:p>
           <a:p>
@@ -7237,14 +7417,25 @@
               <a:buNone/>
             </a:pPr>
             <a:r>
-              <a:rPr lang="en-US" dirty="0"/>
-              <a:t> Silent Mode can be used to analyze the traffic on a CAN bus without affecting it by the transmission of dominant bits (Acknowledge Bits, Error Frames). </a:t>
-            </a:r>
-          </a:p>
-          <a:p>
-            <a:r>
-              <a:rPr lang="en-US" sz="2000" b="1" dirty="0"/>
-              <a:t>Loopback Mode </a:t>
+              <a:rPr lang="en-US" sz="1500" dirty="0">
+                <a:latin typeface="Gill Sans MT" panose="020B0502020104020203" pitchFamily="34" charset="0"/>
+              </a:rPr>
+              <a:t>- The same process is repeated for registers CANIFnARB1and CANIFnARB2 for the 29-bit </a:t>
+            </a:r>
+            <a:r>
+              <a:rPr lang="en-US" sz="1500" dirty="0">
+                <a:solidFill>
+                  <a:srgbClr val="FFD966"/>
+                </a:solidFill>
+                <a:latin typeface="Gill Sans MT" panose="020B0502020104020203" pitchFamily="34" charset="0"/>
+              </a:rPr>
+              <a:t>message identifier</a:t>
+            </a:r>
+            <a:r>
+              <a:rPr lang="en-US" sz="1500" dirty="0">
+                <a:latin typeface="Gill Sans MT" panose="020B0502020104020203" pitchFamily="34" charset="0"/>
+              </a:rPr>
+              <a:t> . </a:t>
             </a:r>
           </a:p>
           <a:p>
@@ -7252,30 +7443,10 @@
               <a:buNone/>
             </a:pPr>
             <a:r>
-              <a:rPr lang="en-US" dirty="0"/>
-              <a:t>Loopback mode is useful for self-test functions. In Loopback Mode, the CAN Controller internally routes the </a:t>
-            </a:r>
-            <a:r>
-              <a:rPr lang="en-US" dirty="0" err="1"/>
-              <a:t>CANnTX</a:t>
-            </a:r>
-            <a:r>
-              <a:rPr lang="en-US" dirty="0"/>
-              <a:t> signal on to the </a:t>
-            </a:r>
-            <a:r>
-              <a:rPr lang="en-US" dirty="0" err="1"/>
-              <a:t>CANnRX</a:t>
-            </a:r>
-            <a:r>
-              <a:rPr lang="en-US" dirty="0"/>
-              <a:t> signal and treats its own transmitted messages as received messages and stores them (if they pass acceptance filtering) into the message buffer.</a:t>
-            </a:r>
-          </a:p>
-          <a:p>
-            <a:r>
-              <a:rPr lang="en-US" sz="2000" b="1" dirty="0"/>
-              <a:t>Loopback Combined with Silent Mode</a:t>
+              <a:rPr lang="en-US" sz="1500" dirty="0">
+                <a:latin typeface="Gill Sans MT" panose="020B0502020104020203" pitchFamily="34" charset="0"/>
+              </a:rPr>
+              <a:t>- Set the XTD bit to indicate an extended identifier, clear the DIR bit to indicate receive, and the MSGVAL bit to indicate that the message object is valid</a:t>
             </a:r>
           </a:p>
           <a:p>
@@ -7283,38 +7454,89 @@
               <a:buNone/>
             </a:pPr>
             <a:r>
-              <a:rPr lang="en-US" dirty="0"/>
-              <a:t> Loopback Mode and Silent Mode can be combined to allow the CAN Controller to be tested without affecting a running CAN system connected to the </a:t>
-            </a:r>
-            <a:r>
-              <a:rPr lang="en-US" dirty="0" err="1"/>
-              <a:t>CANnTX</a:t>
-            </a:r>
-            <a:r>
-              <a:rPr lang="en-US" dirty="0"/>
-              <a:t> and </a:t>
-            </a:r>
-            <a:r>
-              <a:rPr lang="en-US" dirty="0" err="1"/>
-              <a:t>CANnRX</a:t>
-            </a:r>
-            <a:r>
-              <a:rPr lang="en-US" dirty="0"/>
-              <a:t> signals </a:t>
+              <a:rPr lang="en-US" sz="1500" dirty="0">
+                <a:latin typeface="Gill Sans MT" panose="020B0502020104020203" pitchFamily="34" charset="0"/>
+              </a:rPr>
+              <a:t>4- In the </a:t>
+            </a:r>
+            <a:r>
+              <a:rPr lang="en-US" sz="1500" dirty="0" err="1">
+                <a:latin typeface="Gill Sans MT" panose="020B0502020104020203" pitchFamily="34" charset="0"/>
+              </a:rPr>
+              <a:t>CANIFnMCTL</a:t>
+            </a:r>
+            <a:r>
+              <a:rPr lang="en-US" sz="1500" dirty="0">
+                <a:latin typeface="Gill Sans MT" panose="020B0502020104020203" pitchFamily="34" charset="0"/>
+              </a:rPr>
+              <a:t> register:</a:t>
+            </a:r>
+          </a:p>
+          <a:p>
+            <a:pPr lvl="0"/>
+            <a:r>
+              <a:rPr lang="en-US" sz="1500" dirty="0">
+                <a:latin typeface="Gill Sans MT" panose="020B0502020104020203" pitchFamily="34" charset="0"/>
+              </a:rPr>
+              <a:t>- Optionally set the UMASK bit to enable the mask (MSK, MXTD, and MDIR specified in the CANIFnMSK1 and CANIFnMSK2 registers) for acceptance filtering.</a:t>
+            </a:r>
+          </a:p>
+          <a:p>
+            <a:pPr lvl="0"/>
+            <a:r>
+              <a:rPr lang="en-US" sz="1500" dirty="0">
+                <a:latin typeface="Gill Sans MT" panose="020B0502020104020203" pitchFamily="34" charset="0"/>
+              </a:rPr>
+              <a:t>- Optionally set the RXIE bit to enable the INTPND bit to be set after a successful transmission, and clear RMTEN bit to leave the TXRQST bit unchanged.</a:t>
+            </a:r>
+          </a:p>
+          <a:p>
+            <a:pPr lvl="0"/>
+            <a:r>
+              <a:rPr lang="en-US" sz="1500" dirty="0">
+                <a:latin typeface="Gill Sans MT" panose="020B0502020104020203" pitchFamily="34" charset="0"/>
+              </a:rPr>
+              <a:t>- Set the EOB bit for a single message object.</a:t>
+            </a:r>
+          </a:p>
+          <a:p>
+            <a:pPr lvl="0"/>
+            <a:r>
+              <a:rPr lang="en-US" sz="1500" dirty="0">
+                <a:latin typeface="Gill Sans MT" panose="020B0502020104020203" pitchFamily="34" charset="0"/>
+              </a:rPr>
+              <a:t>- Configure the DLC[3:0] field to specify the size of the data frame.</a:t>
             </a:r>
           </a:p>
           <a:p>
             <a:pPr marL="0" lvl="0" indent="0">
               <a:buNone/>
             </a:pPr>
-            <a:endParaRPr lang="en-US" dirty="0"/>
+            <a:r>
+              <a:rPr lang="en-US" sz="1500" dirty="0">
+                <a:latin typeface="Gill Sans MT" panose="020B0502020104020203" pitchFamily="34" charset="0"/>
+              </a:rPr>
+              <a:t>5- Program the number of the message object that will receive in the MNUM field in </a:t>
+            </a:r>
+            <a:r>
+              <a:rPr lang="en-US" sz="1500" dirty="0" err="1">
+                <a:latin typeface="Gill Sans MT" panose="020B0502020104020203" pitchFamily="34" charset="0"/>
+              </a:rPr>
+              <a:t>CANIFnCRQ</a:t>
+            </a:r>
+            <a:r>
+              <a:rPr lang="en-US" sz="1500" dirty="0">
+                <a:latin typeface="Gill Sans MT" panose="020B0502020104020203" pitchFamily="34" charset="0"/>
+              </a:rPr>
+              <a:t>.</a:t>
+            </a:r>
           </a:p>
         </p:txBody>
       </p:sp>
     </p:spTree>
     <p:extLst>
       <p:ext uri="{BB962C8B-B14F-4D97-AF65-F5344CB8AC3E}">
-        <p14:creationId xmlns:p14="http://schemas.microsoft.com/office/powerpoint/2010/main" val="1463234524"/>
+        <p14:creationId xmlns:p14="http://schemas.microsoft.com/office/powerpoint/2010/main" val="2801609728"/>
       </p:ext>
     </p:extLst>
   </p:cSld>
@@ -7555,7 +7777,7 @@
         </p:nvSpPr>
         <p:spPr>
           <a:xfrm>
-            <a:off x="3065218" y="2979326"/>
+            <a:off x="3342527" y="348808"/>
             <a:ext cx="5506931" cy="899348"/>
           </a:xfrm>
         </p:spPr>
@@ -7566,15 +7788,141 @@
             <a:pPr lvl="0"/>
             <a:r>
               <a:rPr lang="en-US" dirty="0"/>
-              <a:t>THANK YOU</a:t>
-            </a:r>
+              <a:t>Test Mode Types </a:t>
+            </a:r>
+          </a:p>
+        </p:txBody>
+      </p:sp>
+      <p:sp>
+        <p:nvSpPr>
+          <p:cNvPr id="6" name="Content Placeholder 2">
+            <a:extLst>
+              <a:ext uri="{FF2B5EF4-FFF2-40B4-BE49-F238E27FC236}">
+                <a16:creationId xmlns:a16="http://schemas.microsoft.com/office/drawing/2014/main" id="{90CFE5AB-A1A8-48FB-B786-5CFDCBA464C7}"/>
+              </a:ext>
+            </a:extLst>
+          </p:cNvPr>
+          <p:cNvSpPr txBox="1">
+            <a:spLocks noGrp="1"/>
+          </p:cNvSpPr>
+          <p:nvPr>
+            <p:ph idx="1"/>
+          </p:nvPr>
+        </p:nvSpPr>
+        <p:spPr>
+          <a:xfrm>
+            <a:off x="1249672" y="1136901"/>
+            <a:ext cx="9692640" cy="5190747"/>
+          </a:xfrm>
+        </p:spPr>
+        <p:txBody>
+          <a:bodyPr/>
+          <a:lstStyle/>
+          <a:p>
+            <a:r>
+              <a:rPr lang="en-US" sz="2400" b="1" dirty="0"/>
+              <a:t>Basic Mode </a:t>
+            </a:r>
+          </a:p>
+          <a:p>
+            <a:pPr marL="0" lvl="0" indent="0">
+              <a:buNone/>
+            </a:pPr>
+            <a:r>
+              <a:rPr lang="en-US" sz="2000" dirty="0"/>
+              <a:t>Basic Mode allows the CAN Controller to operate without the need of the message RAM. </a:t>
+            </a:r>
+            <a:endParaRPr lang="en-US" sz="2000" b="1" dirty="0"/>
+          </a:p>
+          <a:p>
+            <a:r>
+              <a:rPr lang="en-US" sz="2000" b="1" dirty="0"/>
+              <a:t>Silent Mode</a:t>
+            </a:r>
+          </a:p>
+          <a:p>
+            <a:pPr marL="0" lvl="0" indent="0">
+              <a:buNone/>
+            </a:pPr>
+            <a:r>
+              <a:rPr lang="en-US" dirty="0"/>
+              <a:t> Silent Mode can be used to analyze the traffic on a CAN bus without affecting it by the transmission of dominant bits (Acknowledge Bits, Error Frames). </a:t>
+            </a:r>
+          </a:p>
+          <a:p>
+            <a:r>
+              <a:rPr lang="en-US" sz="2000" b="1" dirty="0"/>
+              <a:t>Loopback Mode </a:t>
+            </a:r>
+          </a:p>
+          <a:p>
+            <a:pPr marL="0" lvl="0" indent="0">
+              <a:buNone/>
+            </a:pPr>
+            <a:r>
+              <a:rPr lang="en-US" dirty="0"/>
+              <a:t>Loopback mode is useful for self-test functions. In Loopback Mode, the CAN Controller internally routes the </a:t>
+            </a:r>
+            <a:r>
+              <a:rPr lang="en-US" dirty="0" err="1"/>
+              <a:t>CANnTX</a:t>
+            </a:r>
+            <a:r>
+              <a:rPr lang="en-US" dirty="0"/>
+              <a:t> signal on to the </a:t>
+            </a:r>
+            <a:r>
+              <a:rPr lang="en-US" dirty="0" err="1"/>
+              <a:t>CANnRX</a:t>
+            </a:r>
+            <a:r>
+              <a:rPr lang="en-US" dirty="0"/>
+              <a:t> signal and treats its own transmitted messages as received messages and stores them (if they pass acceptance filtering) into the message buffer.</a:t>
+            </a:r>
+          </a:p>
+          <a:p>
+            <a:r>
+              <a:rPr lang="en-US" sz="2000" b="1" dirty="0"/>
+              <a:t>Loopback Combined with Silent Mode</a:t>
+            </a:r>
+          </a:p>
+          <a:p>
+            <a:pPr marL="0" lvl="0" indent="0">
+              <a:buNone/>
+            </a:pPr>
+            <a:r>
+              <a:rPr lang="en-US" dirty="0"/>
+              <a:t> Loopback Mode and Silent Mode can be combined to allow the CAN Controller to be tested without affecting a running CAN system connected to the </a:t>
+            </a:r>
+            <a:r>
+              <a:rPr lang="en-US" dirty="0" err="1"/>
+              <a:t>CANnTX</a:t>
+            </a:r>
+            <a:r>
+              <a:rPr lang="en-US" dirty="0"/>
+              <a:t> and </a:t>
+            </a:r>
+            <a:r>
+              <a:rPr lang="en-US" dirty="0" err="1"/>
+              <a:t>CANnRX</a:t>
+            </a:r>
+            <a:r>
+              <a:rPr lang="en-US" dirty="0"/>
+              <a:t> signals </a:t>
+            </a:r>
+          </a:p>
+          <a:p>
+            <a:pPr marL="0" lvl="0" indent="0">
+              <a:buNone/>
+            </a:pPr>
+            <a:endParaRPr lang="en-US" dirty="0"/>
           </a:p>
         </p:txBody>
       </p:sp>
     </p:spTree>
     <p:extLst>
       <p:ext uri="{BB962C8B-B14F-4D97-AF65-F5344CB8AC3E}">
-        <p14:creationId xmlns:p14="http://schemas.microsoft.com/office/powerpoint/2010/main" val="2149503129"/>
+        <p14:creationId xmlns:p14="http://schemas.microsoft.com/office/powerpoint/2010/main" val="1463234524"/>
       </p:ext>
     </p:extLst>
   </p:cSld>
@@ -7941,6 +8289,266 @@
 </p:sld>
 </file>
 
+<file path=ppt/slides/slide20.xml><?xml version="1.0" encoding="utf-8"?>
+<p:sld xmlns:a="http://purl.oclc.org/ooxml/drawingml/main" xmlns:r="http://purl.oclc.org/ooxml/officeDocument/relationships" xmlns:p="http://purl.oclc.org/ooxml/presentationml/main">
+  <p:cSld>
+    <p:spTree>
+      <p:nvGrpSpPr>
+        <p:cNvPr id="1" name=""/>
+        <p:cNvGrpSpPr/>
+        <p:nvPr/>
+      </p:nvGrpSpPr>
+      <p:grpSpPr>
+        <a:xfrm>
+          <a:off x="0" y="0"/>
+          <a:ext cx="0" cy="0"/>
+          <a:chOff x="0" y="0"/>
+          <a:chExt cx="0" cy="0"/>
+        </a:xfrm>
+      </p:grpSpPr>
+      <p:sp>
+        <p:nvSpPr>
+          <p:cNvPr id="2" name="Rectangle 7">
+            <a:extLst>
+              <a:ext uri="{FF2B5EF4-FFF2-40B4-BE49-F238E27FC236}">
+                <a16:creationId xmlns:a16="http://schemas.microsoft.com/office/drawing/2014/main" id="{F3177CAB-F849-44BD-8BE4-A8D94F7C7CA4}"/>
+              </a:ext>
+            </a:extLst>
+          </p:cNvPr>
+          <p:cNvSpPr>
+            <a:spLocks noMove="1" noResize="1"/>
+          </p:cNvSpPr>
+          <p:nvPr/>
+        </p:nvSpPr>
+        <p:spPr>
+          <a:xfrm>
+            <a:off x="0" y="0"/>
+            <a:ext cx="12191996" cy="6858000"/>
+          </a:xfrm>
+          <a:prstGeom prst="rect">
+            <a:avLst/>
+          </a:prstGeom>
+          <a:solidFill>
+            <a:srgbClr val="9BAFB5"/>
+          </a:solidFill>
+          <a:ln cap="flat">
+            <a:noFill/>
+            <a:prstDash val="solid"/>
+          </a:ln>
+        </p:spPr>
+        <p:txBody>
+          <a:bodyPr vert="horz" wrap="square" lIns="91440" tIns="45720" rIns="91440" bIns="45720" anchor="ctr" anchorCtr="1" compatLnSpc="1">
+            <a:noAutofit/>
+          </a:bodyPr>
+          <a:lstStyle/>
+          <a:p>
+            <a:pPr marL="0" marR="0" lvl="0" indent="0" algn="ctr" defTabSz="457200" rtl="0" fontAlgn="auto" hangingPunct="1">
+              <a:lnSpc>
+                <a:spcPct val="100%"/>
+              </a:lnSpc>
+              <a:spcBef>
+                <a:spcPts val="0"/>
+              </a:spcBef>
+              <a:spcAft>
+                <a:spcPts val="0"/>
+              </a:spcAft>
+              <a:buNone/>
+              <a:tabLst/>
+              <a:defRPr sz="1800" b="0" i="0" u="none" strike="noStrike" kern="0" cap="none" spc="0" baseline="0%">
+                <a:solidFill>
+                  <a:srgbClr val="000000"/>
+                </a:solidFill>
+                <a:uFillTx/>
+              </a:defRPr>
+            </a:pPr>
+            <a:endParaRPr lang="en-US" sz="1800" b="0" i="0" u="none" strike="noStrike" kern="1200" cap="none" spc="0" baseline="0%">
+              <a:solidFill>
+                <a:srgbClr val="FFFFFF"/>
+              </a:solidFill>
+              <a:uFillTx/>
+              <a:latin typeface="Gill Sans MT"/>
+            </a:endParaRPr>
+          </a:p>
+        </p:txBody>
+      </p:sp>
+      <p:sp>
+        <p:nvSpPr>
+          <p:cNvPr id="3" name="Rectangle 9">
+            <a:extLst>
+              <a:ext uri="{FF2B5EF4-FFF2-40B4-BE49-F238E27FC236}">
+                <a16:creationId xmlns:a16="http://schemas.microsoft.com/office/drawing/2014/main" id="{DD630317-0FA2-4B8D-8EFE-37AD98E28449}"/>
+              </a:ext>
+            </a:extLst>
+          </p:cNvPr>
+          <p:cNvSpPr>
+            <a:spLocks noMove="1" noResize="1"/>
+          </p:cNvSpPr>
+          <p:nvPr/>
+        </p:nvSpPr>
+        <p:spPr>
+          <a:xfrm>
+            <a:off x="1249683" y="1248156"/>
+            <a:ext cx="9692640" cy="4361688"/>
+          </a:xfrm>
+          <a:prstGeom prst="rect">
+            <a:avLst/>
+          </a:prstGeom>
+          <a:solidFill>
+            <a:srgbClr val="FFFFFF"/>
+          </a:solidFill>
+          <a:ln cap="flat">
+            <a:noFill/>
+            <a:prstDash val="solid"/>
+          </a:ln>
+        </p:spPr>
+        <p:txBody>
+          <a:bodyPr vert="horz" wrap="square" lIns="91440" tIns="45720" rIns="91440" bIns="45720" anchor="ctr" anchorCtr="1" compatLnSpc="1">
+            <a:noAutofit/>
+          </a:bodyPr>
+          <a:lstStyle/>
+          <a:p>
+            <a:pPr marL="0" marR="0" lvl="0" indent="0" algn="ctr" defTabSz="457200" rtl="0" fontAlgn="auto" hangingPunct="1">
+              <a:lnSpc>
+                <a:spcPct val="100%"/>
+              </a:lnSpc>
+              <a:spcBef>
+                <a:spcPts val="0"/>
+              </a:spcBef>
+              <a:spcAft>
+                <a:spcPts val="0"/>
+              </a:spcAft>
+              <a:buNone/>
+              <a:tabLst/>
+              <a:defRPr sz="1800" b="0" i="0" u="none" strike="noStrike" kern="0" cap="none" spc="0" baseline="0%">
+                <a:solidFill>
+                  <a:srgbClr val="000000"/>
+                </a:solidFill>
+                <a:uFillTx/>
+              </a:defRPr>
+            </a:pPr>
+            <a:endParaRPr lang="en-US" sz="1800" b="0" i="0" u="none" strike="noStrike" kern="1200" cap="none" spc="0" baseline="0%">
+              <a:solidFill>
+                <a:srgbClr val="FFFFFF"/>
+              </a:solidFill>
+              <a:uFillTx/>
+              <a:latin typeface="Gill Sans MT"/>
+            </a:endParaRPr>
+          </a:p>
+        </p:txBody>
+      </p:sp>
+      <p:sp>
+        <p:nvSpPr>
+          <p:cNvPr id="4" name="Rectangle 11">
+            <a:extLst>
+              <a:ext uri="{FF2B5EF4-FFF2-40B4-BE49-F238E27FC236}">
+                <a16:creationId xmlns:a16="http://schemas.microsoft.com/office/drawing/2014/main" id="{457C7507-9919-4E81-868F-A130F0BB46B2}"/>
+              </a:ext>
+            </a:extLst>
+          </p:cNvPr>
+          <p:cNvSpPr>
+            <a:spLocks noMove="1" noResize="1"/>
+          </p:cNvSpPr>
+          <p:nvPr/>
+        </p:nvSpPr>
+        <p:spPr>
+          <a:xfrm>
+            <a:off x="1062231" y="1060704"/>
+            <a:ext cx="10067544" cy="4736592"/>
+          </a:xfrm>
+          <a:prstGeom prst="rect">
+            <a:avLst/>
+          </a:prstGeom>
+          <a:noFill/>
+          <a:ln w="31747" cap="sq">
+            <a:solidFill>
+              <a:srgbClr val="FFFFFF"/>
+            </a:solidFill>
+            <a:prstDash val="solid"/>
+            <a:miter/>
+          </a:ln>
+        </p:spPr>
+        <p:txBody>
+          <a:bodyPr vert="horz" wrap="square" lIns="91440" tIns="45720" rIns="91440" bIns="45720" anchor="ctr" anchorCtr="1" compatLnSpc="1">
+            <a:noAutofit/>
+          </a:bodyPr>
+          <a:lstStyle/>
+          <a:p>
+            <a:pPr marL="0" marR="0" lvl="0" indent="0" algn="ctr" defTabSz="457200" rtl="0" fontAlgn="auto" hangingPunct="1">
+              <a:lnSpc>
+                <a:spcPct val="100%"/>
+              </a:lnSpc>
+              <a:spcBef>
+                <a:spcPts val="0"/>
+              </a:spcBef>
+              <a:spcAft>
+                <a:spcPts val="0"/>
+              </a:spcAft>
+              <a:buNone/>
+              <a:tabLst/>
+              <a:defRPr sz="1800" b="0" i="0" u="none" strike="noStrike" kern="0" cap="none" spc="0" baseline="0%">
+                <a:solidFill>
+                  <a:srgbClr val="000000"/>
+                </a:solidFill>
+                <a:uFillTx/>
+              </a:defRPr>
+            </a:pPr>
+            <a:endParaRPr lang="en-US" sz="1800" b="0" i="0" u="none" strike="noStrike" kern="1200" cap="none" spc="0" baseline="0%">
+              <a:solidFill>
+                <a:srgbClr val="FFFFFF"/>
+              </a:solidFill>
+              <a:uFillTx/>
+              <a:latin typeface="Gill Sans MT"/>
+            </a:endParaRPr>
+          </a:p>
+        </p:txBody>
+      </p:sp>
+      <p:sp>
+        <p:nvSpPr>
+          <p:cNvPr id="5" name="Title 1">
+            <a:extLst>
+              <a:ext uri="{FF2B5EF4-FFF2-40B4-BE49-F238E27FC236}">
+                <a16:creationId xmlns:a16="http://schemas.microsoft.com/office/drawing/2014/main" id="{5EEC968B-C9F7-49D9-A614-0300A054108E}"/>
+              </a:ext>
+            </a:extLst>
+          </p:cNvPr>
+          <p:cNvSpPr txBox="1">
+            <a:spLocks noGrp="1"/>
+          </p:cNvSpPr>
+          <p:nvPr>
+            <p:ph type="title"/>
+          </p:nvPr>
+        </p:nvSpPr>
+        <p:spPr>
+          <a:xfrm>
+            <a:off x="3065218" y="2979326"/>
+            <a:ext cx="5506931" cy="899348"/>
+          </a:xfrm>
+        </p:spPr>
+        <p:txBody>
+          <a:bodyPr/>
+          <a:lstStyle/>
+          <a:p>
+            <a:pPr lvl="0"/>
+            <a:r>
+              <a:rPr lang="en-US" dirty="0"/>
+              <a:t>THANK YOU</a:t>
+            </a:r>
+          </a:p>
+        </p:txBody>
+      </p:sp>
+    </p:spTree>
+    <p:extLst>
+      <p:ext uri="{BB962C8B-B14F-4D97-AF65-F5344CB8AC3E}">
+        <p14:creationId xmlns:p14="http://schemas.microsoft.com/office/powerpoint/2010/main" val="2149503129"/>
+      </p:ext>
+    </p:extLst>
+  </p:cSld>
+  <p:clrMapOvr>
+    <a:masterClrMapping/>
+  </p:clrMapOvr>
+</p:sld>
+</file>
+
 <file path=ppt/slides/slide3.xml><?xml version="1.0" encoding="utf-8"?>
 <p:sld xmlns:a="http://purl.oclc.org/ooxml/drawingml/main" xmlns:r="http://purl.oclc.org/ooxml/officeDocument/relationships" xmlns:p="http://purl.oclc.org/ooxml/presentationml/main">
   <p:cSld>
@@ -8191,7 +8799,11 @@
             <a:pPr lvl="0"/>
             <a:r>
               <a:rPr lang="en-US" dirty="0"/>
-              <a:t>Introduction</a:t>
+              <a:t>Introduction </a:t>
+            </a:r>
+            <a:r>
+              <a:rPr lang="en-US" sz="800" b="1" dirty="0"/>
+              <a:t>Cont.</a:t>
             </a:r>
           </a:p>
         </p:txBody>
@@ -10282,7 +10894,29 @@
             </a:r>
             <a:r>
               <a:rPr lang="en-US" dirty="0"/>
-              <a:t> Extension (CANBRPE) register to configure the bit timing.</a:t>
+              <a:t> Extension (CANBRPE) register to configure the </a:t>
+            </a:r>
+            <a:r>
+              <a:rPr lang="en-US" b="1" u="sng" dirty="0">
+                <a:solidFill>
+                  <a:schemeClr val="accent4">
+                    <a:lumMod val="60%"/>
+                    <a:lumOff val="40%"/>
+                  </a:schemeClr>
+                </a:solidFill>
+              </a:rPr>
+              <a:t>bit timing</a:t>
+            </a:r>
+            <a:r>
+              <a:rPr lang="en-US" b="1" dirty="0">
+                <a:solidFill>
+                  <a:schemeClr val="accent4">
+                    <a:lumMod val="60%"/>
+                    <a:lumOff val="40%"/>
+                  </a:schemeClr>
+                </a:solidFill>
+              </a:rPr>
+              <a:t>.</a:t>
             </a:r>
           </a:p>
           <a:p>
